--- a/Bellwethers.pptx
+++ b/Bellwethers.pptx
@@ -1403,7 +1403,7 @@
         <a:p>
           <a:r>
             <a:rPr lang="en-US" sz="1800" dirty="0"/>
-            <a:t>Get median </a:t>
+            <a:t>Calculate median </a:t>
           </a:r>
           <a:r>
             <a:rPr lang="en-US" sz="1800" i="1" dirty="0"/>
@@ -2171,7 +2171,7 @@
           </a:pPr>
           <a:r>
             <a:rPr lang="en-US" sz="1800" kern="1200" dirty="0"/>
-            <a:t>Get median </a:t>
+            <a:t>Calculate median </a:t>
           </a:r>
           <a:r>
             <a:rPr lang="en-US" sz="1800" i="1" kern="1200" dirty="0"/>
@@ -13566,6 +13566,42 @@
           <a:chExt cx="0" cy="0"/>
         </a:xfrm>
       </p:grpSpPr>
+      <p:pic>
+        <p:nvPicPr>
+          <p:cNvPr id="10" name="Picture 9">
+            <a:extLst>
+              <a:ext uri="{FF2B5EF4-FFF2-40B4-BE49-F238E27FC236}">
+                <a16:creationId xmlns:a16="http://schemas.microsoft.com/office/drawing/2014/main" id="{147A7DD1-3BDC-425F-854B-11F6D44BDA16}"/>
+              </a:ext>
+            </a:extLst>
+          </p:cNvPr>
+          <p:cNvPicPr/>
+          <p:nvPr/>
+        </p:nvPicPr>
+        <p:blipFill>
+          <a:blip r:embed="rId2">
+            <a:extLst>
+              <a:ext uri="{28A0092B-C50C-407E-A947-70E740481C1C}">
+                <a14:useLocalDpi xmlns:a14="http://schemas.microsoft.com/office/drawing/2010/main" val="0"/>
+              </a:ext>
+            </a:extLst>
+          </a:blip>
+          <a:srcRect/>
+          <a:stretch>
+            <a:fillRect/>
+          </a:stretch>
+        </p:blipFill>
+        <p:spPr bwMode="auto">
+          <a:xfrm>
+            <a:off x="1457492" y="2072949"/>
+            <a:ext cx="6229016" cy="3696402"/>
+          </a:xfrm>
+          <a:prstGeom prst="rect">
+            <a:avLst/>
+          </a:prstGeom>
+          <a:noFill/>
+        </p:spPr>
+      </p:pic>
       <p:sp>
         <p:nvSpPr>
           <p:cNvPr id="2" name="Title 1">
@@ -13662,422 +13698,6 @@
           </a:p>
         </p:txBody>
       </p:sp>
-      <p:graphicFrame>
-        <p:nvGraphicFramePr>
-          <p:cNvPr id="7" name="Table 6">
-            <a:extLst>
-              <a:ext uri="{FF2B5EF4-FFF2-40B4-BE49-F238E27FC236}">
-                <a16:creationId xmlns:a16="http://schemas.microsoft.com/office/drawing/2014/main" id="{84FFEC08-BC9F-430A-983C-1A45C629FED0}"/>
-              </a:ext>
-            </a:extLst>
-          </p:cNvPr>
-          <p:cNvGraphicFramePr>
-            <a:graphicFrameLocks noGrp="1"/>
-          </p:cNvGraphicFramePr>
-          <p:nvPr>
-            <p:extLst>
-              <p:ext uri="{D42A27DB-BD31-4B8C-83A1-F6EECF244321}">
-                <p14:modId xmlns:p14="http://schemas.microsoft.com/office/powerpoint/2010/main" val="3089710030"/>
-              </p:ext>
-            </p:extLst>
-          </p:nvPr>
-        </p:nvGraphicFramePr>
-        <p:xfrm>
-          <a:off x="1524000" y="2452488"/>
-          <a:ext cx="6096000" cy="2667000"/>
-        </p:xfrm>
-        <a:graphic>
-          <a:graphicData uri="http://schemas.openxmlformats.org/drawingml/2006/table">
-            <a:tbl>
-              <a:tblPr firstRow="1" bandRow="1">
-                <a:tableStyleId>{69C7853C-536D-4A76-A0AE-DD22124D55A5}</a:tableStyleId>
-              </a:tblPr>
-              <a:tblGrid>
-                <a:gridCol w="2032000">
-                  <a:extLst>
-                    <a:ext uri="{9D8B030D-6E8A-4147-A177-3AD203B41FA5}">
-                      <a16:colId xmlns:a16="http://schemas.microsoft.com/office/drawing/2014/main" val="2818377439"/>
-                    </a:ext>
-                  </a:extLst>
-                </a:gridCol>
-                <a:gridCol w="2032000">
-                  <a:extLst>
-                    <a:ext uri="{9D8B030D-6E8A-4147-A177-3AD203B41FA5}">
-                      <a16:colId xmlns:a16="http://schemas.microsoft.com/office/drawing/2014/main" val="1546296488"/>
-                    </a:ext>
-                  </a:extLst>
-                </a:gridCol>
-                <a:gridCol w="2032000">
-                  <a:extLst>
-                    <a:ext uri="{9D8B030D-6E8A-4147-A177-3AD203B41FA5}">
-                      <a16:colId xmlns:a16="http://schemas.microsoft.com/office/drawing/2014/main" val="3030199240"/>
-                    </a:ext>
-                  </a:extLst>
-                </a:gridCol>
-              </a:tblGrid>
-              <a:tr h="370840">
-                <a:tc>
-                  <a:txBody>
-                    <a:bodyPr/>
-                    <a:lstStyle/>
-                    <a:p>
-                      <a:pPr algn="ctr"/>
-                      <a:r>
-                        <a:rPr lang="en-US" dirty="0"/>
-                        <a:t>Feature Selection Approach</a:t>
-                      </a:r>
-                      <a:endParaRPr lang="en-US" b="0" dirty="0">
-                        <a:solidFill>
-                          <a:schemeClr val="tx1"/>
-                        </a:solidFill>
-                      </a:endParaRPr>
-                    </a:p>
-                  </a:txBody>
-                  <a:tcPr/>
-                </a:tc>
-                <a:tc>
-                  <a:txBody>
-                    <a:bodyPr/>
-                    <a:lstStyle/>
-                    <a:p>
-                      <a:pPr algn="ctr"/>
-                      <a:r>
-                        <a:rPr lang="en-US" dirty="0"/>
-                        <a:t>g-Score</a:t>
-                      </a:r>
-                      <a:endParaRPr lang="en-US" dirty="0">
-                        <a:solidFill>
-                          <a:schemeClr val="tx1"/>
-                        </a:solidFill>
-                      </a:endParaRPr>
-                    </a:p>
-                  </a:txBody>
-                  <a:tcPr/>
-                </a:tc>
-                <a:tc>
-                  <a:txBody>
-                    <a:bodyPr/>
-                    <a:lstStyle/>
-                    <a:p>
-                      <a:pPr algn="ctr"/>
-                      <a:r>
-                        <a:rPr lang="en-US" dirty="0"/>
-                        <a:t>Runtime</a:t>
-                      </a:r>
-                    </a:p>
-                    <a:p>
-                      <a:pPr algn="ctr"/>
-                      <a:r>
-                        <a:rPr lang="en-US" dirty="0">
-                          <a:solidFill>
-                            <a:schemeClr val="bg1"/>
-                          </a:solidFill>
-                        </a:rPr>
-                        <a:t>(in sec)</a:t>
-                      </a:r>
-                    </a:p>
-                  </a:txBody>
-                  <a:tcPr/>
-                </a:tc>
-                <a:extLst>
-                  <a:ext uri="{0D108BD9-81ED-4DB2-BD59-A6C34878D82A}">
-                    <a16:rowId xmlns:a16="http://schemas.microsoft.com/office/drawing/2014/main" val="2441635531"/>
-                  </a:ext>
-                </a:extLst>
-              </a:tr>
-              <a:tr h="370840">
-                <a:tc>
-                  <a:txBody>
-                    <a:bodyPr/>
-                    <a:lstStyle/>
-                    <a:p>
-                      <a:pPr algn="ctr"/>
-                      <a:r>
-                        <a:rPr lang="en-US" dirty="0"/>
-                        <a:t>Forward Feature Selection</a:t>
-                      </a:r>
-                      <a:endParaRPr lang="en-US" b="0" dirty="0"/>
-                    </a:p>
-                  </a:txBody>
-                  <a:tcPr/>
-                </a:tc>
-                <a:tc>
-                  <a:txBody>
-                    <a:bodyPr/>
-                    <a:lstStyle/>
-                    <a:p>
-                      <a:pPr algn="ctr"/>
-                      <a:r>
-                        <a:rPr lang="en-US" dirty="0"/>
-                        <a:t>0.62</a:t>
-                      </a:r>
-                    </a:p>
-                  </a:txBody>
-                  <a:tcPr/>
-                </a:tc>
-                <a:tc>
-                  <a:txBody>
-                    <a:bodyPr/>
-                    <a:lstStyle/>
-                    <a:p>
-                      <a:pPr algn="ctr"/>
-                      <a:r>
-                        <a:rPr lang="en-US" dirty="0"/>
-                        <a:t>2.22</a:t>
-                      </a:r>
-                    </a:p>
-                  </a:txBody>
-                  <a:tcPr/>
-                </a:tc>
-                <a:extLst>
-                  <a:ext uri="{0D108BD9-81ED-4DB2-BD59-A6C34878D82A}">
-                    <a16:rowId xmlns:a16="http://schemas.microsoft.com/office/drawing/2014/main" val="891370072"/>
-                  </a:ext>
-                </a:extLst>
-              </a:tr>
-              <a:tr h="370840">
-                <a:tc>
-                  <a:txBody>
-                    <a:bodyPr/>
-                    <a:lstStyle/>
-                    <a:p>
-                      <a:pPr algn="ctr"/>
-                      <a:r>
-                        <a:rPr lang="en-US" dirty="0"/>
-                        <a:t>Backward Feature Elimination</a:t>
-                      </a:r>
-                      <a:endParaRPr lang="en-US" b="0" dirty="0"/>
-                    </a:p>
-                  </a:txBody>
-                  <a:tcPr/>
-                </a:tc>
-                <a:tc>
-                  <a:txBody>
-                    <a:bodyPr/>
-                    <a:lstStyle/>
-                    <a:p>
-                      <a:pPr algn="ctr"/>
-                      <a:r>
-                        <a:rPr lang="en-US" dirty="0"/>
-                        <a:t>0.63</a:t>
-                      </a:r>
-                    </a:p>
-                  </a:txBody>
-                  <a:tcPr/>
-                </a:tc>
-                <a:tc>
-                  <a:txBody>
-                    <a:bodyPr/>
-                    <a:lstStyle/>
-                    <a:p>
-                      <a:pPr algn="ctr"/>
-                      <a:r>
-                        <a:rPr lang="en-US" dirty="0"/>
-                        <a:t>5.07</a:t>
-                      </a:r>
-                    </a:p>
-                  </a:txBody>
-                  <a:tcPr/>
-                </a:tc>
-                <a:extLst>
-                  <a:ext uri="{0D108BD9-81ED-4DB2-BD59-A6C34878D82A}">
-                    <a16:rowId xmlns:a16="http://schemas.microsoft.com/office/drawing/2014/main" val="573984924"/>
-                  </a:ext>
-                </a:extLst>
-              </a:tr>
-              <a:tr h="370840">
-                <a:tc>
-                  <a:txBody>
-                    <a:bodyPr/>
-                    <a:lstStyle/>
-                    <a:p>
-                      <a:pPr algn="ctr"/>
-                      <a:r>
-                        <a:rPr lang="en-US" dirty="0"/>
-                        <a:t>Information Gain</a:t>
-                      </a:r>
-                      <a:endParaRPr lang="en-US" b="0" dirty="0"/>
-                    </a:p>
-                  </a:txBody>
-                  <a:tcPr>
-                    <a:solidFill>
-                      <a:srgbClr val="92D050">
-                        <a:alpha val="40000"/>
-                      </a:srgbClr>
-                    </a:solidFill>
-                  </a:tcPr>
-                </a:tc>
-                <a:tc>
-                  <a:txBody>
-                    <a:bodyPr/>
-                    <a:lstStyle/>
-                    <a:p>
-                      <a:pPr algn="ctr"/>
-                      <a:r>
-                        <a:rPr lang="en-US" b="1" dirty="0"/>
-                        <a:t>0.58</a:t>
-                      </a:r>
-                    </a:p>
-                  </a:txBody>
-                  <a:tcPr>
-                    <a:solidFill>
-                      <a:srgbClr val="92D050">
-                        <a:alpha val="40000"/>
-                      </a:srgbClr>
-                    </a:solidFill>
-                  </a:tcPr>
-                </a:tc>
-                <a:tc>
-                  <a:txBody>
-                    <a:bodyPr/>
-                    <a:lstStyle/>
-                    <a:p>
-                      <a:pPr algn="ctr"/>
-                      <a:r>
-                        <a:rPr lang="en-US" b="1" dirty="0"/>
-                        <a:t>1.34</a:t>
-                      </a:r>
-                    </a:p>
-                  </a:txBody>
-                  <a:tcPr>
-                    <a:solidFill>
-                      <a:srgbClr val="92D050">
-                        <a:alpha val="40000"/>
-                      </a:srgbClr>
-                    </a:solidFill>
-                  </a:tcPr>
-                </a:tc>
-                <a:extLst>
-                  <a:ext uri="{0D108BD9-81ED-4DB2-BD59-A6C34878D82A}">
-                    <a16:rowId xmlns:a16="http://schemas.microsoft.com/office/drawing/2014/main" val="383686440"/>
-                  </a:ext>
-                </a:extLst>
-              </a:tr>
-              <a:tr h="370840">
-                <a:tc>
-                  <a:txBody>
-                    <a:bodyPr/>
-                    <a:lstStyle/>
-                    <a:p>
-                      <a:pPr algn="ctr"/>
-                      <a:r>
-                        <a:rPr lang="en-US" dirty="0"/>
-                        <a:t>CFS</a:t>
-                      </a:r>
-                      <a:endParaRPr lang="en-US" b="0" dirty="0"/>
-                    </a:p>
-                  </a:txBody>
-                  <a:tcPr>
-                    <a:solidFill>
-                      <a:schemeClr val="accent2">
-                        <a:lumMod val="20000"/>
-                        <a:lumOff val="80000"/>
-                      </a:schemeClr>
-                    </a:solidFill>
-                  </a:tcPr>
-                </a:tc>
-                <a:tc>
-                  <a:txBody>
-                    <a:bodyPr/>
-                    <a:lstStyle/>
-                    <a:p>
-                      <a:pPr algn="ctr"/>
-                      <a:r>
-                        <a:rPr lang="en-US" b="1" dirty="0"/>
-                        <a:t>0.58</a:t>
-                      </a:r>
-                    </a:p>
-                  </a:txBody>
-                  <a:tcPr>
-                    <a:solidFill>
-                      <a:schemeClr val="accent2">
-                        <a:lumMod val="20000"/>
-                        <a:lumOff val="80000"/>
-                      </a:schemeClr>
-                    </a:solidFill>
-                  </a:tcPr>
-                </a:tc>
-                <a:tc>
-                  <a:txBody>
-                    <a:bodyPr/>
-                    <a:lstStyle/>
-                    <a:p>
-                      <a:pPr algn="ctr"/>
-                      <a:r>
-                        <a:rPr lang="en-US" b="1" dirty="0"/>
-                        <a:t>12.12</a:t>
-                      </a:r>
-                    </a:p>
-                  </a:txBody>
-                  <a:tcPr>
-                    <a:solidFill>
-                      <a:schemeClr val="accent2">
-                        <a:lumMod val="20000"/>
-                        <a:lumOff val="80000"/>
-                      </a:schemeClr>
-                    </a:solidFill>
-                  </a:tcPr>
-                </a:tc>
-                <a:extLst>
-                  <a:ext uri="{0D108BD9-81ED-4DB2-BD59-A6C34878D82A}">
-                    <a16:rowId xmlns:a16="http://schemas.microsoft.com/office/drawing/2014/main" val="2590079293"/>
-                  </a:ext>
-                </a:extLst>
-              </a:tr>
-              <a:tr h="370840">
-                <a:tc>
-                  <a:txBody>
-                    <a:bodyPr/>
-                    <a:lstStyle/>
-                    <a:p>
-                      <a:pPr algn="ctr"/>
-                      <a:r>
-                        <a:rPr lang="en-US" dirty="0"/>
-                        <a:t>None</a:t>
-                      </a:r>
-                      <a:endParaRPr lang="en-US" b="0" dirty="0"/>
-                    </a:p>
-                  </a:txBody>
-                  <a:tcPr/>
-                </a:tc>
-                <a:tc>
-                  <a:txBody>
-                    <a:bodyPr/>
-                    <a:lstStyle/>
-                    <a:p>
-                      <a:pPr algn="ctr"/>
-                      <a:r>
-                        <a:rPr lang="en-US" b="1" dirty="0"/>
-                        <a:t>0.61</a:t>
-                      </a:r>
-                    </a:p>
-                  </a:txBody>
-                  <a:tcPr/>
-                </a:tc>
-                <a:tc>
-                  <a:txBody>
-                    <a:bodyPr/>
-                    <a:lstStyle/>
-                    <a:p>
-                      <a:pPr algn="ctr"/>
-                      <a:r>
-                        <a:rPr lang="en-US" b="1" dirty="0"/>
-                        <a:t>1.42</a:t>
-                      </a:r>
-                    </a:p>
-                  </a:txBody>
-                  <a:tcPr/>
-                </a:tc>
-                <a:extLst>
-                  <a:ext uri="{0D108BD9-81ED-4DB2-BD59-A6C34878D82A}">
-                    <a16:rowId xmlns:a16="http://schemas.microsoft.com/office/drawing/2014/main" val="1199090715"/>
-                  </a:ext>
-                </a:extLst>
-              </a:tr>
-            </a:tbl>
-          </a:graphicData>
-        </a:graphic>
-      </p:graphicFrame>
       <p:sp>
         <p:nvSpPr>
           <p:cNvPr id="9" name="TextBox 8">
@@ -14092,7 +13712,7 @@
         </p:nvSpPr>
         <p:spPr>
           <a:xfrm>
-            <a:off x="1524000" y="5172821"/>
+            <a:off x="1457492" y="5769351"/>
             <a:ext cx="3959261" cy="276999"/>
           </a:xfrm>
           <a:prstGeom prst="rect">
@@ -18783,7 +18403,7 @@
           <p:nvPr>
             <p:extLst>
               <p:ext uri="{D42A27DB-BD31-4B8C-83A1-F6EECF244321}">
-                <p14:modId xmlns:p14="http://schemas.microsoft.com/office/powerpoint/2010/main" val="1792092224"/>
+                <p14:modId xmlns:p14="http://schemas.microsoft.com/office/powerpoint/2010/main" val="2640415525"/>
               </p:ext>
             </p:extLst>
           </p:nvPr>
@@ -18853,6 +18473,202 @@
           </a:p>
         </p:txBody>
       </p:sp>
+      <mc:AlternateContent xmlns:mc="http://schemas.openxmlformats.org/markup-compatibility/2006">
+        <mc:Choice xmlns:a14="http://schemas.microsoft.com/office/drawing/2010/main" Requires="a14">
+          <p:sp>
+            <p:nvSpPr>
+              <p:cNvPr id="3" name="Rectangle 2">
+                <a:extLst>
+                  <a:ext uri="{FF2B5EF4-FFF2-40B4-BE49-F238E27FC236}">
+                    <a16:creationId xmlns:a16="http://schemas.microsoft.com/office/drawing/2014/main" id="{75F74877-2DF1-4ACE-937E-4A628BF90EC6}"/>
+                  </a:ext>
+                </a:extLst>
+              </p:cNvPr>
+              <p:cNvSpPr/>
+              <p:nvPr/>
+            </p:nvSpPr>
+            <p:spPr>
+              <a:xfrm>
+                <a:off x="6331708" y="3529705"/>
+                <a:ext cx="1897892" cy="548227"/>
+              </a:xfrm>
+              <a:prstGeom prst="rect">
+                <a:avLst/>
+              </a:prstGeom>
+              <a:ln w="28575">
+                <a:solidFill>
+                  <a:srgbClr val="008080"/>
+                </a:solidFill>
+                <a:prstDash val="lgDash"/>
+              </a:ln>
+            </p:spPr>
+            <p:txBody>
+              <a:bodyPr wrap="none">
+                <a:spAutoFit/>
+              </a:bodyPr>
+              <a:lstStyle/>
+              <a:p>
+                <a14:m>
+                  <m:oMathPara xmlns:m="http://schemas.openxmlformats.org/officeDocument/2006/math">
+                    <m:oMathParaPr>
+                      <m:jc m:val="centerGroup"/>
+                    </m:oMathParaPr>
+                    <m:oMath xmlns:m="http://schemas.openxmlformats.org/officeDocument/2006/math">
+                      <m:r>
+                        <a:rPr lang="en-US" i="1">
+                          <a:latin typeface="Cambria Math" panose="02040503050406030204" pitchFamily="18" charset="0"/>
+                        </a:rPr>
+                        <m:t>𝐺</m:t>
+                      </m:r>
+                      <m:r>
+                        <a:rPr lang="en-US">
+                          <a:latin typeface="Cambria Math" panose="02040503050406030204" pitchFamily="18" charset="0"/>
+                        </a:rPr>
+                        <m:t>=</m:t>
+                      </m:r>
+                      <m:f>
+                        <m:fPr>
+                          <m:ctrlPr>
+                            <a:rPr lang="en-US" i="1">
+                              <a:latin typeface="Cambria Math" panose="02040503050406030204" pitchFamily="18" charset="0"/>
+                            </a:rPr>
+                          </m:ctrlPr>
+                        </m:fPr>
+                        <m:num>
+                          <m:d>
+                            <m:dPr>
+                              <m:begChr m:val=""/>
+                              <m:ctrlPr>
+                                <a:rPr lang="en-US" i="1">
+                                  <a:latin typeface="Cambria Math" panose="02040503050406030204" pitchFamily="18" charset="0"/>
+                                </a:rPr>
+                              </m:ctrlPr>
+                            </m:dPr>
+                            <m:e>
+                              <m:r>
+                                <a:rPr lang="en-US">
+                                  <a:latin typeface="Cambria Math" panose="02040503050406030204" pitchFamily="18" charset="0"/>
+                                </a:rPr>
+                                <m:t>2∗</m:t>
+                              </m:r>
+                              <m:r>
+                                <a:rPr lang="en-US" i="1">
+                                  <a:latin typeface="Cambria Math" panose="02040503050406030204" pitchFamily="18" charset="0"/>
+                                </a:rPr>
+                                <m:t>𝑝𝑑</m:t>
+                              </m:r>
+                              <m:r>
+                                <a:rPr lang="en-US">
+                                  <a:latin typeface="Cambria Math" panose="02040503050406030204" pitchFamily="18" charset="0"/>
+                                </a:rPr>
+                                <m:t>∗(1−</m:t>
+                              </m:r>
+                              <m:r>
+                                <a:rPr lang="en-US" i="1">
+                                  <a:latin typeface="Cambria Math" panose="02040503050406030204" pitchFamily="18" charset="0"/>
+                                </a:rPr>
+                                <m:t>𝑝𝑓</m:t>
+                              </m:r>
+                            </m:e>
+                          </m:d>
+                        </m:num>
+                        <m:den>
+                          <m:d>
+                            <m:dPr>
+                              <m:ctrlPr>
+                                <a:rPr lang="en-US" i="1">
+                                  <a:latin typeface="Cambria Math" panose="02040503050406030204" pitchFamily="18" charset="0"/>
+                                </a:rPr>
+                              </m:ctrlPr>
+                            </m:dPr>
+                            <m:e>
+                              <m:r>
+                                <a:rPr lang="en-US">
+                                  <a:latin typeface="Cambria Math" panose="02040503050406030204" pitchFamily="18" charset="0"/>
+                                </a:rPr>
+                                <m:t>1+</m:t>
+                              </m:r>
+                              <m:r>
+                                <a:rPr lang="en-US" i="1">
+                                  <a:latin typeface="Cambria Math" panose="02040503050406030204" pitchFamily="18" charset="0"/>
+                                </a:rPr>
+                                <m:t>𝑝𝑑</m:t>
+                              </m:r>
+                              <m:r>
+                                <a:rPr lang="en-US">
+                                  <a:latin typeface="Cambria Math" panose="02040503050406030204" pitchFamily="18" charset="0"/>
+                                </a:rPr>
+                                <m:t>−</m:t>
+                              </m:r>
+                              <m:r>
+                                <a:rPr lang="en-US" i="1">
+                                  <a:latin typeface="Cambria Math" panose="02040503050406030204" pitchFamily="18" charset="0"/>
+                                </a:rPr>
+                                <m:t>𝑝𝑓</m:t>
+                              </m:r>
+                            </m:e>
+                          </m:d>
+                        </m:den>
+                      </m:f>
+                    </m:oMath>
+                  </m:oMathPara>
+                </a14:m>
+                <a:endParaRPr lang="en-US" dirty="0"/>
+              </a:p>
+            </p:txBody>
+          </p:sp>
+        </mc:Choice>
+        <mc:Fallback>
+          <p:sp>
+            <p:nvSpPr>
+              <p:cNvPr id="3" name="Rectangle 2">
+                <a:extLst>
+                  <a:ext uri="{FF2B5EF4-FFF2-40B4-BE49-F238E27FC236}">
+                    <a16:creationId xmlns:a16="http://schemas.microsoft.com/office/drawing/2014/main" id="{75F74877-2DF1-4ACE-937E-4A628BF90EC6}"/>
+                  </a:ext>
+                </a:extLst>
+              </p:cNvPr>
+              <p:cNvSpPr>
+                <a:spLocks noRot="1" noChangeAspect="1" noMove="1" noResize="1" noEditPoints="1" noAdjustHandles="1" noChangeArrowheads="1" noChangeShapeType="1" noTextEdit="1"/>
+              </p:cNvSpPr>
+              <p:nvPr/>
+            </p:nvSpPr>
+            <p:spPr>
+              <a:xfrm>
+                <a:off x="6331708" y="3529705"/>
+                <a:ext cx="1897892" cy="548227"/>
+              </a:xfrm>
+              <a:prstGeom prst="rect">
+                <a:avLst/>
+              </a:prstGeom>
+              <a:blipFill>
+                <a:blip r:embed="rId8"/>
+                <a:stretch>
+                  <a:fillRect t="-53684" r="-18038" b="-38947"/>
+                </a:stretch>
+              </a:blipFill>
+              <a:ln w="28575">
+                <a:solidFill>
+                  <a:srgbClr val="008080"/>
+                </a:solidFill>
+                <a:prstDash val="lgDash"/>
+              </a:ln>
+            </p:spPr>
+            <p:txBody>
+              <a:bodyPr/>
+              <a:lstStyle/>
+              <a:p>
+                <a:r>
+                  <a:rPr lang="en-US">
+                    <a:noFill/>
+                  </a:rPr>
+                  <a:t> </a:t>
+                </a:r>
+              </a:p>
+            </p:txBody>
+          </p:sp>
+        </mc:Fallback>
+      </mc:AlternateContent>
     </p:spTree>
     <p:extLst>
       <p:ext uri="{BB962C8B-B14F-4D97-AF65-F5344CB8AC3E}">
@@ -19648,8 +19464,8 @@
         </p:nvSpPr>
         <p:spPr>
           <a:xfrm>
-            <a:off x="457200" y="2152617"/>
-            <a:ext cx="7827264" cy="3626014"/>
+            <a:off x="457200" y="1813251"/>
+            <a:ext cx="8229600" cy="3626014"/>
           </a:xfrm>
           <a:prstGeom prst="rect">
             <a:avLst/>
@@ -19662,6 +19478,9 @@
           <a:lstStyle/>
           <a:p>
             <a:pPr marL="0" lvl="0" indent="0" algn="l" rtl="0">
+              <a:lnSpc>
+                <a:spcPct val="150000"/>
+              </a:lnSpc>
               <a:spcBef>
                 <a:spcPts val="480"/>
               </a:spcBef>
@@ -19680,11 +19499,14 @@
             </a:r>
             <a:r>
               <a:rPr lang="en" dirty="0"/>
-              <a:t> Can we predict which dataset will be the 	bellwether?</a:t>
+              <a:t> Can we predict which dataset will be the bellwether?</a:t>
             </a:r>
           </a:p>
           <a:p>
             <a:pPr marL="0" lvl="0" indent="0">
+              <a:lnSpc>
+                <a:spcPct val="150000"/>
+              </a:lnSpc>
               <a:buSzPts val="1100"/>
               <a:buNone/>
             </a:pPr>
@@ -19702,11 +19524,14 @@
             </a:r>
             <a:r>
               <a:rPr lang="en-US" dirty="0"/>
-              <a:t> Can we reduce the time to find bellwether by 	reducing the size of data?</a:t>
+              <a:t> Can we reduce the time to find bellwether by reducing the size of data?</a:t>
             </a:r>
           </a:p>
           <a:p>
             <a:pPr marL="0" lvl="0" indent="0">
+              <a:lnSpc>
+                <a:spcPct val="150000"/>
+              </a:lnSpc>
               <a:buSzPts val="1100"/>
               <a:buNone/>
             </a:pPr>
@@ -19720,21 +19545,14 @@
             </a:r>
             <a:r>
               <a:rPr lang="en-US" dirty="0"/>
-              <a:t> Does Hoeffding sampling give better         </a:t>
+              <a:t> Does Hoeffding sampling give better performance that project elimination?</a:t>
             </a:r>
           </a:p>
           <a:p>
             <a:pPr marL="0" lvl="0" indent="0">
-              <a:buSzPts val="1100"/>
-              <a:buNone/>
-            </a:pPr>
-            <a:r>
-              <a:rPr lang="en-US" dirty="0"/>
-              <a:t>          performance that project elimination?</a:t>
-            </a:r>
-          </a:p>
-          <a:p>
-            <a:pPr marL="0" lvl="0" indent="0">
+              <a:lnSpc>
+                <a:spcPct val="150000"/>
+              </a:lnSpc>
               <a:buSzPts val="1100"/>
               <a:buNone/>
             </a:pPr>
@@ -19748,17 +19566,7 @@
             </a:r>
             <a:r>
               <a:rPr lang="en-US" dirty="0"/>
-              <a:t> Does feature selection improve the time for </a:t>
-            </a:r>
-          </a:p>
-          <a:p>
-            <a:pPr marL="0" lvl="0" indent="0">
-              <a:buSzPts val="1100"/>
-              <a:buNone/>
-            </a:pPr>
-            <a:r>
-              <a:rPr lang="en-US" dirty="0"/>
-              <a:t>          bellwether identification?</a:t>
+              <a:t> Does feature selection improve the time for bellwether identification?</a:t>
             </a:r>
             <a:endParaRPr dirty="0"/>
           </a:p>

--- a/Bellwethers.pptx
+++ b/Bellwethers.pptx
@@ -5,31 +5,32 @@
     <p:sldMasterId id="2147483653" r:id="rId1"/>
   </p:sldMasterIdLst>
   <p:notesMasterIdLst>
-    <p:notesMasterId r:id="rId24"/>
+    <p:notesMasterId r:id="rId25"/>
   </p:notesMasterIdLst>
   <p:sldIdLst>
     <p:sldId id="276" r:id="rId2"/>
-    <p:sldId id="278" r:id="rId3"/>
-    <p:sldId id="270" r:id="rId4"/>
-    <p:sldId id="277" r:id="rId5"/>
-    <p:sldId id="271" r:id="rId6"/>
-    <p:sldId id="269" r:id="rId7"/>
-    <p:sldId id="274" r:id="rId8"/>
-    <p:sldId id="279" r:id="rId9"/>
-    <p:sldId id="280" r:id="rId10"/>
-    <p:sldId id="283" r:id="rId11"/>
-    <p:sldId id="284" r:id="rId12"/>
-    <p:sldId id="285" r:id="rId13"/>
-    <p:sldId id="286" r:id="rId14"/>
-    <p:sldId id="287" r:id="rId15"/>
-    <p:sldId id="288" r:id="rId16"/>
-    <p:sldId id="289" r:id="rId17"/>
-    <p:sldId id="282" r:id="rId18"/>
-    <p:sldId id="293" r:id="rId19"/>
-    <p:sldId id="281" r:id="rId20"/>
-    <p:sldId id="291" r:id="rId21"/>
-    <p:sldId id="290" r:id="rId22"/>
-    <p:sldId id="263" r:id="rId23"/>
+    <p:sldId id="294" r:id="rId3"/>
+    <p:sldId id="278" r:id="rId4"/>
+    <p:sldId id="270" r:id="rId5"/>
+    <p:sldId id="277" r:id="rId6"/>
+    <p:sldId id="271" r:id="rId7"/>
+    <p:sldId id="269" r:id="rId8"/>
+    <p:sldId id="274" r:id="rId9"/>
+    <p:sldId id="279" r:id="rId10"/>
+    <p:sldId id="280" r:id="rId11"/>
+    <p:sldId id="283" r:id="rId12"/>
+    <p:sldId id="284" r:id="rId13"/>
+    <p:sldId id="285" r:id="rId14"/>
+    <p:sldId id="286" r:id="rId15"/>
+    <p:sldId id="287" r:id="rId16"/>
+    <p:sldId id="288" r:id="rId17"/>
+    <p:sldId id="289" r:id="rId18"/>
+    <p:sldId id="282" r:id="rId19"/>
+    <p:sldId id="293" r:id="rId20"/>
+    <p:sldId id="281" r:id="rId21"/>
+    <p:sldId id="291" r:id="rId22"/>
+    <p:sldId id="290" r:id="rId23"/>
+    <p:sldId id="263" r:id="rId24"/>
   </p:sldIdLst>
   <p:sldSz cx="9144000" cy="6858000" type="screen4x3"/>
   <p:notesSz cx="6858000" cy="9144000"/>
@@ -5266,7 +5267,7 @@
           <a:p>
             <a:fld id="{1623C508-0628-45AE-A769-6507AEE940B6}" type="datetime1">
               <a:rPr lang="en-US" smtClean="0"/>
-              <a:t>3/20/2019</a:t>
+              <a:t>3/21/2019</a:t>
             </a:fld>
             <a:endParaRPr/>
           </a:p>
@@ -6356,7 +6357,7 @@
           <a:p>
             <a:fld id="{820E7DF1-5434-4D59-8F92-96DB76BF4828}" type="datetime1">
               <a:rPr lang="en-US" smtClean="0"/>
-              <a:t>3/20/2019</a:t>
+              <a:t>3/21/2019</a:t>
             </a:fld>
             <a:endParaRPr/>
           </a:p>
@@ -7685,7 +7686,7 @@
           <a:p>
             <a:fld id="{65862E7F-2CB9-48F9-9722-896101BA3E1F}" type="datetime1">
               <a:rPr lang="en-US" smtClean="0"/>
-              <a:t>3/20/2019</a:t>
+              <a:t>3/21/2019</a:t>
             </a:fld>
             <a:endParaRPr/>
           </a:p>
@@ -8536,7 +8537,7 @@
           <a:p>
             <a:fld id="{037A9A92-DDB6-4318-8DBE-0715E5ABF37D}" type="datetime1">
               <a:rPr lang="en-US" smtClean="0"/>
-              <a:t>3/20/2019</a:t>
+              <a:t>3/21/2019</a:t>
             </a:fld>
             <a:endParaRPr/>
           </a:p>
@@ -10719,7 +10720,7 @@
           <a:p>
             <a:fld id="{042AD2C9-4A3D-4A2F-B640-3816F3BB337B}" type="datetime1">
               <a:rPr lang="en-US" smtClean="0"/>
-              <a:t>3/20/2019</a:t>
+              <a:t>3/21/2019</a:t>
             </a:fld>
             <a:endParaRPr lang="en-US"/>
           </a:p>
@@ -11065,6 +11066,205 @@
 </file>
 
 <file path=ppt/slides/slide10.xml><?xml version="1.0" encoding="utf-8"?>
+<p:sld xmlns:a="http://schemas.openxmlformats.org/drawingml/2006/main" xmlns:r="http://schemas.openxmlformats.org/officeDocument/2006/relationships" xmlns:p="http://schemas.openxmlformats.org/presentationml/2006/main">
+  <p:cSld>
+    <p:spTree>
+      <p:nvGrpSpPr>
+        <p:cNvPr id="1" name=""/>
+        <p:cNvGrpSpPr/>
+        <p:nvPr/>
+      </p:nvGrpSpPr>
+      <p:grpSpPr>
+        <a:xfrm>
+          <a:off x="0" y="0"/>
+          <a:ext cx="0" cy="0"/>
+          <a:chOff x="0" y="0"/>
+          <a:chExt cx="0" cy="0"/>
+        </a:xfrm>
+      </p:grpSpPr>
+      <p:sp>
+        <p:nvSpPr>
+          <p:cNvPr id="4" name="Date Placeholder 3">
+            <a:extLst>
+              <a:ext uri="{FF2B5EF4-FFF2-40B4-BE49-F238E27FC236}">
+                <a16:creationId xmlns:a16="http://schemas.microsoft.com/office/drawing/2014/main" id="{D7A4983C-EFD7-473F-B0E6-9293AF3F2156}"/>
+              </a:ext>
+            </a:extLst>
+          </p:cNvPr>
+          <p:cNvSpPr>
+            <a:spLocks noGrp="1"/>
+          </p:cNvSpPr>
+          <p:nvPr>
+            <p:ph type="dt" idx="10"/>
+          </p:nvPr>
+        </p:nvSpPr>
+        <p:spPr/>
+        <p:txBody>
+          <a:bodyPr/>
+          <a:lstStyle/>
+          <a:p>
+            <a:fld id="{820E7DF1-5434-4D59-8F92-96DB76BF4828}" type="datetime1">
+              <a:rPr lang="en-US" smtClean="0"/>
+              <a:t>3/21/2019</a:t>
+            </a:fld>
+            <a:endParaRPr lang="en-US"/>
+          </a:p>
+        </p:txBody>
+      </p:sp>
+      <p:sp>
+        <p:nvSpPr>
+          <p:cNvPr id="6" name="Slide Number Placeholder 5">
+            <a:extLst>
+              <a:ext uri="{FF2B5EF4-FFF2-40B4-BE49-F238E27FC236}">
+                <a16:creationId xmlns:a16="http://schemas.microsoft.com/office/drawing/2014/main" id="{C8B94072-B690-40D0-AA82-97B0C7B33238}"/>
+              </a:ext>
+            </a:extLst>
+          </p:cNvPr>
+          <p:cNvSpPr>
+            <a:spLocks noGrp="1"/>
+          </p:cNvSpPr>
+          <p:nvPr>
+            <p:ph type="sldNum" idx="12"/>
+          </p:nvPr>
+        </p:nvSpPr>
+        <p:spPr/>
+        <p:txBody>
+          <a:bodyPr/>
+          <a:lstStyle/>
+          <a:p>
+            <a:pPr marL="0" lvl="0" indent="0" algn="r" rtl="0">
+              <a:spcBef>
+                <a:spcPts val="0"/>
+              </a:spcBef>
+              <a:spcAft>
+                <a:spcPts val="0"/>
+              </a:spcAft>
+              <a:buNone/>
+            </a:pPr>
+            <a:fld id="{00000000-1234-1234-1234-123412341234}" type="slidenum">
+              <a:rPr lang="en" smtClean="0"/>
+              <a:t>10</a:t>
+            </a:fld>
+            <a:endParaRPr lang="en"/>
+          </a:p>
+        </p:txBody>
+      </p:sp>
+      <p:sp>
+        <p:nvSpPr>
+          <p:cNvPr id="7" name="Title 1">
+            <a:extLst>
+              <a:ext uri="{FF2B5EF4-FFF2-40B4-BE49-F238E27FC236}">
+                <a16:creationId xmlns:a16="http://schemas.microsoft.com/office/drawing/2014/main" id="{CEFA21B8-1F3A-4473-9451-2A160C430053}"/>
+              </a:ext>
+            </a:extLst>
+          </p:cNvPr>
+          <p:cNvSpPr>
+            <a:spLocks noGrp="1"/>
+          </p:cNvSpPr>
+          <p:nvPr>
+            <p:ph type="title"/>
+          </p:nvPr>
+        </p:nvSpPr>
+        <p:spPr>
+          <a:xfrm>
+            <a:off x="457200" y="900113"/>
+            <a:ext cx="8229600" cy="1068300"/>
+          </a:xfrm>
+        </p:spPr>
+        <p:txBody>
+          <a:bodyPr/>
+          <a:lstStyle/>
+          <a:p>
+            <a:pPr algn="l"/>
+            <a:r>
+              <a:rPr lang="en-US" dirty="0"/>
+              <a:t>Sampling using Hoeffding Bounds</a:t>
+            </a:r>
+          </a:p>
+        </p:txBody>
+      </p:sp>
+      <p:pic>
+        <p:nvPicPr>
+          <p:cNvPr id="8" name="Picture 7">
+            <a:extLst>
+              <a:ext uri="{FF2B5EF4-FFF2-40B4-BE49-F238E27FC236}">
+                <a16:creationId xmlns:a16="http://schemas.microsoft.com/office/drawing/2014/main" id="{D59C3BC0-9971-43B8-8B38-AB51E2C7928F}"/>
+              </a:ext>
+            </a:extLst>
+          </p:cNvPr>
+          <p:cNvPicPr>
+            <a:picLocks noChangeAspect="1"/>
+          </p:cNvPicPr>
+          <p:nvPr/>
+        </p:nvPicPr>
+        <p:blipFill>
+          <a:blip r:embed="rId2"/>
+          <a:stretch>
+            <a:fillRect/>
+          </a:stretch>
+        </p:blipFill>
+        <p:spPr>
+          <a:xfrm>
+            <a:off x="1220771" y="1865466"/>
+            <a:ext cx="6702458" cy="4007433"/>
+          </a:xfrm>
+          <a:prstGeom prst="rect">
+            <a:avLst/>
+          </a:prstGeom>
+        </p:spPr>
+      </p:pic>
+      <p:sp>
+        <p:nvSpPr>
+          <p:cNvPr id="9" name="TextBox 8">
+            <a:extLst>
+              <a:ext uri="{FF2B5EF4-FFF2-40B4-BE49-F238E27FC236}">
+                <a16:creationId xmlns:a16="http://schemas.microsoft.com/office/drawing/2014/main" id="{E1618FBE-85CA-46FE-BB91-1B9A26107957}"/>
+              </a:ext>
+            </a:extLst>
+          </p:cNvPr>
+          <p:cNvSpPr txBox="1"/>
+          <p:nvPr/>
+        </p:nvSpPr>
+        <p:spPr>
+          <a:xfrm>
+            <a:off x="1010632" y="5872899"/>
+            <a:ext cx="7122736" cy="523220"/>
+          </a:xfrm>
+          <a:prstGeom prst="rect">
+            <a:avLst/>
+          </a:prstGeom>
+          <a:noFill/>
+        </p:spPr>
+        <p:txBody>
+          <a:bodyPr wrap="square" rtlCol="0">
+            <a:spAutoFit/>
+          </a:bodyPr>
+          <a:lstStyle/>
+          <a:p>
+            <a:r>
+              <a:rPr lang="en-US" sz="1600" i="1" dirty="0"/>
+              <a:t>The upper bound of learning box #2 eliminates the learning boxes #1 and #5</a:t>
+            </a:r>
+          </a:p>
+          <a:p>
+            <a:endParaRPr lang="en-US" sz="1200" i="1" dirty="0"/>
+          </a:p>
+        </p:txBody>
+      </p:sp>
+    </p:spTree>
+    <p:extLst>
+      <p:ext uri="{BB962C8B-B14F-4D97-AF65-F5344CB8AC3E}">
+        <p14:creationId xmlns:p14="http://schemas.microsoft.com/office/powerpoint/2010/main" val="1072699748"/>
+      </p:ext>
+    </p:extLst>
+  </p:cSld>
+  <p:clrMapOvr>
+    <a:masterClrMapping/>
+  </p:clrMapOvr>
+</p:sld>
+</file>
+
+<file path=ppt/slides/slide11.xml><?xml version="1.0" encoding="utf-8"?>
 <p:sld xmlns:a="http://schemas.openxmlformats.org/drawingml/2006/main" xmlns:r="http://schemas.openxmlformats.org/officeDocument/2006/relationships" xmlns:p="http://schemas.openxmlformats.org/presentationml/2006/main">
   <p:cSld>
     <p:spTree>
@@ -11211,7 +11411,7 @@
           <a:p>
             <a:fld id="{820E7DF1-5434-4D59-8F92-96DB76BF4828}" type="datetime1">
               <a:rPr lang="en-US" smtClean="0"/>
-              <a:t>3/20/2019</a:t>
+              <a:t>3/21/2019</a:t>
             </a:fld>
             <a:endParaRPr lang="en-US"/>
           </a:p>
@@ -11249,7 +11449,7 @@
             </a:pPr>
             <a:fld id="{00000000-1234-1234-1234-123412341234}" type="slidenum">
               <a:rPr lang="en" smtClean="0"/>
-              <a:t>10</a:t>
+              <a:t>11</a:t>
             </a:fld>
             <a:endParaRPr lang="en"/>
           </a:p>
@@ -11268,7 +11468,7 @@
 </p:sld>
 </file>
 
-<file path=ppt/slides/slide11.xml><?xml version="1.0" encoding="utf-8"?>
+<file path=ppt/slides/slide12.xml><?xml version="1.0" encoding="utf-8"?>
 <p:sld xmlns:a="http://schemas.openxmlformats.org/drawingml/2006/main" xmlns:r="http://schemas.openxmlformats.org/officeDocument/2006/relationships" xmlns:p="http://schemas.openxmlformats.org/presentationml/2006/main">
   <p:cSld>
     <p:spTree>
@@ -11592,7 +11792,7 @@
           <a:p>
             <a:fld id="{820E7DF1-5434-4D59-8F92-96DB76BF4828}" type="datetime1">
               <a:rPr lang="en-US" smtClean="0"/>
-              <a:t>3/20/2019</a:t>
+              <a:t>3/21/2019</a:t>
             </a:fld>
             <a:endParaRPr lang="en-US"/>
           </a:p>
@@ -11630,7 +11830,7 @@
             </a:pPr>
             <a:fld id="{00000000-1234-1234-1234-123412341234}" type="slidenum">
               <a:rPr lang="en" smtClean="0"/>
-              <a:t>11</a:t>
+              <a:t>12</a:t>
             </a:fld>
             <a:endParaRPr lang="en"/>
           </a:p>
@@ -11683,7 +11883,7 @@
 </p:sld>
 </file>
 
-<file path=ppt/slides/slide12.xml><?xml version="1.0" encoding="utf-8"?>
+<file path=ppt/slides/slide13.xml><?xml version="1.0" encoding="utf-8"?>
 <p:sld xmlns:a="http://schemas.openxmlformats.org/drawingml/2006/main" xmlns:r="http://schemas.openxmlformats.org/officeDocument/2006/relationships" xmlns:p="http://schemas.openxmlformats.org/presentationml/2006/main">
   <p:cSld>
     <p:spTree>
@@ -11828,7 +12028,7 @@
           <a:p>
             <a:fld id="{820E7DF1-5434-4D59-8F92-96DB76BF4828}" type="datetime1">
               <a:rPr lang="en-US" smtClean="0"/>
-              <a:t>3/20/2019</a:t>
+              <a:t>3/21/2019</a:t>
             </a:fld>
             <a:endParaRPr lang="en-US"/>
           </a:p>
@@ -11866,7 +12066,7 @@
             </a:pPr>
             <a:fld id="{00000000-1234-1234-1234-123412341234}" type="slidenum">
               <a:rPr lang="en" smtClean="0"/>
-              <a:t>12</a:t>
+              <a:t>13</a:t>
             </a:fld>
             <a:endParaRPr lang="en"/>
           </a:p>
@@ -11885,7 +12085,7 @@
 </p:sld>
 </file>
 
-<file path=ppt/slides/slide13.xml><?xml version="1.0" encoding="utf-8"?>
+<file path=ppt/slides/slide14.xml><?xml version="1.0" encoding="utf-8"?>
 <p:sld xmlns:a="http://schemas.openxmlformats.org/drawingml/2006/main" xmlns:r="http://schemas.openxmlformats.org/officeDocument/2006/relationships" xmlns:p="http://schemas.openxmlformats.org/presentationml/2006/main">
   <p:cSld>
     <p:spTree>
@@ -11954,7 +12154,7 @@
           <a:p>
             <a:fld id="{820E7DF1-5434-4D59-8F92-96DB76BF4828}" type="datetime1">
               <a:rPr lang="en-US" smtClean="0"/>
-              <a:t>3/20/2019</a:t>
+              <a:t>3/21/2019</a:t>
             </a:fld>
             <a:endParaRPr lang="en-US"/>
           </a:p>
@@ -11992,7 +12192,7 @@
             </a:pPr>
             <a:fld id="{00000000-1234-1234-1234-123412341234}" type="slidenum">
               <a:rPr lang="en" smtClean="0"/>
-              <a:t>13</a:t>
+              <a:t>14</a:t>
             </a:fld>
             <a:endParaRPr lang="en"/>
           </a:p>
@@ -12536,7 +12736,7 @@
 </p:sld>
 </file>
 
-<file path=ppt/slides/slide14.xml><?xml version="1.0" encoding="utf-8"?>
+<file path=ppt/slides/slide15.xml><?xml version="1.0" encoding="utf-8"?>
 <p:sld xmlns:a="http://schemas.openxmlformats.org/drawingml/2006/main" xmlns:r="http://schemas.openxmlformats.org/officeDocument/2006/relationships" xmlns:p="http://schemas.openxmlformats.org/presentationml/2006/main">
   <p:cSld>
     <p:spTree>
@@ -12605,7 +12805,7 @@
           <a:p>
             <a:fld id="{820E7DF1-5434-4D59-8F92-96DB76BF4828}" type="datetime1">
               <a:rPr lang="en-US" smtClean="0"/>
-              <a:t>3/20/2019</a:t>
+              <a:t>3/21/2019</a:t>
             </a:fld>
             <a:endParaRPr lang="en-US"/>
           </a:p>
@@ -12643,7 +12843,7 @@
             </a:pPr>
             <a:fld id="{00000000-1234-1234-1234-123412341234}" type="slidenum">
               <a:rPr lang="en" smtClean="0"/>
-              <a:t>14</a:t>
+              <a:t>15</a:t>
             </a:fld>
             <a:endParaRPr lang="en"/>
           </a:p>
@@ -13187,7 +13387,7 @@
 </p:sld>
 </file>
 
-<file path=ppt/slides/slide15.xml><?xml version="1.0" encoding="utf-8"?>
+<file path=ppt/slides/slide16.xml><?xml version="1.0" encoding="utf-8"?>
 <p:sld xmlns:a="http://schemas.openxmlformats.org/drawingml/2006/main" xmlns:r="http://schemas.openxmlformats.org/officeDocument/2006/relationships" xmlns:p="http://schemas.openxmlformats.org/presentationml/2006/main">
   <p:cSld>
     <p:spTree>
@@ -13311,7 +13511,7 @@
           <a:p>
             <a:fld id="{820E7DF1-5434-4D59-8F92-96DB76BF4828}" type="datetime1">
               <a:rPr lang="en-US" smtClean="0"/>
-              <a:t>3/20/2019</a:t>
+              <a:t>3/21/2019</a:t>
             </a:fld>
             <a:endParaRPr lang="en-US"/>
           </a:p>
@@ -13349,7 +13549,7 @@
             </a:pPr>
             <a:fld id="{00000000-1234-1234-1234-123412341234}" type="slidenum">
               <a:rPr lang="en" smtClean="0"/>
-              <a:t>15</a:t>
+              <a:t>16</a:t>
             </a:fld>
             <a:endParaRPr lang="en"/>
           </a:p>
@@ -13368,7 +13568,7 @@
 </p:sld>
 </file>
 
-<file path=ppt/slides/slide16.xml><?xml version="1.0" encoding="utf-8"?>
+<file path=ppt/slides/slide17.xml><?xml version="1.0" encoding="utf-8"?>
 <p:sld xmlns:a="http://schemas.openxmlformats.org/drawingml/2006/main" xmlns:r="http://schemas.openxmlformats.org/officeDocument/2006/relationships" xmlns:p="http://schemas.openxmlformats.org/presentationml/2006/main">
   <p:cSld>
     <p:spTree>
@@ -13492,7 +13692,7 @@
           <a:p>
             <a:fld id="{820E7DF1-5434-4D59-8F92-96DB76BF4828}" type="datetime1">
               <a:rPr lang="en-US" smtClean="0"/>
-              <a:t>3/20/2019</a:t>
+              <a:t>3/21/2019</a:t>
             </a:fld>
             <a:endParaRPr lang="en-US"/>
           </a:p>
@@ -13530,7 +13730,7 @@
             </a:pPr>
             <a:fld id="{00000000-1234-1234-1234-123412341234}" type="slidenum">
               <a:rPr lang="en" smtClean="0"/>
-              <a:t>16</a:t>
+              <a:t>17</a:t>
             </a:fld>
             <a:endParaRPr lang="en"/>
           </a:p>
@@ -13549,7 +13749,7 @@
 </p:sld>
 </file>
 
-<file path=ppt/slides/slide17.xml><?xml version="1.0" encoding="utf-8"?>
+<file path=ppt/slides/slide18.xml><?xml version="1.0" encoding="utf-8"?>
 <p:sld xmlns:a="http://schemas.openxmlformats.org/drawingml/2006/main" xmlns:r="http://schemas.openxmlformats.org/officeDocument/2006/relationships" xmlns:p="http://schemas.openxmlformats.org/presentationml/2006/main">
   <p:cSld>
     <p:spTree>
@@ -13654,7 +13854,7 @@
           <a:p>
             <a:fld id="{820E7DF1-5434-4D59-8F92-96DB76BF4828}" type="datetime1">
               <a:rPr lang="en-US" smtClean="0"/>
-              <a:t>3/20/2019</a:t>
+              <a:t>3/21/2019</a:t>
             </a:fld>
             <a:endParaRPr lang="en-US"/>
           </a:p>
@@ -13692,7 +13892,7 @@
             </a:pPr>
             <a:fld id="{00000000-1234-1234-1234-123412341234}" type="slidenum">
               <a:rPr lang="en" smtClean="0"/>
-              <a:t>17</a:t>
+              <a:t>18</a:t>
             </a:fld>
             <a:endParaRPr lang="en"/>
           </a:p>
@@ -13746,7 +13946,7 @@
 </p:sld>
 </file>
 
-<file path=ppt/slides/slide18.xml><?xml version="1.0" encoding="utf-8"?>
+<file path=ppt/slides/slide19.xml><?xml version="1.0" encoding="utf-8"?>
 <p:sld xmlns:a="http://schemas.openxmlformats.org/drawingml/2006/main" xmlns:r="http://schemas.openxmlformats.org/officeDocument/2006/relationships" xmlns:p="http://schemas.openxmlformats.org/presentationml/2006/main">
   <p:cSld>
     <p:spTree>
@@ -13866,7 +14066,7 @@
           <a:p>
             <a:fld id="{820E7DF1-5434-4D59-8F92-96DB76BF4828}" type="datetime1">
               <a:rPr lang="en-US" smtClean="0"/>
-              <a:t>3/20/2019</a:t>
+              <a:t>3/21/2019</a:t>
             </a:fld>
             <a:endParaRPr lang="en-US"/>
           </a:p>
@@ -13904,7 +14104,7 @@
             </a:pPr>
             <a:fld id="{00000000-1234-1234-1234-123412341234}" type="slidenum">
               <a:rPr lang="en" smtClean="0"/>
-              <a:t>18</a:t>
+              <a:t>19</a:t>
             </a:fld>
             <a:endParaRPr lang="en"/>
           </a:p>
@@ -13923,7 +14123,1154 @@
 </p:sld>
 </file>
 
-<file path=ppt/slides/slide19.xml><?xml version="1.0" encoding="utf-8"?>
+<file path=ppt/slides/slide2.xml><?xml version="1.0" encoding="utf-8"?>
+<p:sld xmlns:a="http://schemas.openxmlformats.org/drawingml/2006/main" xmlns:r="http://schemas.openxmlformats.org/officeDocument/2006/relationships" xmlns:p="http://schemas.openxmlformats.org/presentationml/2006/main">
+  <p:cSld>
+    <p:spTree>
+      <p:nvGrpSpPr>
+        <p:cNvPr id="1" name=""/>
+        <p:cNvGrpSpPr/>
+        <p:nvPr/>
+      </p:nvGrpSpPr>
+      <p:grpSpPr>
+        <a:xfrm>
+          <a:off x="0" y="0"/>
+          <a:ext cx="0" cy="0"/>
+          <a:chOff x="0" y="0"/>
+          <a:chExt cx="0" cy="0"/>
+        </a:xfrm>
+      </p:grpSpPr>
+      <p:sp>
+        <p:nvSpPr>
+          <p:cNvPr id="2" name="Title 1">
+            <a:extLst>
+              <a:ext uri="{FF2B5EF4-FFF2-40B4-BE49-F238E27FC236}">
+                <a16:creationId xmlns:a16="http://schemas.microsoft.com/office/drawing/2014/main" id="{8600E4A6-0048-4CF7-9C17-C447E4EAB549}"/>
+              </a:ext>
+            </a:extLst>
+          </p:cNvPr>
+          <p:cNvSpPr>
+            <a:spLocks noGrp="1"/>
+          </p:cNvSpPr>
+          <p:nvPr>
+            <p:ph type="title"/>
+          </p:nvPr>
+        </p:nvSpPr>
+        <p:spPr/>
+        <p:txBody>
+          <a:bodyPr/>
+          <a:lstStyle/>
+          <a:p>
+            <a:pPr algn="l"/>
+            <a:r>
+              <a:rPr lang="en-US" dirty="0"/>
+              <a:t>Tasks involved in this project and their owners</a:t>
+            </a:r>
+          </a:p>
+        </p:txBody>
+      </p:sp>
+      <p:sp>
+        <p:nvSpPr>
+          <p:cNvPr id="4" name="Date Placeholder 3">
+            <a:extLst>
+              <a:ext uri="{FF2B5EF4-FFF2-40B4-BE49-F238E27FC236}">
+                <a16:creationId xmlns:a16="http://schemas.microsoft.com/office/drawing/2014/main" id="{BEB0A811-DDAC-446A-945D-DA23718A14EA}"/>
+              </a:ext>
+            </a:extLst>
+          </p:cNvPr>
+          <p:cNvSpPr>
+            <a:spLocks noGrp="1"/>
+          </p:cNvSpPr>
+          <p:nvPr>
+            <p:ph type="dt" idx="10"/>
+          </p:nvPr>
+        </p:nvSpPr>
+        <p:spPr/>
+        <p:txBody>
+          <a:bodyPr/>
+          <a:lstStyle/>
+          <a:p>
+            <a:fld id="{820E7DF1-5434-4D59-8F92-96DB76BF4828}" type="datetime1">
+              <a:rPr lang="en-US" smtClean="0"/>
+              <a:t>3/21/2019</a:t>
+            </a:fld>
+            <a:endParaRPr lang="en-US"/>
+          </a:p>
+        </p:txBody>
+      </p:sp>
+      <p:sp>
+        <p:nvSpPr>
+          <p:cNvPr id="6" name="Slide Number Placeholder 5">
+            <a:extLst>
+              <a:ext uri="{FF2B5EF4-FFF2-40B4-BE49-F238E27FC236}">
+                <a16:creationId xmlns:a16="http://schemas.microsoft.com/office/drawing/2014/main" id="{F0145619-C312-4E88-83B6-9894AF5CE466}"/>
+              </a:ext>
+            </a:extLst>
+          </p:cNvPr>
+          <p:cNvSpPr>
+            <a:spLocks noGrp="1"/>
+          </p:cNvSpPr>
+          <p:nvPr>
+            <p:ph type="sldNum" idx="12"/>
+          </p:nvPr>
+        </p:nvSpPr>
+        <p:spPr/>
+        <p:txBody>
+          <a:bodyPr/>
+          <a:lstStyle/>
+          <a:p>
+            <a:pPr marL="0" lvl="0" indent="0" algn="r" rtl="0">
+              <a:spcBef>
+                <a:spcPts val="0"/>
+              </a:spcBef>
+              <a:spcAft>
+                <a:spcPts val="0"/>
+              </a:spcAft>
+              <a:buNone/>
+            </a:pPr>
+            <a:fld id="{00000000-1234-1234-1234-123412341234}" type="slidenum">
+              <a:rPr lang="en" smtClean="0"/>
+              <a:t>2</a:t>
+            </a:fld>
+            <a:endParaRPr lang="en"/>
+          </a:p>
+        </p:txBody>
+      </p:sp>
+      <p:graphicFrame>
+        <p:nvGraphicFramePr>
+          <p:cNvPr id="7" name="Table 6">
+            <a:extLst>
+              <a:ext uri="{FF2B5EF4-FFF2-40B4-BE49-F238E27FC236}">
+                <a16:creationId xmlns:a16="http://schemas.microsoft.com/office/drawing/2014/main" id="{8F1AA7A2-88C1-4781-A9B0-86BEFD17A04E}"/>
+              </a:ext>
+            </a:extLst>
+          </p:cNvPr>
+          <p:cNvGraphicFramePr>
+            <a:graphicFrameLocks noGrp="1"/>
+          </p:cNvGraphicFramePr>
+          <p:nvPr>
+            <p:extLst>
+              <p:ext uri="{D42A27DB-BD31-4B8C-83A1-F6EECF244321}">
+                <p14:modId xmlns:p14="http://schemas.microsoft.com/office/powerpoint/2010/main" val="2636057736"/>
+              </p:ext>
+            </p:extLst>
+          </p:nvPr>
+        </p:nvGraphicFramePr>
+        <p:xfrm>
+          <a:off x="1326037" y="2339680"/>
+          <a:ext cx="6096000" cy="3261360"/>
+        </p:xfrm>
+        <a:graphic>
+          <a:graphicData uri="http://schemas.openxmlformats.org/drawingml/2006/table">
+            <a:tbl>
+              <a:tblPr firstRow="1" bandRow="1">
+                <a:tableStyleId>{2D5ABB26-0587-4C30-8999-92F81FD0307C}</a:tableStyleId>
+              </a:tblPr>
+              <a:tblGrid>
+                <a:gridCol w="2925452">
+                  <a:extLst>
+                    <a:ext uri="{9D8B030D-6E8A-4147-A177-3AD203B41FA5}">
+                      <a16:colId xmlns:a16="http://schemas.microsoft.com/office/drawing/2014/main" val="3767562146"/>
+                    </a:ext>
+                  </a:extLst>
+                </a:gridCol>
+                <a:gridCol w="3170548">
+                  <a:extLst>
+                    <a:ext uri="{9D8B030D-6E8A-4147-A177-3AD203B41FA5}">
+                      <a16:colId xmlns:a16="http://schemas.microsoft.com/office/drawing/2014/main" val="1318413540"/>
+                    </a:ext>
+                  </a:extLst>
+                </a:gridCol>
+              </a:tblGrid>
+              <a:tr h="370840">
+                <a:tc>
+                  <a:txBody>
+                    <a:bodyPr/>
+                    <a:lstStyle/>
+                    <a:p>
+                      <a:r>
+                        <a:rPr lang="en-US" b="1" dirty="0"/>
+                        <a:t>Task Division</a:t>
+                      </a:r>
+                    </a:p>
+                  </a:txBody>
+                  <a:tcPr>
+                    <a:lnL w="12700" cap="flat" cmpd="sng" algn="ctr">
+                      <a:solidFill>
+                        <a:schemeClr val="tx1"/>
+                      </a:solidFill>
+                      <a:prstDash val="solid"/>
+                      <a:round/>
+                      <a:headEnd type="none" w="med" len="med"/>
+                      <a:tailEnd type="none" w="med" len="med"/>
+                    </a:lnL>
+                    <a:lnR w="12700" cap="flat" cmpd="sng" algn="ctr">
+                      <a:solidFill>
+                        <a:schemeClr val="tx1"/>
+                      </a:solidFill>
+                      <a:prstDash val="solid"/>
+                      <a:round/>
+                      <a:headEnd type="none" w="med" len="med"/>
+                      <a:tailEnd type="none" w="med" len="med"/>
+                    </a:lnR>
+                    <a:lnT w="12700" cap="flat" cmpd="sng" algn="ctr">
+                      <a:solidFill>
+                        <a:schemeClr val="tx1"/>
+                      </a:solidFill>
+                      <a:prstDash val="solid"/>
+                      <a:round/>
+                      <a:headEnd type="none" w="med" len="med"/>
+                      <a:tailEnd type="none" w="med" len="med"/>
+                    </a:lnT>
+                    <a:lnB w="12700" cap="flat" cmpd="sng" algn="ctr">
+                      <a:solidFill>
+                        <a:schemeClr val="tx1"/>
+                      </a:solidFill>
+                      <a:prstDash val="solid"/>
+                      <a:round/>
+                      <a:headEnd type="none" w="med" len="med"/>
+                      <a:tailEnd type="none" w="med" len="med"/>
+                    </a:lnB>
+                    <a:solidFill>
+                      <a:schemeClr val="bg1">
+                        <a:lumMod val="85000"/>
+                      </a:schemeClr>
+                    </a:solidFill>
+                  </a:tcPr>
+                </a:tc>
+                <a:tc>
+                  <a:txBody>
+                    <a:bodyPr/>
+                    <a:lstStyle/>
+                    <a:p>
+                      <a:r>
+                        <a:rPr lang="en-US" b="1" dirty="0"/>
+                        <a:t>Completed by</a:t>
+                      </a:r>
+                    </a:p>
+                  </a:txBody>
+                  <a:tcPr>
+                    <a:lnL w="12700" cap="flat" cmpd="sng" algn="ctr">
+                      <a:solidFill>
+                        <a:schemeClr val="tx1"/>
+                      </a:solidFill>
+                      <a:prstDash val="solid"/>
+                      <a:round/>
+                      <a:headEnd type="none" w="med" len="med"/>
+                      <a:tailEnd type="none" w="med" len="med"/>
+                    </a:lnL>
+                    <a:lnR w="12700" cap="flat" cmpd="sng" algn="ctr">
+                      <a:solidFill>
+                        <a:schemeClr val="tx1"/>
+                      </a:solidFill>
+                      <a:prstDash val="solid"/>
+                      <a:round/>
+                      <a:headEnd type="none" w="med" len="med"/>
+                      <a:tailEnd type="none" w="med" len="med"/>
+                    </a:lnR>
+                    <a:lnT w="12700" cap="flat" cmpd="sng" algn="ctr">
+                      <a:solidFill>
+                        <a:schemeClr val="tx1"/>
+                      </a:solidFill>
+                      <a:prstDash val="solid"/>
+                      <a:round/>
+                      <a:headEnd type="none" w="med" len="med"/>
+                      <a:tailEnd type="none" w="med" len="med"/>
+                    </a:lnT>
+                    <a:lnB w="12700" cap="flat" cmpd="sng" algn="ctr">
+                      <a:solidFill>
+                        <a:schemeClr val="tx1"/>
+                      </a:solidFill>
+                      <a:prstDash val="solid"/>
+                      <a:round/>
+                      <a:headEnd type="none" w="med" len="med"/>
+                      <a:tailEnd type="none" w="med" len="med"/>
+                    </a:lnB>
+                    <a:solidFill>
+                      <a:schemeClr val="bg1">
+                        <a:lumMod val="85000"/>
+                      </a:schemeClr>
+                    </a:solidFill>
+                  </a:tcPr>
+                </a:tc>
+                <a:extLst>
+                  <a:ext uri="{0D108BD9-81ED-4DB2-BD59-A6C34878D82A}">
+                    <a16:rowId xmlns:a16="http://schemas.microsoft.com/office/drawing/2014/main" val="61169980"/>
+                  </a:ext>
+                </a:extLst>
+              </a:tr>
+              <a:tr h="370840">
+                <a:tc>
+                  <a:txBody>
+                    <a:bodyPr/>
+                    <a:lstStyle/>
+                    <a:p>
+                      <a:r>
+                        <a:rPr lang="en-US" dirty="0"/>
+                        <a:t>Baseline Model</a:t>
+                      </a:r>
+                    </a:p>
+                  </a:txBody>
+                  <a:tcPr>
+                    <a:lnL w="12700" cap="flat" cmpd="sng" algn="ctr">
+                      <a:solidFill>
+                        <a:schemeClr val="tx1"/>
+                      </a:solidFill>
+                      <a:prstDash val="solid"/>
+                      <a:round/>
+                      <a:headEnd type="none" w="med" len="med"/>
+                      <a:tailEnd type="none" w="med" len="med"/>
+                    </a:lnL>
+                    <a:lnR w="12700" cap="flat" cmpd="sng" algn="ctr">
+                      <a:solidFill>
+                        <a:schemeClr val="tx1"/>
+                      </a:solidFill>
+                      <a:prstDash val="solid"/>
+                      <a:round/>
+                      <a:headEnd type="none" w="med" len="med"/>
+                      <a:tailEnd type="none" w="med" len="med"/>
+                    </a:lnR>
+                    <a:lnT w="12700" cap="flat" cmpd="sng" algn="ctr">
+                      <a:solidFill>
+                        <a:schemeClr val="tx1"/>
+                      </a:solidFill>
+                      <a:prstDash val="solid"/>
+                      <a:round/>
+                      <a:headEnd type="none" w="med" len="med"/>
+                      <a:tailEnd type="none" w="med" len="med"/>
+                    </a:lnT>
+                    <a:lnB w="12700" cap="flat" cmpd="sng" algn="ctr">
+                      <a:solidFill>
+                        <a:schemeClr val="tx1"/>
+                      </a:solidFill>
+                      <a:prstDash val="solid"/>
+                      <a:round/>
+                      <a:headEnd type="none" w="med" len="med"/>
+                      <a:tailEnd type="none" w="med" len="med"/>
+                    </a:lnB>
+                  </a:tcPr>
+                </a:tc>
+                <a:tc>
+                  <a:txBody>
+                    <a:bodyPr/>
+                    <a:lstStyle/>
+                    <a:p>
+                      <a:r>
+                        <a:rPr lang="en-US" dirty="0"/>
+                        <a:t>S. </a:t>
+                      </a:r>
+                      <a:r>
+                        <a:rPr lang="en-US" dirty="0" err="1"/>
+                        <a:t>Kacholia</a:t>
+                      </a:r>
+                      <a:r>
+                        <a:rPr lang="en-US" dirty="0"/>
+                        <a:t>, S. Sharma</a:t>
+                      </a:r>
+                    </a:p>
+                  </a:txBody>
+                  <a:tcPr>
+                    <a:lnL w="12700" cap="flat" cmpd="sng" algn="ctr">
+                      <a:solidFill>
+                        <a:schemeClr val="tx1"/>
+                      </a:solidFill>
+                      <a:prstDash val="solid"/>
+                      <a:round/>
+                      <a:headEnd type="none" w="med" len="med"/>
+                      <a:tailEnd type="none" w="med" len="med"/>
+                    </a:lnL>
+                    <a:lnR w="12700" cap="flat" cmpd="sng" algn="ctr">
+                      <a:solidFill>
+                        <a:schemeClr val="tx1"/>
+                      </a:solidFill>
+                      <a:prstDash val="solid"/>
+                      <a:round/>
+                      <a:headEnd type="none" w="med" len="med"/>
+                      <a:tailEnd type="none" w="med" len="med"/>
+                    </a:lnR>
+                    <a:lnT w="12700" cap="flat" cmpd="sng" algn="ctr">
+                      <a:solidFill>
+                        <a:schemeClr val="tx1"/>
+                      </a:solidFill>
+                      <a:prstDash val="solid"/>
+                      <a:round/>
+                      <a:headEnd type="none" w="med" len="med"/>
+                      <a:tailEnd type="none" w="med" len="med"/>
+                    </a:lnT>
+                    <a:lnB w="12700" cap="flat" cmpd="sng" algn="ctr">
+                      <a:solidFill>
+                        <a:schemeClr val="tx1"/>
+                      </a:solidFill>
+                      <a:prstDash val="solid"/>
+                      <a:round/>
+                      <a:headEnd type="none" w="med" len="med"/>
+                      <a:tailEnd type="none" w="med" len="med"/>
+                    </a:lnB>
+                  </a:tcPr>
+                </a:tc>
+                <a:extLst>
+                  <a:ext uri="{0D108BD9-81ED-4DB2-BD59-A6C34878D82A}">
+                    <a16:rowId xmlns:a16="http://schemas.microsoft.com/office/drawing/2014/main" val="1862760569"/>
+                  </a:ext>
+                </a:extLst>
+              </a:tr>
+              <a:tr h="370840">
+                <a:tc>
+                  <a:txBody>
+                    <a:bodyPr/>
+                    <a:lstStyle/>
+                    <a:p>
+                      <a:r>
+                        <a:rPr lang="en-US" dirty="0" err="1"/>
+                        <a:t>Hoeffdings</a:t>
+                      </a:r>
+                      <a:r>
+                        <a:rPr lang="en-US" dirty="0"/>
+                        <a:t> bound implementation</a:t>
+                      </a:r>
+                    </a:p>
+                  </a:txBody>
+                  <a:tcPr>
+                    <a:lnL w="12700" cap="flat" cmpd="sng" algn="ctr">
+                      <a:solidFill>
+                        <a:schemeClr val="tx1"/>
+                      </a:solidFill>
+                      <a:prstDash val="solid"/>
+                      <a:round/>
+                      <a:headEnd type="none" w="med" len="med"/>
+                      <a:tailEnd type="none" w="med" len="med"/>
+                    </a:lnL>
+                    <a:lnR w="12700" cap="flat" cmpd="sng" algn="ctr">
+                      <a:solidFill>
+                        <a:schemeClr val="tx1"/>
+                      </a:solidFill>
+                      <a:prstDash val="solid"/>
+                      <a:round/>
+                      <a:headEnd type="none" w="med" len="med"/>
+                      <a:tailEnd type="none" w="med" len="med"/>
+                    </a:lnR>
+                    <a:lnT w="12700" cap="flat" cmpd="sng" algn="ctr">
+                      <a:solidFill>
+                        <a:schemeClr val="tx1"/>
+                      </a:solidFill>
+                      <a:prstDash val="solid"/>
+                      <a:round/>
+                      <a:headEnd type="none" w="med" len="med"/>
+                      <a:tailEnd type="none" w="med" len="med"/>
+                    </a:lnT>
+                    <a:lnB w="12700" cap="flat" cmpd="sng" algn="ctr">
+                      <a:solidFill>
+                        <a:schemeClr val="tx1"/>
+                      </a:solidFill>
+                      <a:prstDash val="solid"/>
+                      <a:round/>
+                      <a:headEnd type="none" w="med" len="med"/>
+                      <a:tailEnd type="none" w="med" len="med"/>
+                    </a:lnB>
+                  </a:tcPr>
+                </a:tc>
+                <a:tc>
+                  <a:txBody>
+                    <a:bodyPr/>
+                    <a:lstStyle/>
+                    <a:p>
+                      <a:pPr marL="0" marR="0" lvl="0" indent="0" algn="l" defTabSz="914400" rtl="0" eaLnBrk="1" fontAlgn="auto" latinLnBrk="0" hangingPunct="1">
+                        <a:lnSpc>
+                          <a:spcPct val="100000"/>
+                        </a:lnSpc>
+                        <a:spcBef>
+                          <a:spcPts val="0"/>
+                        </a:spcBef>
+                        <a:spcAft>
+                          <a:spcPts val="0"/>
+                        </a:spcAft>
+                        <a:buClr>
+                          <a:srgbClr val="000000"/>
+                        </a:buClr>
+                        <a:buSzTx/>
+                        <a:buFont typeface="Arial"/>
+                        <a:buNone/>
+                        <a:tabLst/>
+                        <a:defRPr/>
+                      </a:pPr>
+                      <a:r>
+                        <a:rPr lang="en-US" dirty="0"/>
+                        <a:t>S. </a:t>
+                      </a:r>
+                      <a:r>
+                        <a:rPr lang="en-US" dirty="0" err="1"/>
+                        <a:t>Kacholia</a:t>
+                      </a:r>
+                      <a:r>
+                        <a:rPr lang="en-US" dirty="0"/>
+                        <a:t>, A. Nalwaya</a:t>
+                      </a:r>
+                    </a:p>
+                  </a:txBody>
+                  <a:tcPr>
+                    <a:lnL w="12700" cap="flat" cmpd="sng" algn="ctr">
+                      <a:solidFill>
+                        <a:schemeClr val="tx1"/>
+                      </a:solidFill>
+                      <a:prstDash val="solid"/>
+                      <a:round/>
+                      <a:headEnd type="none" w="med" len="med"/>
+                      <a:tailEnd type="none" w="med" len="med"/>
+                    </a:lnL>
+                    <a:lnR w="12700" cap="flat" cmpd="sng" algn="ctr">
+                      <a:solidFill>
+                        <a:schemeClr val="tx1"/>
+                      </a:solidFill>
+                      <a:prstDash val="solid"/>
+                      <a:round/>
+                      <a:headEnd type="none" w="med" len="med"/>
+                      <a:tailEnd type="none" w="med" len="med"/>
+                    </a:lnR>
+                    <a:lnT w="12700" cap="flat" cmpd="sng" algn="ctr">
+                      <a:solidFill>
+                        <a:schemeClr val="tx1"/>
+                      </a:solidFill>
+                      <a:prstDash val="solid"/>
+                      <a:round/>
+                      <a:headEnd type="none" w="med" len="med"/>
+                      <a:tailEnd type="none" w="med" len="med"/>
+                    </a:lnT>
+                    <a:lnB w="12700" cap="flat" cmpd="sng" algn="ctr">
+                      <a:solidFill>
+                        <a:schemeClr val="tx1"/>
+                      </a:solidFill>
+                      <a:prstDash val="solid"/>
+                      <a:round/>
+                      <a:headEnd type="none" w="med" len="med"/>
+                      <a:tailEnd type="none" w="med" len="med"/>
+                    </a:lnB>
+                  </a:tcPr>
+                </a:tc>
+                <a:extLst>
+                  <a:ext uri="{0D108BD9-81ED-4DB2-BD59-A6C34878D82A}">
+                    <a16:rowId xmlns:a16="http://schemas.microsoft.com/office/drawing/2014/main" val="1213655509"/>
+                  </a:ext>
+                </a:extLst>
+              </a:tr>
+              <a:tr h="370840">
+                <a:tc>
+                  <a:txBody>
+                    <a:bodyPr/>
+                    <a:lstStyle/>
+                    <a:p>
+                      <a:r>
+                        <a:rPr lang="en-US" dirty="0"/>
+                        <a:t>Modified </a:t>
+                      </a:r>
+                      <a:r>
+                        <a:rPr lang="en-US" dirty="0" err="1"/>
+                        <a:t>Hoeffdings</a:t>
+                      </a:r>
+                      <a:r>
+                        <a:rPr lang="en-US" dirty="0"/>
+                        <a:t> bound</a:t>
+                      </a:r>
+                    </a:p>
+                  </a:txBody>
+                  <a:tcPr>
+                    <a:lnL w="12700" cap="flat" cmpd="sng" algn="ctr">
+                      <a:solidFill>
+                        <a:schemeClr val="tx1"/>
+                      </a:solidFill>
+                      <a:prstDash val="solid"/>
+                      <a:round/>
+                      <a:headEnd type="none" w="med" len="med"/>
+                      <a:tailEnd type="none" w="med" len="med"/>
+                    </a:lnL>
+                    <a:lnR w="12700" cap="flat" cmpd="sng" algn="ctr">
+                      <a:solidFill>
+                        <a:schemeClr val="tx1"/>
+                      </a:solidFill>
+                      <a:prstDash val="solid"/>
+                      <a:round/>
+                      <a:headEnd type="none" w="med" len="med"/>
+                      <a:tailEnd type="none" w="med" len="med"/>
+                    </a:lnR>
+                    <a:lnT w="12700" cap="flat" cmpd="sng" algn="ctr">
+                      <a:solidFill>
+                        <a:schemeClr val="tx1"/>
+                      </a:solidFill>
+                      <a:prstDash val="solid"/>
+                      <a:round/>
+                      <a:headEnd type="none" w="med" len="med"/>
+                      <a:tailEnd type="none" w="med" len="med"/>
+                    </a:lnT>
+                    <a:lnB w="12700" cap="flat" cmpd="sng" algn="ctr">
+                      <a:solidFill>
+                        <a:schemeClr val="tx1"/>
+                      </a:solidFill>
+                      <a:prstDash val="solid"/>
+                      <a:round/>
+                      <a:headEnd type="none" w="med" len="med"/>
+                      <a:tailEnd type="none" w="med" len="med"/>
+                    </a:lnB>
+                  </a:tcPr>
+                </a:tc>
+                <a:tc>
+                  <a:txBody>
+                    <a:bodyPr/>
+                    <a:lstStyle/>
+                    <a:p>
+                      <a:pPr marL="0" indent="0">
+                        <a:buNone/>
+                      </a:pPr>
+                      <a:r>
+                        <a:rPr lang="en-US" dirty="0"/>
+                        <a:t>A. Nalwaya</a:t>
+                      </a:r>
+                    </a:p>
+                  </a:txBody>
+                  <a:tcPr>
+                    <a:lnL w="12700" cap="flat" cmpd="sng" algn="ctr">
+                      <a:solidFill>
+                        <a:schemeClr val="tx1"/>
+                      </a:solidFill>
+                      <a:prstDash val="solid"/>
+                      <a:round/>
+                      <a:headEnd type="none" w="med" len="med"/>
+                      <a:tailEnd type="none" w="med" len="med"/>
+                    </a:lnL>
+                    <a:lnR w="12700" cap="flat" cmpd="sng" algn="ctr">
+                      <a:solidFill>
+                        <a:schemeClr val="tx1"/>
+                      </a:solidFill>
+                      <a:prstDash val="solid"/>
+                      <a:round/>
+                      <a:headEnd type="none" w="med" len="med"/>
+                      <a:tailEnd type="none" w="med" len="med"/>
+                    </a:lnR>
+                    <a:lnT w="12700" cap="flat" cmpd="sng" algn="ctr">
+                      <a:solidFill>
+                        <a:schemeClr val="tx1"/>
+                      </a:solidFill>
+                      <a:prstDash val="solid"/>
+                      <a:round/>
+                      <a:headEnd type="none" w="med" len="med"/>
+                      <a:tailEnd type="none" w="med" len="med"/>
+                    </a:lnT>
+                    <a:lnB w="12700" cap="flat" cmpd="sng" algn="ctr">
+                      <a:solidFill>
+                        <a:schemeClr val="tx1"/>
+                      </a:solidFill>
+                      <a:prstDash val="solid"/>
+                      <a:round/>
+                      <a:headEnd type="none" w="med" len="med"/>
+                      <a:tailEnd type="none" w="med" len="med"/>
+                    </a:lnB>
+                  </a:tcPr>
+                </a:tc>
+                <a:extLst>
+                  <a:ext uri="{0D108BD9-81ED-4DB2-BD59-A6C34878D82A}">
+                    <a16:rowId xmlns:a16="http://schemas.microsoft.com/office/drawing/2014/main" val="1729473214"/>
+                  </a:ext>
+                </a:extLst>
+              </a:tr>
+              <a:tr h="370840">
+                <a:tc>
+                  <a:txBody>
+                    <a:bodyPr/>
+                    <a:lstStyle/>
+                    <a:p>
+                      <a:r>
+                        <a:rPr lang="en-US" dirty="0"/>
+                        <a:t>Interpretation and compilation of results</a:t>
+                      </a:r>
+                    </a:p>
+                  </a:txBody>
+                  <a:tcPr>
+                    <a:lnL w="12700" cap="flat" cmpd="sng" algn="ctr">
+                      <a:solidFill>
+                        <a:schemeClr val="tx1"/>
+                      </a:solidFill>
+                      <a:prstDash val="solid"/>
+                      <a:round/>
+                      <a:headEnd type="none" w="med" len="med"/>
+                      <a:tailEnd type="none" w="med" len="med"/>
+                    </a:lnL>
+                    <a:lnR w="12700" cap="flat" cmpd="sng" algn="ctr">
+                      <a:solidFill>
+                        <a:schemeClr val="tx1"/>
+                      </a:solidFill>
+                      <a:prstDash val="solid"/>
+                      <a:round/>
+                      <a:headEnd type="none" w="med" len="med"/>
+                      <a:tailEnd type="none" w="med" len="med"/>
+                    </a:lnR>
+                    <a:lnT w="12700" cap="flat" cmpd="sng" algn="ctr">
+                      <a:solidFill>
+                        <a:schemeClr val="tx1"/>
+                      </a:solidFill>
+                      <a:prstDash val="solid"/>
+                      <a:round/>
+                      <a:headEnd type="none" w="med" len="med"/>
+                      <a:tailEnd type="none" w="med" len="med"/>
+                    </a:lnT>
+                    <a:lnB w="12700" cap="flat" cmpd="sng" algn="ctr">
+                      <a:solidFill>
+                        <a:schemeClr val="tx1"/>
+                      </a:solidFill>
+                      <a:prstDash val="solid"/>
+                      <a:round/>
+                      <a:headEnd type="none" w="med" len="med"/>
+                      <a:tailEnd type="none" w="med" len="med"/>
+                    </a:lnB>
+                  </a:tcPr>
+                </a:tc>
+                <a:tc>
+                  <a:txBody>
+                    <a:bodyPr/>
+                    <a:lstStyle/>
+                    <a:p>
+                      <a:r>
+                        <a:rPr lang="en-US" dirty="0"/>
+                        <a:t>S. </a:t>
+                      </a:r>
+                      <a:r>
+                        <a:rPr lang="en-US" dirty="0" err="1"/>
+                        <a:t>Kacholia</a:t>
+                      </a:r>
+                      <a:r>
+                        <a:rPr lang="en-US" dirty="0"/>
+                        <a:t>, S. Sharma, A. Nalwaya</a:t>
+                      </a:r>
+                    </a:p>
+                  </a:txBody>
+                  <a:tcPr>
+                    <a:lnL w="12700" cap="flat" cmpd="sng" algn="ctr">
+                      <a:solidFill>
+                        <a:schemeClr val="tx1"/>
+                      </a:solidFill>
+                      <a:prstDash val="solid"/>
+                      <a:round/>
+                      <a:headEnd type="none" w="med" len="med"/>
+                      <a:tailEnd type="none" w="med" len="med"/>
+                    </a:lnL>
+                    <a:lnR w="12700" cap="flat" cmpd="sng" algn="ctr">
+                      <a:solidFill>
+                        <a:schemeClr val="tx1"/>
+                      </a:solidFill>
+                      <a:prstDash val="solid"/>
+                      <a:round/>
+                      <a:headEnd type="none" w="med" len="med"/>
+                      <a:tailEnd type="none" w="med" len="med"/>
+                    </a:lnR>
+                    <a:lnT w="12700" cap="flat" cmpd="sng" algn="ctr">
+                      <a:solidFill>
+                        <a:schemeClr val="tx1"/>
+                      </a:solidFill>
+                      <a:prstDash val="solid"/>
+                      <a:round/>
+                      <a:headEnd type="none" w="med" len="med"/>
+                      <a:tailEnd type="none" w="med" len="med"/>
+                    </a:lnT>
+                    <a:lnB w="12700" cap="flat" cmpd="sng" algn="ctr">
+                      <a:solidFill>
+                        <a:schemeClr val="tx1"/>
+                      </a:solidFill>
+                      <a:prstDash val="solid"/>
+                      <a:round/>
+                      <a:headEnd type="none" w="med" len="med"/>
+                      <a:tailEnd type="none" w="med" len="med"/>
+                    </a:lnB>
+                  </a:tcPr>
+                </a:tc>
+                <a:extLst>
+                  <a:ext uri="{0D108BD9-81ED-4DB2-BD59-A6C34878D82A}">
+                    <a16:rowId xmlns:a16="http://schemas.microsoft.com/office/drawing/2014/main" val="3035125153"/>
+                  </a:ext>
+                </a:extLst>
+              </a:tr>
+              <a:tr h="370840">
+                <a:tc>
+                  <a:txBody>
+                    <a:bodyPr/>
+                    <a:lstStyle/>
+                    <a:p>
+                      <a:r>
+                        <a:rPr lang="en-US" dirty="0"/>
+                        <a:t>Generating samples and testing algorithms</a:t>
+                      </a:r>
+                    </a:p>
+                  </a:txBody>
+                  <a:tcPr>
+                    <a:lnL w="12700" cap="flat" cmpd="sng" algn="ctr">
+                      <a:solidFill>
+                        <a:schemeClr val="tx1"/>
+                      </a:solidFill>
+                      <a:prstDash val="solid"/>
+                      <a:round/>
+                      <a:headEnd type="none" w="med" len="med"/>
+                      <a:tailEnd type="none" w="med" len="med"/>
+                    </a:lnL>
+                    <a:lnR w="12700" cap="flat" cmpd="sng" algn="ctr">
+                      <a:solidFill>
+                        <a:schemeClr val="tx1"/>
+                      </a:solidFill>
+                      <a:prstDash val="solid"/>
+                      <a:round/>
+                      <a:headEnd type="none" w="med" len="med"/>
+                      <a:tailEnd type="none" w="med" len="med"/>
+                    </a:lnR>
+                    <a:lnT w="12700" cap="flat" cmpd="sng" algn="ctr">
+                      <a:solidFill>
+                        <a:schemeClr val="tx1"/>
+                      </a:solidFill>
+                      <a:prstDash val="solid"/>
+                      <a:round/>
+                      <a:headEnd type="none" w="med" len="med"/>
+                      <a:tailEnd type="none" w="med" len="med"/>
+                    </a:lnT>
+                    <a:lnB w="12700" cap="flat" cmpd="sng" algn="ctr">
+                      <a:solidFill>
+                        <a:schemeClr val="tx1"/>
+                      </a:solidFill>
+                      <a:prstDash val="solid"/>
+                      <a:round/>
+                      <a:headEnd type="none" w="med" len="med"/>
+                      <a:tailEnd type="none" w="med" len="med"/>
+                    </a:lnB>
+                  </a:tcPr>
+                </a:tc>
+                <a:tc>
+                  <a:txBody>
+                    <a:bodyPr/>
+                    <a:lstStyle/>
+                    <a:p>
+                      <a:r>
+                        <a:rPr lang="en-US" dirty="0"/>
+                        <a:t>S. Sharma, A. Nalwaya</a:t>
+                      </a:r>
+                    </a:p>
+                  </a:txBody>
+                  <a:tcPr>
+                    <a:lnL w="12700" cap="flat" cmpd="sng" algn="ctr">
+                      <a:solidFill>
+                        <a:schemeClr val="tx1"/>
+                      </a:solidFill>
+                      <a:prstDash val="solid"/>
+                      <a:round/>
+                      <a:headEnd type="none" w="med" len="med"/>
+                      <a:tailEnd type="none" w="med" len="med"/>
+                    </a:lnL>
+                    <a:lnR w="12700" cap="flat" cmpd="sng" algn="ctr">
+                      <a:solidFill>
+                        <a:schemeClr val="tx1"/>
+                      </a:solidFill>
+                      <a:prstDash val="solid"/>
+                      <a:round/>
+                      <a:headEnd type="none" w="med" len="med"/>
+                      <a:tailEnd type="none" w="med" len="med"/>
+                    </a:lnR>
+                    <a:lnT w="12700" cap="flat" cmpd="sng" algn="ctr">
+                      <a:solidFill>
+                        <a:schemeClr val="tx1"/>
+                      </a:solidFill>
+                      <a:prstDash val="solid"/>
+                      <a:round/>
+                      <a:headEnd type="none" w="med" len="med"/>
+                      <a:tailEnd type="none" w="med" len="med"/>
+                    </a:lnT>
+                    <a:lnB w="12700" cap="flat" cmpd="sng" algn="ctr">
+                      <a:solidFill>
+                        <a:schemeClr val="tx1"/>
+                      </a:solidFill>
+                      <a:prstDash val="solid"/>
+                      <a:round/>
+                      <a:headEnd type="none" w="med" len="med"/>
+                      <a:tailEnd type="none" w="med" len="med"/>
+                    </a:lnB>
+                  </a:tcPr>
+                </a:tc>
+                <a:extLst>
+                  <a:ext uri="{0D108BD9-81ED-4DB2-BD59-A6C34878D82A}">
+                    <a16:rowId xmlns:a16="http://schemas.microsoft.com/office/drawing/2014/main" val="3732887636"/>
+                  </a:ext>
+                </a:extLst>
+              </a:tr>
+              <a:tr h="370840">
+                <a:tc>
+                  <a:txBody>
+                    <a:bodyPr/>
+                    <a:lstStyle/>
+                    <a:p>
+                      <a:r>
+                        <a:rPr lang="en-US" dirty="0"/>
+                        <a:t>Project Elimination</a:t>
+                      </a:r>
+                    </a:p>
+                  </a:txBody>
+                  <a:tcPr>
+                    <a:lnL w="12700" cap="flat" cmpd="sng" algn="ctr">
+                      <a:solidFill>
+                        <a:schemeClr val="tx1"/>
+                      </a:solidFill>
+                      <a:prstDash val="solid"/>
+                      <a:round/>
+                      <a:headEnd type="none" w="med" len="med"/>
+                      <a:tailEnd type="none" w="med" len="med"/>
+                    </a:lnL>
+                    <a:lnR w="12700" cap="flat" cmpd="sng" algn="ctr">
+                      <a:solidFill>
+                        <a:schemeClr val="tx1"/>
+                      </a:solidFill>
+                      <a:prstDash val="solid"/>
+                      <a:round/>
+                      <a:headEnd type="none" w="med" len="med"/>
+                      <a:tailEnd type="none" w="med" len="med"/>
+                    </a:lnR>
+                    <a:lnT w="12700" cap="flat" cmpd="sng" algn="ctr">
+                      <a:solidFill>
+                        <a:schemeClr val="tx1"/>
+                      </a:solidFill>
+                      <a:prstDash val="solid"/>
+                      <a:round/>
+                      <a:headEnd type="none" w="med" len="med"/>
+                      <a:tailEnd type="none" w="med" len="med"/>
+                    </a:lnT>
+                    <a:lnB w="12700" cap="flat" cmpd="sng" algn="ctr">
+                      <a:solidFill>
+                        <a:schemeClr val="tx1"/>
+                      </a:solidFill>
+                      <a:prstDash val="solid"/>
+                      <a:round/>
+                      <a:headEnd type="none" w="med" len="med"/>
+                      <a:tailEnd type="none" w="med" len="med"/>
+                    </a:lnB>
+                  </a:tcPr>
+                </a:tc>
+                <a:tc>
+                  <a:txBody>
+                    <a:bodyPr/>
+                    <a:lstStyle/>
+                    <a:p>
+                      <a:pPr marL="0" indent="0">
+                        <a:buNone/>
+                      </a:pPr>
+                      <a:r>
+                        <a:rPr lang="en-US" dirty="0"/>
+                        <a:t>A. Nalwaya</a:t>
+                      </a:r>
+                    </a:p>
+                  </a:txBody>
+                  <a:tcPr>
+                    <a:lnL w="12700" cap="flat" cmpd="sng" algn="ctr">
+                      <a:solidFill>
+                        <a:schemeClr val="tx1"/>
+                      </a:solidFill>
+                      <a:prstDash val="solid"/>
+                      <a:round/>
+                      <a:headEnd type="none" w="med" len="med"/>
+                      <a:tailEnd type="none" w="med" len="med"/>
+                    </a:lnL>
+                    <a:lnR w="12700" cap="flat" cmpd="sng" algn="ctr">
+                      <a:solidFill>
+                        <a:schemeClr val="tx1"/>
+                      </a:solidFill>
+                      <a:prstDash val="solid"/>
+                      <a:round/>
+                      <a:headEnd type="none" w="med" len="med"/>
+                      <a:tailEnd type="none" w="med" len="med"/>
+                    </a:lnR>
+                    <a:lnT w="12700" cap="flat" cmpd="sng" algn="ctr">
+                      <a:solidFill>
+                        <a:schemeClr val="tx1"/>
+                      </a:solidFill>
+                      <a:prstDash val="solid"/>
+                      <a:round/>
+                      <a:headEnd type="none" w="med" len="med"/>
+                      <a:tailEnd type="none" w="med" len="med"/>
+                    </a:lnT>
+                    <a:lnB w="12700" cap="flat" cmpd="sng" algn="ctr">
+                      <a:solidFill>
+                        <a:schemeClr val="tx1"/>
+                      </a:solidFill>
+                      <a:prstDash val="solid"/>
+                      <a:round/>
+                      <a:headEnd type="none" w="med" len="med"/>
+                      <a:tailEnd type="none" w="med" len="med"/>
+                    </a:lnB>
+                  </a:tcPr>
+                </a:tc>
+                <a:extLst>
+                  <a:ext uri="{0D108BD9-81ED-4DB2-BD59-A6C34878D82A}">
+                    <a16:rowId xmlns:a16="http://schemas.microsoft.com/office/drawing/2014/main" val="634731881"/>
+                  </a:ext>
+                </a:extLst>
+              </a:tr>
+              <a:tr h="370840">
+                <a:tc>
+                  <a:txBody>
+                    <a:bodyPr/>
+                    <a:lstStyle/>
+                    <a:p>
+                      <a:r>
+                        <a:rPr lang="en-US" dirty="0"/>
+                        <a:t>Feature Selection</a:t>
+                      </a:r>
+                    </a:p>
+                  </a:txBody>
+                  <a:tcPr>
+                    <a:lnL w="12700" cap="flat" cmpd="sng" algn="ctr">
+                      <a:solidFill>
+                        <a:schemeClr val="tx1"/>
+                      </a:solidFill>
+                      <a:prstDash val="solid"/>
+                      <a:round/>
+                      <a:headEnd type="none" w="med" len="med"/>
+                      <a:tailEnd type="none" w="med" len="med"/>
+                    </a:lnL>
+                    <a:lnR w="12700" cap="flat" cmpd="sng" algn="ctr">
+                      <a:solidFill>
+                        <a:schemeClr val="tx1"/>
+                      </a:solidFill>
+                      <a:prstDash val="solid"/>
+                      <a:round/>
+                      <a:headEnd type="none" w="med" len="med"/>
+                      <a:tailEnd type="none" w="med" len="med"/>
+                    </a:lnR>
+                    <a:lnT w="12700" cap="flat" cmpd="sng" algn="ctr">
+                      <a:solidFill>
+                        <a:schemeClr val="tx1"/>
+                      </a:solidFill>
+                      <a:prstDash val="solid"/>
+                      <a:round/>
+                      <a:headEnd type="none" w="med" len="med"/>
+                      <a:tailEnd type="none" w="med" len="med"/>
+                    </a:lnT>
+                    <a:lnB w="12700" cap="flat" cmpd="sng" algn="ctr">
+                      <a:solidFill>
+                        <a:schemeClr val="tx1"/>
+                      </a:solidFill>
+                      <a:prstDash val="solid"/>
+                      <a:round/>
+                      <a:headEnd type="none" w="med" len="med"/>
+                      <a:tailEnd type="none" w="med" len="med"/>
+                    </a:lnB>
+                  </a:tcPr>
+                </a:tc>
+                <a:tc>
+                  <a:txBody>
+                    <a:bodyPr/>
+                    <a:lstStyle/>
+                    <a:p>
+                      <a:r>
+                        <a:rPr lang="en-US"/>
+                        <a:t>A. Nalwaya</a:t>
+                      </a:r>
+                      <a:endParaRPr lang="en-US" dirty="0"/>
+                    </a:p>
+                  </a:txBody>
+                  <a:tcPr>
+                    <a:lnL w="12700" cap="flat" cmpd="sng" algn="ctr">
+                      <a:solidFill>
+                        <a:schemeClr val="tx1"/>
+                      </a:solidFill>
+                      <a:prstDash val="solid"/>
+                      <a:round/>
+                      <a:headEnd type="none" w="med" len="med"/>
+                      <a:tailEnd type="none" w="med" len="med"/>
+                    </a:lnL>
+                    <a:lnR w="12700" cap="flat" cmpd="sng" algn="ctr">
+                      <a:solidFill>
+                        <a:schemeClr val="tx1"/>
+                      </a:solidFill>
+                      <a:prstDash val="solid"/>
+                      <a:round/>
+                      <a:headEnd type="none" w="med" len="med"/>
+                      <a:tailEnd type="none" w="med" len="med"/>
+                    </a:lnR>
+                    <a:lnT w="12700" cap="flat" cmpd="sng" algn="ctr">
+                      <a:solidFill>
+                        <a:schemeClr val="tx1"/>
+                      </a:solidFill>
+                      <a:prstDash val="solid"/>
+                      <a:round/>
+                      <a:headEnd type="none" w="med" len="med"/>
+                      <a:tailEnd type="none" w="med" len="med"/>
+                    </a:lnT>
+                    <a:lnB w="12700" cap="flat" cmpd="sng" algn="ctr">
+                      <a:solidFill>
+                        <a:schemeClr val="tx1"/>
+                      </a:solidFill>
+                      <a:prstDash val="solid"/>
+                      <a:round/>
+                      <a:headEnd type="none" w="med" len="med"/>
+                      <a:tailEnd type="none" w="med" len="med"/>
+                    </a:lnB>
+                  </a:tcPr>
+                </a:tc>
+                <a:extLst>
+                  <a:ext uri="{0D108BD9-81ED-4DB2-BD59-A6C34878D82A}">
+                    <a16:rowId xmlns:a16="http://schemas.microsoft.com/office/drawing/2014/main" val="1083638293"/>
+                  </a:ext>
+                </a:extLst>
+              </a:tr>
+            </a:tbl>
+          </a:graphicData>
+        </a:graphic>
+      </p:graphicFrame>
+      <p:sp>
+        <p:nvSpPr>
+          <p:cNvPr id="8" name="TextBox 7">
+            <a:extLst>
+              <a:ext uri="{FF2B5EF4-FFF2-40B4-BE49-F238E27FC236}">
+                <a16:creationId xmlns:a16="http://schemas.microsoft.com/office/drawing/2014/main" id="{25893736-301B-46AD-B8D9-C88BF2585A12}"/>
+              </a:ext>
+            </a:extLst>
+          </p:cNvPr>
+          <p:cNvSpPr txBox="1"/>
+          <p:nvPr/>
+        </p:nvSpPr>
+        <p:spPr>
+          <a:xfrm>
+            <a:off x="1307184" y="5722068"/>
+            <a:ext cx="6818722" cy="307777"/>
+          </a:xfrm>
+          <a:prstGeom prst="rect">
+            <a:avLst/>
+          </a:prstGeom>
+          <a:noFill/>
+        </p:spPr>
+        <p:txBody>
+          <a:bodyPr wrap="square" rtlCol="0">
+            <a:spAutoFit/>
+          </a:bodyPr>
+          <a:lstStyle/>
+          <a:p>
+            <a:r>
+              <a:rPr lang="en-US" i="1" dirty="0"/>
+              <a:t>Group Members: Akshay Nalwaya, Sanjana </a:t>
+            </a:r>
+            <a:r>
+              <a:rPr lang="en-US" i="1" dirty="0" err="1"/>
+              <a:t>Kacholia</a:t>
+            </a:r>
+            <a:r>
+              <a:rPr lang="en-US" i="1" dirty="0"/>
+              <a:t>, Shantanu Sharma</a:t>
+            </a:r>
+          </a:p>
+        </p:txBody>
+      </p:sp>
+    </p:spTree>
+    <p:extLst>
+      <p:ext uri="{BB962C8B-B14F-4D97-AF65-F5344CB8AC3E}">
+        <p14:creationId xmlns:p14="http://schemas.microsoft.com/office/powerpoint/2010/main" val="1596856955"/>
+      </p:ext>
+    </p:extLst>
+  </p:cSld>
+  <p:clrMapOvr>
+    <a:masterClrMapping/>
+  </p:clrMapOvr>
+</p:sld>
+</file>
+
+<file path=ppt/slides/slide20.xml><?xml version="1.0" encoding="utf-8"?>
 <p:sld xmlns:a="http://schemas.openxmlformats.org/drawingml/2006/main" xmlns:r="http://schemas.openxmlformats.org/officeDocument/2006/relationships" xmlns:p="http://schemas.openxmlformats.org/presentationml/2006/main">
   <p:cSld>
     <p:spTree>
@@ -13992,7 +15339,7 @@
           <a:p>
             <a:fld id="{820E7DF1-5434-4D59-8F92-96DB76BF4828}" type="datetime1">
               <a:rPr lang="en-US" smtClean="0"/>
-              <a:t>3/20/2019</a:t>
+              <a:t>3/21/2019</a:t>
             </a:fld>
             <a:endParaRPr lang="en-US"/>
           </a:p>
@@ -14030,7 +15377,7 @@
             </a:pPr>
             <a:fld id="{00000000-1234-1234-1234-123412341234}" type="slidenum">
               <a:rPr lang="en" smtClean="0"/>
-              <a:t>19</a:t>
+              <a:t>20</a:t>
             </a:fld>
             <a:endParaRPr lang="en"/>
           </a:p>
@@ -15627,174 +16974,7 @@
 </p:sld>
 </file>
 
-<file path=ppt/slides/slide2.xml><?xml version="1.0" encoding="utf-8"?>
-<p:sld xmlns:a="http://schemas.openxmlformats.org/drawingml/2006/main" xmlns:r="http://schemas.openxmlformats.org/officeDocument/2006/relationships" xmlns:p="http://schemas.openxmlformats.org/presentationml/2006/main">
-  <p:cSld>
-    <p:spTree>
-      <p:nvGrpSpPr>
-        <p:cNvPr id="1" name=""/>
-        <p:cNvGrpSpPr/>
-        <p:nvPr/>
-      </p:nvGrpSpPr>
-      <p:grpSpPr>
-        <a:xfrm>
-          <a:off x="0" y="0"/>
-          <a:ext cx="0" cy="0"/>
-          <a:chOff x="0" y="0"/>
-          <a:chExt cx="0" cy="0"/>
-        </a:xfrm>
-      </p:grpSpPr>
-      <p:sp>
-        <p:nvSpPr>
-          <p:cNvPr id="4" name="Date Placeholder 3">
-            <a:extLst>
-              <a:ext uri="{FF2B5EF4-FFF2-40B4-BE49-F238E27FC236}">
-                <a16:creationId xmlns:a16="http://schemas.microsoft.com/office/drawing/2014/main" id="{606863A7-2CDE-4DAD-9E41-F2EF60E6C611}"/>
-              </a:ext>
-            </a:extLst>
-          </p:cNvPr>
-          <p:cNvSpPr>
-            <a:spLocks noGrp="1"/>
-          </p:cNvSpPr>
-          <p:nvPr>
-            <p:ph type="dt" idx="10"/>
-          </p:nvPr>
-        </p:nvSpPr>
-        <p:spPr/>
-        <p:txBody>
-          <a:bodyPr/>
-          <a:lstStyle/>
-          <a:p>
-            <a:fld id="{820E7DF1-5434-4D59-8F92-96DB76BF4828}" type="datetime1">
-              <a:rPr lang="en-US" smtClean="0"/>
-              <a:t>3/20/2019</a:t>
-            </a:fld>
-            <a:endParaRPr lang="en-US"/>
-          </a:p>
-        </p:txBody>
-      </p:sp>
-      <p:sp>
-        <p:nvSpPr>
-          <p:cNvPr id="6" name="Slide Number Placeholder 5">
-            <a:extLst>
-              <a:ext uri="{FF2B5EF4-FFF2-40B4-BE49-F238E27FC236}">
-                <a16:creationId xmlns:a16="http://schemas.microsoft.com/office/drawing/2014/main" id="{27224002-F841-4666-A0CE-694CB036C56D}"/>
-              </a:ext>
-            </a:extLst>
-          </p:cNvPr>
-          <p:cNvSpPr>
-            <a:spLocks noGrp="1"/>
-          </p:cNvSpPr>
-          <p:nvPr>
-            <p:ph type="sldNum" idx="12"/>
-          </p:nvPr>
-        </p:nvSpPr>
-        <p:spPr/>
-        <p:txBody>
-          <a:bodyPr/>
-          <a:lstStyle/>
-          <a:p>
-            <a:pPr marL="0" lvl="0" indent="0" algn="r" rtl="0">
-              <a:spcBef>
-                <a:spcPts val="0"/>
-              </a:spcBef>
-              <a:spcAft>
-                <a:spcPts val="0"/>
-              </a:spcAft>
-              <a:buNone/>
-            </a:pPr>
-            <a:fld id="{00000000-1234-1234-1234-123412341234}" type="slidenum">
-              <a:rPr lang="en" smtClean="0"/>
-              <a:t>2</a:t>
-            </a:fld>
-            <a:endParaRPr lang="en"/>
-          </a:p>
-        </p:txBody>
-      </p:sp>
-      <p:pic>
-        <p:nvPicPr>
-          <p:cNvPr id="9" name="Picture 8">
-            <a:extLst>
-              <a:ext uri="{FF2B5EF4-FFF2-40B4-BE49-F238E27FC236}">
-                <a16:creationId xmlns:a16="http://schemas.microsoft.com/office/drawing/2014/main" id="{355B1913-692A-4F12-B58E-61B9474A7D0B}"/>
-              </a:ext>
-            </a:extLst>
-          </p:cNvPr>
-          <p:cNvPicPr>
-            <a:picLocks noChangeAspect="1"/>
-          </p:cNvPicPr>
-          <p:nvPr/>
-        </p:nvPicPr>
-        <p:blipFill>
-          <a:blip r:embed="rId2"/>
-          <a:stretch>
-            <a:fillRect/>
-          </a:stretch>
-        </p:blipFill>
-        <p:spPr>
-          <a:xfrm>
-            <a:off x="929961" y="2272942"/>
-            <a:ext cx="7038975" cy="2990850"/>
-          </a:xfrm>
-          <a:prstGeom prst="rect">
-            <a:avLst/>
-          </a:prstGeom>
-          <a:ln>
-            <a:solidFill>
-              <a:schemeClr val="tx1"/>
-            </a:solidFill>
-          </a:ln>
-        </p:spPr>
-      </p:pic>
-      <p:pic>
-        <p:nvPicPr>
-          <p:cNvPr id="8" name="Picture 7">
-            <a:extLst>
-              <a:ext uri="{FF2B5EF4-FFF2-40B4-BE49-F238E27FC236}">
-                <a16:creationId xmlns:a16="http://schemas.microsoft.com/office/drawing/2014/main" id="{A1F1AA37-CC97-4CDD-9AB7-6E19C5FB425C}"/>
-              </a:ext>
-            </a:extLst>
-          </p:cNvPr>
-          <p:cNvPicPr>
-            <a:picLocks noChangeAspect="1"/>
-          </p:cNvPicPr>
-          <p:nvPr/>
-        </p:nvPicPr>
-        <p:blipFill>
-          <a:blip r:embed="rId3"/>
-          <a:stretch>
-            <a:fillRect/>
-          </a:stretch>
-        </p:blipFill>
-        <p:spPr>
-          <a:xfrm>
-            <a:off x="5976826" y="1037126"/>
-            <a:ext cx="2758440" cy="2068830"/>
-          </a:xfrm>
-          <a:prstGeom prst="rect">
-            <a:avLst/>
-          </a:prstGeom>
-          <a:ln>
-            <a:solidFill>
-              <a:schemeClr val="tx1"/>
-            </a:solidFill>
-          </a:ln>
-        </p:spPr>
-      </p:pic>
-    </p:spTree>
-    <p:extLst>
-      <p:ext uri="{BB962C8B-B14F-4D97-AF65-F5344CB8AC3E}">
-        <p14:creationId xmlns:p14="http://schemas.microsoft.com/office/powerpoint/2010/main" val="1220873684"/>
-      </p:ext>
-    </p:extLst>
-  </p:cSld>
-  <p:clrMapOvr>
-    <a:masterClrMapping/>
-  </p:clrMapOvr>
-</p:sld>
-</file>
-
-<file path=ppt/slides/slide20.xml><?xml version="1.0" encoding="utf-8"?>
+<file path=ppt/slides/slide21.xml><?xml version="1.0" encoding="utf-8"?>
 <p:sld xmlns:a="http://schemas.openxmlformats.org/drawingml/2006/main" xmlns:r="http://schemas.openxmlformats.org/officeDocument/2006/relationships" xmlns:p="http://schemas.openxmlformats.org/presentationml/2006/main">
   <p:cSld>
     <p:spTree>
@@ -15863,7 +17043,7 @@
           <a:p>
             <a:fld id="{820E7DF1-5434-4D59-8F92-96DB76BF4828}" type="datetime1">
               <a:rPr lang="en-US" smtClean="0"/>
-              <a:t>3/20/2019</a:t>
+              <a:t>3/21/2019</a:t>
             </a:fld>
             <a:endParaRPr lang="en-US"/>
           </a:p>
@@ -15901,7 +17081,7 @@
             </a:pPr>
             <a:fld id="{00000000-1234-1234-1234-123412341234}" type="slidenum">
               <a:rPr lang="en" smtClean="0"/>
-              <a:t>20</a:t>
+              <a:t>21</a:t>
             </a:fld>
             <a:endParaRPr lang="en"/>
           </a:p>
@@ -17154,7 +18334,7 @@
 </p:sld>
 </file>
 
-<file path=ppt/slides/slide21.xml><?xml version="1.0" encoding="utf-8"?>
+<file path=ppt/slides/slide22.xml><?xml version="1.0" encoding="utf-8"?>
 <p:sld xmlns:a="http://schemas.openxmlformats.org/drawingml/2006/main" xmlns:r="http://schemas.openxmlformats.org/officeDocument/2006/relationships" xmlns:p="http://schemas.openxmlformats.org/presentationml/2006/main">
   <p:cSld>
     <p:spTree>
@@ -17223,7 +18403,7 @@
           <a:p>
             <a:fld id="{820E7DF1-5434-4D59-8F92-96DB76BF4828}" type="datetime1">
               <a:rPr lang="en-US" smtClean="0"/>
-              <a:t>3/20/2019</a:t>
+              <a:t>3/21/2019</a:t>
             </a:fld>
             <a:endParaRPr lang="en-US"/>
           </a:p>
@@ -17261,7 +18441,7 @@
             </a:pPr>
             <a:fld id="{00000000-1234-1234-1234-123412341234}" type="slidenum">
               <a:rPr lang="en" smtClean="0"/>
-              <a:t>21</a:t>
+              <a:t>22</a:t>
             </a:fld>
             <a:endParaRPr lang="en"/>
           </a:p>
@@ -17731,7 +18911,7 @@
 </p:sld>
 </file>
 
-<file path=ppt/slides/slide22.xml><?xml version="1.0" encoding="utf-8"?>
+<file path=ppt/slides/slide23.xml><?xml version="1.0" encoding="utf-8"?>
 <p:sld xmlns:a="http://schemas.openxmlformats.org/drawingml/2006/main" xmlns:r="http://schemas.openxmlformats.org/officeDocument/2006/relationships" xmlns:p="http://schemas.openxmlformats.org/presentationml/2006/main">
   <p:cSld>
     <p:spTree>
@@ -17812,7 +18992,7 @@
           <a:p>
             <a:fld id="{C44610EB-4981-4A31-A7CC-829292008D21}" type="datetime1">
               <a:rPr lang="en-US" smtClean="0"/>
-              <a:t>3/20/2019</a:t>
+              <a:t>3/21/2019</a:t>
             </a:fld>
             <a:endParaRPr lang="en-US"/>
           </a:p>
@@ -17844,7 +19024,7 @@
             </a:pPr>
             <a:fld id="{00000000-1234-1234-1234-123412341234}" type="slidenum">
               <a:rPr lang="en" smtClean="0"/>
-              <a:t>22</a:t>
+              <a:t>23</a:t>
             </a:fld>
             <a:endParaRPr lang="en"/>
           </a:p>
@@ -17905,6 +19085,173 @@
 </file>
 
 <file path=ppt/slides/slide3.xml><?xml version="1.0" encoding="utf-8"?>
+<p:sld xmlns:a="http://schemas.openxmlformats.org/drawingml/2006/main" xmlns:r="http://schemas.openxmlformats.org/officeDocument/2006/relationships" xmlns:p="http://schemas.openxmlformats.org/presentationml/2006/main">
+  <p:cSld>
+    <p:spTree>
+      <p:nvGrpSpPr>
+        <p:cNvPr id="1" name=""/>
+        <p:cNvGrpSpPr/>
+        <p:nvPr/>
+      </p:nvGrpSpPr>
+      <p:grpSpPr>
+        <a:xfrm>
+          <a:off x="0" y="0"/>
+          <a:ext cx="0" cy="0"/>
+          <a:chOff x="0" y="0"/>
+          <a:chExt cx="0" cy="0"/>
+        </a:xfrm>
+      </p:grpSpPr>
+      <p:sp>
+        <p:nvSpPr>
+          <p:cNvPr id="4" name="Date Placeholder 3">
+            <a:extLst>
+              <a:ext uri="{FF2B5EF4-FFF2-40B4-BE49-F238E27FC236}">
+                <a16:creationId xmlns:a16="http://schemas.microsoft.com/office/drawing/2014/main" id="{606863A7-2CDE-4DAD-9E41-F2EF60E6C611}"/>
+              </a:ext>
+            </a:extLst>
+          </p:cNvPr>
+          <p:cNvSpPr>
+            <a:spLocks noGrp="1"/>
+          </p:cNvSpPr>
+          <p:nvPr>
+            <p:ph type="dt" idx="10"/>
+          </p:nvPr>
+        </p:nvSpPr>
+        <p:spPr/>
+        <p:txBody>
+          <a:bodyPr/>
+          <a:lstStyle/>
+          <a:p>
+            <a:fld id="{820E7DF1-5434-4D59-8F92-96DB76BF4828}" type="datetime1">
+              <a:rPr lang="en-US" smtClean="0"/>
+              <a:t>3/21/2019</a:t>
+            </a:fld>
+            <a:endParaRPr lang="en-US"/>
+          </a:p>
+        </p:txBody>
+      </p:sp>
+      <p:sp>
+        <p:nvSpPr>
+          <p:cNvPr id="6" name="Slide Number Placeholder 5">
+            <a:extLst>
+              <a:ext uri="{FF2B5EF4-FFF2-40B4-BE49-F238E27FC236}">
+                <a16:creationId xmlns:a16="http://schemas.microsoft.com/office/drawing/2014/main" id="{27224002-F841-4666-A0CE-694CB036C56D}"/>
+              </a:ext>
+            </a:extLst>
+          </p:cNvPr>
+          <p:cNvSpPr>
+            <a:spLocks noGrp="1"/>
+          </p:cNvSpPr>
+          <p:nvPr>
+            <p:ph type="sldNum" idx="12"/>
+          </p:nvPr>
+        </p:nvSpPr>
+        <p:spPr/>
+        <p:txBody>
+          <a:bodyPr/>
+          <a:lstStyle/>
+          <a:p>
+            <a:pPr marL="0" lvl="0" indent="0" algn="r" rtl="0">
+              <a:spcBef>
+                <a:spcPts val="0"/>
+              </a:spcBef>
+              <a:spcAft>
+                <a:spcPts val="0"/>
+              </a:spcAft>
+              <a:buNone/>
+            </a:pPr>
+            <a:fld id="{00000000-1234-1234-1234-123412341234}" type="slidenum">
+              <a:rPr lang="en" smtClean="0"/>
+              <a:t>3</a:t>
+            </a:fld>
+            <a:endParaRPr lang="en"/>
+          </a:p>
+        </p:txBody>
+      </p:sp>
+      <p:pic>
+        <p:nvPicPr>
+          <p:cNvPr id="9" name="Picture 8">
+            <a:extLst>
+              <a:ext uri="{FF2B5EF4-FFF2-40B4-BE49-F238E27FC236}">
+                <a16:creationId xmlns:a16="http://schemas.microsoft.com/office/drawing/2014/main" id="{355B1913-692A-4F12-B58E-61B9474A7D0B}"/>
+              </a:ext>
+            </a:extLst>
+          </p:cNvPr>
+          <p:cNvPicPr>
+            <a:picLocks noChangeAspect="1"/>
+          </p:cNvPicPr>
+          <p:nvPr/>
+        </p:nvPicPr>
+        <p:blipFill>
+          <a:blip r:embed="rId2"/>
+          <a:stretch>
+            <a:fillRect/>
+          </a:stretch>
+        </p:blipFill>
+        <p:spPr>
+          <a:xfrm>
+            <a:off x="929961" y="2272942"/>
+            <a:ext cx="7038975" cy="2990850"/>
+          </a:xfrm>
+          <a:prstGeom prst="rect">
+            <a:avLst/>
+          </a:prstGeom>
+          <a:ln>
+            <a:solidFill>
+              <a:schemeClr val="tx1"/>
+            </a:solidFill>
+          </a:ln>
+        </p:spPr>
+      </p:pic>
+      <p:pic>
+        <p:nvPicPr>
+          <p:cNvPr id="8" name="Picture 7">
+            <a:extLst>
+              <a:ext uri="{FF2B5EF4-FFF2-40B4-BE49-F238E27FC236}">
+                <a16:creationId xmlns:a16="http://schemas.microsoft.com/office/drawing/2014/main" id="{A1F1AA37-CC97-4CDD-9AB7-6E19C5FB425C}"/>
+              </a:ext>
+            </a:extLst>
+          </p:cNvPr>
+          <p:cNvPicPr>
+            <a:picLocks noChangeAspect="1"/>
+          </p:cNvPicPr>
+          <p:nvPr/>
+        </p:nvPicPr>
+        <p:blipFill>
+          <a:blip r:embed="rId3"/>
+          <a:stretch>
+            <a:fillRect/>
+          </a:stretch>
+        </p:blipFill>
+        <p:spPr>
+          <a:xfrm>
+            <a:off x="5976826" y="1037126"/>
+            <a:ext cx="2758440" cy="2068830"/>
+          </a:xfrm>
+          <a:prstGeom prst="rect">
+            <a:avLst/>
+          </a:prstGeom>
+          <a:ln>
+            <a:solidFill>
+              <a:schemeClr val="tx1"/>
+            </a:solidFill>
+          </a:ln>
+        </p:spPr>
+      </p:pic>
+    </p:spTree>
+    <p:extLst>
+      <p:ext uri="{BB962C8B-B14F-4D97-AF65-F5344CB8AC3E}">
+        <p14:creationId xmlns:p14="http://schemas.microsoft.com/office/powerpoint/2010/main" val="1220873684"/>
+      </p:ext>
+    </p:extLst>
+  </p:cSld>
+  <p:clrMapOvr>
+    <a:masterClrMapping/>
+  </p:clrMapOvr>
+</p:sld>
+</file>
+
+<file path=ppt/slides/slide4.xml><?xml version="1.0" encoding="utf-8"?>
 <p:sld xmlns:a="http://schemas.openxmlformats.org/drawingml/2006/main" xmlns:r="http://schemas.openxmlformats.org/officeDocument/2006/relationships" xmlns:p="http://schemas.openxmlformats.org/presentationml/2006/main">
   <p:cSld>
     <p:spTree>
@@ -17980,7 +19327,7 @@
           <a:p>
             <a:fld id="{5BD49B5D-BE1E-47CE-B5AE-785366E65429}" type="datetime1">
               <a:rPr lang="en-US" smtClean="0"/>
-              <a:t>3/20/2019</a:t>
+              <a:t>3/21/2019</a:t>
             </a:fld>
             <a:endParaRPr lang="en-US"/>
           </a:p>
@@ -18012,7 +19359,7 @@
             </a:pPr>
             <a:fld id="{00000000-1234-1234-1234-123412341234}" type="slidenum">
               <a:rPr lang="en" smtClean="0"/>
-              <a:t>3</a:t>
+              <a:t>4</a:t>
             </a:fld>
             <a:endParaRPr lang="en"/>
           </a:p>
@@ -18127,7 +19474,7 @@
 </p:sld>
 </file>
 
-<file path=ppt/slides/slide4.xml><?xml version="1.0" encoding="utf-8"?>
+<file path=ppt/slides/slide5.xml><?xml version="1.0" encoding="utf-8"?>
 <p:sld xmlns:a="http://schemas.openxmlformats.org/drawingml/2006/main" xmlns:r="http://schemas.openxmlformats.org/officeDocument/2006/relationships" xmlns:p="http://schemas.openxmlformats.org/presentationml/2006/main">
   <p:cSld>
     <p:spTree>
@@ -18196,7 +19543,7 @@
           <a:p>
             <a:fld id="{820E7DF1-5434-4D59-8F92-96DB76BF4828}" type="datetime1">
               <a:rPr lang="en-US" smtClean="0"/>
-              <a:t>3/20/2019</a:t>
+              <a:t>3/21/2019</a:t>
             </a:fld>
             <a:endParaRPr lang="en-US" dirty="0"/>
           </a:p>
@@ -18234,7 +19581,7 @@
             </a:pPr>
             <a:fld id="{00000000-1234-1234-1234-123412341234}" type="slidenum">
               <a:rPr lang="en" smtClean="0"/>
-              <a:t>4</a:t>
+              <a:t>5</a:t>
             </a:fld>
             <a:endParaRPr lang="en"/>
           </a:p>
@@ -18331,7 +19678,7 @@
 </p:sld>
 </file>
 
-<file path=ppt/slides/slide5.xml><?xml version="1.0" encoding="utf-8"?>
+<file path=ppt/slides/slide6.xml><?xml version="1.0" encoding="utf-8"?>
 <p:sld xmlns:a="http://schemas.openxmlformats.org/drawingml/2006/main" xmlns:r="http://schemas.openxmlformats.org/officeDocument/2006/relationships" xmlns:p="http://schemas.openxmlformats.org/presentationml/2006/main">
   <p:cSld>
     <p:spTree>
@@ -18435,7 +19782,7 @@
           <a:p>
             <a:fld id="{E3C437B3-456E-4237-8930-C5960A85FE45}" type="datetime1">
               <a:rPr lang="en-US" smtClean="0"/>
-              <a:t>3/20/2019</a:t>
+              <a:t>3/21/2019</a:t>
             </a:fld>
             <a:endParaRPr lang="en-US" dirty="0"/>
           </a:p>
@@ -18467,14 +19814,14 @@
             </a:pPr>
             <a:fld id="{00000000-1234-1234-1234-123412341234}" type="slidenum">
               <a:rPr lang="en" smtClean="0"/>
-              <a:t>5</a:t>
+              <a:t>6</a:t>
             </a:fld>
             <a:endParaRPr lang="en"/>
           </a:p>
         </p:txBody>
       </p:sp>
-      <mc:AlternateContent xmlns:mc="http://schemas.openxmlformats.org/markup-compatibility/2006">
-        <mc:Choice xmlns:a14="http://schemas.microsoft.com/office/drawing/2010/main" Requires="a14">
+      <mc:AlternateContent xmlns:mc="http://schemas.openxmlformats.org/markup-compatibility/2006" xmlns:a14="http://schemas.microsoft.com/office/drawing/2010/main">
+        <mc:Choice Requires="a14">
           <p:sp>
             <p:nvSpPr>
               <p:cNvPr id="3" name="Rectangle 2">
@@ -18508,6 +19855,7 @@
               </a:bodyPr>
               <a:lstStyle/>
               <a:p>
+                <a:pPr/>
                 <a14:m>
                   <m:oMathPara xmlns:m="http://schemas.openxmlformats.org/officeDocument/2006/math">
                     <m:oMathParaPr>
@@ -18618,7 +19966,7 @@
             </p:txBody>
           </p:sp>
         </mc:Choice>
-        <mc:Fallback>
+        <mc:Fallback xmlns="">
           <p:sp>
             <p:nvSpPr>
               <p:cNvPr id="3" name="Rectangle 2">
@@ -18682,7 +20030,7 @@
 </p:sld>
 </file>
 
-<file path=ppt/slides/slide6.xml><?xml version="1.0" encoding="utf-8"?>
+<file path=ppt/slides/slide7.xml><?xml version="1.0" encoding="utf-8"?>
 <p:sld xmlns:a="http://schemas.openxmlformats.org/drawingml/2006/main" xmlns:r="http://schemas.openxmlformats.org/officeDocument/2006/relationships" xmlns:p="http://schemas.openxmlformats.org/presentationml/2006/main">
   <p:cSld>
     <p:spTree>
@@ -19060,7 +20408,7 @@
           <a:p>
             <a:fld id="{7D958BDE-3B0C-4527-A6FF-307E1F08A89B}" type="datetime1">
               <a:rPr lang="en-US" smtClean="0"/>
-              <a:t>3/20/2019</a:t>
+              <a:t>3/21/2019</a:t>
             </a:fld>
             <a:endParaRPr lang="en-US"/>
           </a:p>
@@ -19092,7 +20440,7 @@
             </a:pPr>
             <a:fld id="{00000000-1234-1234-1234-123412341234}" type="slidenum">
               <a:rPr lang="en" smtClean="0"/>
-              <a:t>6</a:t>
+              <a:t>7</a:t>
             </a:fld>
             <a:endParaRPr lang="en"/>
           </a:p>
@@ -19393,7 +20741,7 @@
 </p:sld>
 </file>
 
-<file path=ppt/slides/slide7.xml><?xml version="1.0" encoding="utf-8"?>
+<file path=ppt/slides/slide8.xml><?xml version="1.0" encoding="utf-8"?>
 <p:sld xmlns:a="http://schemas.openxmlformats.org/drawingml/2006/main" xmlns:r="http://schemas.openxmlformats.org/officeDocument/2006/relationships" xmlns:p="http://schemas.openxmlformats.org/presentationml/2006/main">
   <p:cSld>
     <p:spTree>
@@ -19601,7 +20949,7 @@
           <a:p>
             <a:fld id="{089BF45B-30F0-49A9-B5F5-E1A3D371270C}" type="datetime1">
               <a:rPr lang="en-US" smtClean="0"/>
-              <a:t>3/20/2019</a:t>
+              <a:t>3/21/2019</a:t>
             </a:fld>
             <a:endParaRPr lang="en-US"/>
           </a:p>
@@ -19633,7 +20981,7 @@
             </a:pPr>
             <a:fld id="{00000000-1234-1234-1234-123412341234}" type="slidenum">
               <a:rPr lang="en" smtClean="0"/>
-              <a:t>7</a:t>
+              <a:t>8</a:t>
             </a:fld>
             <a:endParaRPr lang="en"/>
           </a:p>
@@ -19652,7 +21000,7 @@
 </p:sld>
 </file>
 
-<file path=ppt/slides/slide8.xml><?xml version="1.0" encoding="utf-8"?>
+<file path=ppt/slides/slide9.xml><?xml version="1.0" encoding="utf-8"?>
 <p:sld xmlns:a="http://schemas.openxmlformats.org/drawingml/2006/main" xmlns:r="http://schemas.openxmlformats.org/officeDocument/2006/relationships" xmlns:p="http://schemas.openxmlformats.org/presentationml/2006/main">
   <p:cSld>
     <p:spTree>
@@ -20225,7 +21573,7 @@
           <a:p>
             <a:fld id="{820E7DF1-5434-4D59-8F92-96DB76BF4828}" type="datetime1">
               <a:rPr lang="en-US" smtClean="0"/>
-              <a:t>3/20/2019</a:t>
+              <a:t>3/21/2019</a:t>
             </a:fld>
             <a:endParaRPr lang="en-US"/>
           </a:p>
@@ -20263,7 +21611,7 @@
             </a:pPr>
             <a:fld id="{00000000-1234-1234-1234-123412341234}" type="slidenum">
               <a:rPr lang="en" smtClean="0"/>
-              <a:t>8</a:t>
+              <a:t>9</a:t>
             </a:fld>
             <a:endParaRPr lang="en"/>
           </a:p>
@@ -20273,205 +21621,6 @@
     <p:extLst>
       <p:ext uri="{BB962C8B-B14F-4D97-AF65-F5344CB8AC3E}">
         <p14:creationId xmlns:p14="http://schemas.microsoft.com/office/powerpoint/2010/main" val="1124937662"/>
-      </p:ext>
-    </p:extLst>
-  </p:cSld>
-  <p:clrMapOvr>
-    <a:masterClrMapping/>
-  </p:clrMapOvr>
-</p:sld>
-</file>
-
-<file path=ppt/slides/slide9.xml><?xml version="1.0" encoding="utf-8"?>
-<p:sld xmlns:a="http://schemas.openxmlformats.org/drawingml/2006/main" xmlns:r="http://schemas.openxmlformats.org/officeDocument/2006/relationships" xmlns:p="http://schemas.openxmlformats.org/presentationml/2006/main">
-  <p:cSld>
-    <p:spTree>
-      <p:nvGrpSpPr>
-        <p:cNvPr id="1" name=""/>
-        <p:cNvGrpSpPr/>
-        <p:nvPr/>
-      </p:nvGrpSpPr>
-      <p:grpSpPr>
-        <a:xfrm>
-          <a:off x="0" y="0"/>
-          <a:ext cx="0" cy="0"/>
-          <a:chOff x="0" y="0"/>
-          <a:chExt cx="0" cy="0"/>
-        </a:xfrm>
-      </p:grpSpPr>
-      <p:sp>
-        <p:nvSpPr>
-          <p:cNvPr id="4" name="Date Placeholder 3">
-            <a:extLst>
-              <a:ext uri="{FF2B5EF4-FFF2-40B4-BE49-F238E27FC236}">
-                <a16:creationId xmlns:a16="http://schemas.microsoft.com/office/drawing/2014/main" id="{D7A4983C-EFD7-473F-B0E6-9293AF3F2156}"/>
-              </a:ext>
-            </a:extLst>
-          </p:cNvPr>
-          <p:cNvSpPr>
-            <a:spLocks noGrp="1"/>
-          </p:cNvSpPr>
-          <p:nvPr>
-            <p:ph type="dt" idx="10"/>
-          </p:nvPr>
-        </p:nvSpPr>
-        <p:spPr/>
-        <p:txBody>
-          <a:bodyPr/>
-          <a:lstStyle/>
-          <a:p>
-            <a:fld id="{820E7DF1-5434-4D59-8F92-96DB76BF4828}" type="datetime1">
-              <a:rPr lang="en-US" smtClean="0"/>
-              <a:t>3/20/2019</a:t>
-            </a:fld>
-            <a:endParaRPr lang="en-US"/>
-          </a:p>
-        </p:txBody>
-      </p:sp>
-      <p:sp>
-        <p:nvSpPr>
-          <p:cNvPr id="6" name="Slide Number Placeholder 5">
-            <a:extLst>
-              <a:ext uri="{FF2B5EF4-FFF2-40B4-BE49-F238E27FC236}">
-                <a16:creationId xmlns:a16="http://schemas.microsoft.com/office/drawing/2014/main" id="{C8B94072-B690-40D0-AA82-97B0C7B33238}"/>
-              </a:ext>
-            </a:extLst>
-          </p:cNvPr>
-          <p:cNvSpPr>
-            <a:spLocks noGrp="1"/>
-          </p:cNvSpPr>
-          <p:nvPr>
-            <p:ph type="sldNum" idx="12"/>
-          </p:nvPr>
-        </p:nvSpPr>
-        <p:spPr/>
-        <p:txBody>
-          <a:bodyPr/>
-          <a:lstStyle/>
-          <a:p>
-            <a:pPr marL="0" lvl="0" indent="0" algn="r" rtl="0">
-              <a:spcBef>
-                <a:spcPts val="0"/>
-              </a:spcBef>
-              <a:spcAft>
-                <a:spcPts val="0"/>
-              </a:spcAft>
-              <a:buNone/>
-            </a:pPr>
-            <a:fld id="{00000000-1234-1234-1234-123412341234}" type="slidenum">
-              <a:rPr lang="en" smtClean="0"/>
-              <a:t>9</a:t>
-            </a:fld>
-            <a:endParaRPr lang="en"/>
-          </a:p>
-        </p:txBody>
-      </p:sp>
-      <p:sp>
-        <p:nvSpPr>
-          <p:cNvPr id="7" name="Title 1">
-            <a:extLst>
-              <a:ext uri="{FF2B5EF4-FFF2-40B4-BE49-F238E27FC236}">
-                <a16:creationId xmlns:a16="http://schemas.microsoft.com/office/drawing/2014/main" id="{CEFA21B8-1F3A-4473-9451-2A160C430053}"/>
-              </a:ext>
-            </a:extLst>
-          </p:cNvPr>
-          <p:cNvSpPr>
-            <a:spLocks noGrp="1"/>
-          </p:cNvSpPr>
-          <p:nvPr>
-            <p:ph type="title"/>
-          </p:nvPr>
-        </p:nvSpPr>
-        <p:spPr>
-          <a:xfrm>
-            <a:off x="457200" y="900113"/>
-            <a:ext cx="8229600" cy="1068300"/>
-          </a:xfrm>
-        </p:spPr>
-        <p:txBody>
-          <a:bodyPr/>
-          <a:lstStyle/>
-          <a:p>
-            <a:pPr algn="l"/>
-            <a:r>
-              <a:rPr lang="en-US" dirty="0"/>
-              <a:t>Sampling using Hoeffding Bounds</a:t>
-            </a:r>
-          </a:p>
-        </p:txBody>
-      </p:sp>
-      <p:pic>
-        <p:nvPicPr>
-          <p:cNvPr id="8" name="Picture 7">
-            <a:extLst>
-              <a:ext uri="{FF2B5EF4-FFF2-40B4-BE49-F238E27FC236}">
-                <a16:creationId xmlns:a16="http://schemas.microsoft.com/office/drawing/2014/main" id="{D59C3BC0-9971-43B8-8B38-AB51E2C7928F}"/>
-              </a:ext>
-            </a:extLst>
-          </p:cNvPr>
-          <p:cNvPicPr>
-            <a:picLocks noChangeAspect="1"/>
-          </p:cNvPicPr>
-          <p:nvPr/>
-        </p:nvPicPr>
-        <p:blipFill>
-          <a:blip r:embed="rId2"/>
-          <a:stretch>
-            <a:fillRect/>
-          </a:stretch>
-        </p:blipFill>
-        <p:spPr>
-          <a:xfrm>
-            <a:off x="1220771" y="1865466"/>
-            <a:ext cx="6702458" cy="4007433"/>
-          </a:xfrm>
-          <a:prstGeom prst="rect">
-            <a:avLst/>
-          </a:prstGeom>
-        </p:spPr>
-      </p:pic>
-      <p:sp>
-        <p:nvSpPr>
-          <p:cNvPr id="9" name="TextBox 8">
-            <a:extLst>
-              <a:ext uri="{FF2B5EF4-FFF2-40B4-BE49-F238E27FC236}">
-                <a16:creationId xmlns:a16="http://schemas.microsoft.com/office/drawing/2014/main" id="{E1618FBE-85CA-46FE-BB91-1B9A26107957}"/>
-              </a:ext>
-            </a:extLst>
-          </p:cNvPr>
-          <p:cNvSpPr txBox="1"/>
-          <p:nvPr/>
-        </p:nvSpPr>
-        <p:spPr>
-          <a:xfrm>
-            <a:off x="1010632" y="5872899"/>
-            <a:ext cx="7122736" cy="523220"/>
-          </a:xfrm>
-          <a:prstGeom prst="rect">
-            <a:avLst/>
-          </a:prstGeom>
-          <a:noFill/>
-        </p:spPr>
-        <p:txBody>
-          <a:bodyPr wrap="square" rtlCol="0">
-            <a:spAutoFit/>
-          </a:bodyPr>
-          <a:lstStyle/>
-          <a:p>
-            <a:r>
-              <a:rPr lang="en-US" sz="1600" i="1" dirty="0"/>
-              <a:t>The upper bound of learning box #2 eliminates the learning boxes #1 and #5</a:t>
-            </a:r>
-          </a:p>
-          <a:p>
-            <a:endParaRPr lang="en-US" sz="1200" i="1" dirty="0"/>
-          </a:p>
-        </p:txBody>
-      </p:sp>
-    </p:spTree>
-    <p:extLst>
-      <p:ext uri="{BB962C8B-B14F-4D97-AF65-F5344CB8AC3E}">
-        <p14:creationId xmlns:p14="http://schemas.microsoft.com/office/powerpoint/2010/main" val="1072699748"/>
       </p:ext>
     </p:extLst>
   </p:cSld>

--- a/Bellwethers.pptx
+++ b/Bellwethers.pptx
@@ -5,7 +5,7 @@
     <p:sldMasterId id="2147483653" r:id="rId1"/>
   </p:sldMasterIdLst>
   <p:notesMasterIdLst>
-    <p:notesMasterId r:id="rId25"/>
+    <p:notesMasterId r:id="rId30"/>
   </p:notesMasterIdLst>
   <p:sldIdLst>
     <p:sldId id="276" r:id="rId2"/>
@@ -31,6 +31,11 @@
     <p:sldId id="291" r:id="rId22"/>
     <p:sldId id="290" r:id="rId23"/>
     <p:sldId id="263" r:id="rId24"/>
+    <p:sldId id="295" r:id="rId25"/>
+    <p:sldId id="296" r:id="rId26"/>
+    <p:sldId id="297" r:id="rId27"/>
+    <p:sldId id="298" r:id="rId28"/>
+    <p:sldId id="299" r:id="rId29"/>
   </p:sldIdLst>
   <p:sldSz cx="9144000" cy="6858000" type="screen4x3"/>
   <p:notesSz cx="6858000" cy="9144000"/>
@@ -5267,7 +5272,7 @@
           <a:p>
             <a:fld id="{1623C508-0628-45AE-A769-6507AEE940B6}" type="datetime1">
               <a:rPr lang="en-US" smtClean="0"/>
-              <a:t>3/21/2019</a:t>
+              <a:t>3/27/2019</a:t>
             </a:fld>
             <a:endParaRPr/>
           </a:p>
@@ -6357,7 +6362,7 @@
           <a:p>
             <a:fld id="{820E7DF1-5434-4D59-8F92-96DB76BF4828}" type="datetime1">
               <a:rPr lang="en-US" smtClean="0"/>
-              <a:t>3/21/2019</a:t>
+              <a:t>3/27/2019</a:t>
             </a:fld>
             <a:endParaRPr/>
           </a:p>
@@ -7686,7 +7691,7 @@
           <a:p>
             <a:fld id="{65862E7F-2CB9-48F9-9722-896101BA3E1F}" type="datetime1">
               <a:rPr lang="en-US" smtClean="0"/>
-              <a:t>3/21/2019</a:t>
+              <a:t>3/27/2019</a:t>
             </a:fld>
             <a:endParaRPr/>
           </a:p>
@@ -8537,7 +8542,7 @@
           <a:p>
             <a:fld id="{037A9A92-DDB6-4318-8DBE-0715E5ABF37D}" type="datetime1">
               <a:rPr lang="en-US" smtClean="0"/>
-              <a:t>3/21/2019</a:t>
+              <a:t>3/27/2019</a:t>
             </a:fld>
             <a:endParaRPr/>
           </a:p>
@@ -10720,7 +10725,7 @@
           <a:p>
             <a:fld id="{042AD2C9-4A3D-4A2F-B640-3816F3BB337B}" type="datetime1">
               <a:rPr lang="en-US" smtClean="0"/>
-              <a:t>3/21/2019</a:t>
+              <a:t>3/27/2019</a:t>
             </a:fld>
             <a:endParaRPr lang="en-US"/>
           </a:p>
@@ -11105,7 +11110,7 @@
           <a:p>
             <a:fld id="{820E7DF1-5434-4D59-8F92-96DB76BF4828}" type="datetime1">
               <a:rPr lang="en-US" smtClean="0"/>
-              <a:t>3/21/2019</a:t>
+              <a:t>3/27/2019</a:t>
             </a:fld>
             <a:endParaRPr lang="en-US"/>
           </a:p>
@@ -11411,7 +11416,7 @@
           <a:p>
             <a:fld id="{820E7DF1-5434-4D59-8F92-96DB76BF4828}" type="datetime1">
               <a:rPr lang="en-US" smtClean="0"/>
-              <a:t>3/21/2019</a:t>
+              <a:t>3/27/2019</a:t>
             </a:fld>
             <a:endParaRPr lang="en-US"/>
           </a:p>
@@ -11792,7 +11797,7 @@
           <a:p>
             <a:fld id="{820E7DF1-5434-4D59-8F92-96DB76BF4828}" type="datetime1">
               <a:rPr lang="en-US" smtClean="0"/>
-              <a:t>3/21/2019</a:t>
+              <a:t>3/27/2019</a:t>
             </a:fld>
             <a:endParaRPr lang="en-US"/>
           </a:p>
@@ -12028,7 +12033,7 @@
           <a:p>
             <a:fld id="{820E7DF1-5434-4D59-8F92-96DB76BF4828}" type="datetime1">
               <a:rPr lang="en-US" smtClean="0"/>
-              <a:t>3/21/2019</a:t>
+              <a:t>3/27/2019</a:t>
             </a:fld>
             <a:endParaRPr lang="en-US"/>
           </a:p>
@@ -12154,7 +12159,7 @@
           <a:p>
             <a:fld id="{820E7DF1-5434-4D59-8F92-96DB76BF4828}" type="datetime1">
               <a:rPr lang="en-US" smtClean="0"/>
-              <a:t>3/21/2019</a:t>
+              <a:t>3/27/2019</a:t>
             </a:fld>
             <a:endParaRPr lang="en-US"/>
           </a:p>
@@ -12805,7 +12810,7 @@
           <a:p>
             <a:fld id="{820E7DF1-5434-4D59-8F92-96DB76BF4828}" type="datetime1">
               <a:rPr lang="en-US" smtClean="0"/>
-              <a:t>3/21/2019</a:t>
+              <a:t>3/27/2019</a:t>
             </a:fld>
             <a:endParaRPr lang="en-US"/>
           </a:p>
@@ -13511,7 +13516,7 @@
           <a:p>
             <a:fld id="{820E7DF1-5434-4D59-8F92-96DB76BF4828}" type="datetime1">
               <a:rPr lang="en-US" smtClean="0"/>
-              <a:t>3/21/2019</a:t>
+              <a:t>3/27/2019</a:t>
             </a:fld>
             <a:endParaRPr lang="en-US"/>
           </a:p>
@@ -13692,7 +13697,7 @@
           <a:p>
             <a:fld id="{820E7DF1-5434-4D59-8F92-96DB76BF4828}" type="datetime1">
               <a:rPr lang="en-US" smtClean="0"/>
-              <a:t>3/21/2019</a:t>
+              <a:t>3/27/2019</a:t>
             </a:fld>
             <a:endParaRPr lang="en-US"/>
           </a:p>
@@ -13854,7 +13859,7 @@
           <a:p>
             <a:fld id="{820E7DF1-5434-4D59-8F92-96DB76BF4828}" type="datetime1">
               <a:rPr lang="en-US" smtClean="0"/>
-              <a:t>3/21/2019</a:t>
+              <a:t>3/27/2019</a:t>
             </a:fld>
             <a:endParaRPr lang="en-US"/>
           </a:p>
@@ -14066,7 +14071,7 @@
           <a:p>
             <a:fld id="{820E7DF1-5434-4D59-8F92-96DB76BF4828}" type="datetime1">
               <a:rPr lang="en-US" smtClean="0"/>
-              <a:t>3/21/2019</a:t>
+              <a:t>3/27/2019</a:t>
             </a:fld>
             <a:endParaRPr lang="en-US"/>
           </a:p>
@@ -14192,7 +14197,7 @@
           <a:p>
             <a:fld id="{820E7DF1-5434-4D59-8F92-96DB76BF4828}" type="datetime1">
               <a:rPr lang="en-US" smtClean="0"/>
-              <a:t>3/21/2019</a:t>
+              <a:t>3/27/2019</a:t>
             </a:fld>
             <a:endParaRPr lang="en-US"/>
           </a:p>
@@ -14236,1024 +14241,241 @@
           </a:p>
         </p:txBody>
       </p:sp>
-      <p:graphicFrame>
-        <p:nvGraphicFramePr>
-          <p:cNvPr id="7" name="Table 6">
+      <p:sp>
+        <p:nvSpPr>
+          <p:cNvPr id="10" name="Rectangle 2">
             <a:extLst>
               <a:ext uri="{FF2B5EF4-FFF2-40B4-BE49-F238E27FC236}">
-                <a16:creationId xmlns:a16="http://schemas.microsoft.com/office/drawing/2014/main" id="{8F1AA7A2-88C1-4781-A9B0-86BEFD17A04E}"/>
+                <a16:creationId xmlns:a16="http://schemas.microsoft.com/office/drawing/2014/main" id="{5DC9B52C-F852-4A50-8CBD-772C982CA576}"/>
               </a:ext>
             </a:extLst>
           </p:cNvPr>
-          <p:cNvGraphicFramePr>
-            <a:graphicFrameLocks noGrp="1"/>
-          </p:cNvGraphicFramePr>
+          <p:cNvSpPr>
+            <a:spLocks noGrp="1" noChangeArrowheads="1"/>
+          </p:cNvSpPr>
           <p:nvPr>
-            <p:extLst>
-              <p:ext uri="{D42A27DB-BD31-4B8C-83A1-F6EECF244321}">
-                <p14:modId xmlns:p14="http://schemas.microsoft.com/office/powerpoint/2010/main" val="2636057736"/>
-              </p:ext>
-            </p:extLst>
+            <p:ph type="body" idx="1"/>
           </p:nvPr>
-        </p:nvGraphicFramePr>
-        <p:xfrm>
-          <a:off x="1326037" y="2339680"/>
-          <a:ext cx="6096000" cy="3261360"/>
-        </p:xfrm>
-        <a:graphic>
-          <a:graphicData uri="http://schemas.openxmlformats.org/drawingml/2006/table">
-            <a:tbl>
-              <a:tblPr firstRow="1" bandRow="1">
-                <a:tableStyleId>{2D5ABB26-0587-4C30-8999-92F81FD0307C}</a:tableStyleId>
-              </a:tblPr>
-              <a:tblGrid>
-                <a:gridCol w="2925452">
-                  <a:extLst>
-                    <a:ext uri="{9D8B030D-6E8A-4147-A177-3AD203B41FA5}">
-                      <a16:colId xmlns:a16="http://schemas.microsoft.com/office/drawing/2014/main" val="3767562146"/>
-                    </a:ext>
-                  </a:extLst>
-                </a:gridCol>
-                <a:gridCol w="3170548">
-                  <a:extLst>
-                    <a:ext uri="{9D8B030D-6E8A-4147-A177-3AD203B41FA5}">
-                      <a16:colId xmlns:a16="http://schemas.microsoft.com/office/drawing/2014/main" val="1318413540"/>
-                    </a:ext>
-                  </a:extLst>
-                </a:gridCol>
-              </a:tblGrid>
-              <a:tr h="370840">
-                <a:tc>
-                  <a:txBody>
-                    <a:bodyPr/>
-                    <a:lstStyle/>
-                    <a:p>
-                      <a:r>
-                        <a:rPr lang="en-US" b="1" dirty="0"/>
-                        <a:t>Task Division</a:t>
-                      </a:r>
-                    </a:p>
-                  </a:txBody>
-                  <a:tcPr>
-                    <a:lnL w="12700" cap="flat" cmpd="sng" algn="ctr">
-                      <a:solidFill>
-                        <a:schemeClr val="tx1"/>
-                      </a:solidFill>
-                      <a:prstDash val="solid"/>
-                      <a:round/>
-                      <a:headEnd type="none" w="med" len="med"/>
-                      <a:tailEnd type="none" w="med" len="med"/>
-                    </a:lnL>
-                    <a:lnR w="12700" cap="flat" cmpd="sng" algn="ctr">
-                      <a:solidFill>
-                        <a:schemeClr val="tx1"/>
-                      </a:solidFill>
-                      <a:prstDash val="solid"/>
-                      <a:round/>
-                      <a:headEnd type="none" w="med" len="med"/>
-                      <a:tailEnd type="none" w="med" len="med"/>
-                    </a:lnR>
-                    <a:lnT w="12700" cap="flat" cmpd="sng" algn="ctr">
-                      <a:solidFill>
-                        <a:schemeClr val="tx1"/>
-                      </a:solidFill>
-                      <a:prstDash val="solid"/>
-                      <a:round/>
-                      <a:headEnd type="none" w="med" len="med"/>
-                      <a:tailEnd type="none" w="med" len="med"/>
-                    </a:lnT>
-                    <a:lnB w="12700" cap="flat" cmpd="sng" algn="ctr">
-                      <a:solidFill>
-                        <a:schemeClr val="tx1"/>
-                      </a:solidFill>
-                      <a:prstDash val="solid"/>
-                      <a:round/>
-                      <a:headEnd type="none" w="med" len="med"/>
-                      <a:tailEnd type="none" w="med" len="med"/>
-                    </a:lnB>
-                    <a:solidFill>
-                      <a:schemeClr val="bg1">
-                        <a:lumMod val="85000"/>
-                      </a:schemeClr>
-                    </a:solidFill>
-                  </a:tcPr>
-                </a:tc>
-                <a:tc>
-                  <a:txBody>
-                    <a:bodyPr/>
-                    <a:lstStyle/>
-                    <a:p>
-                      <a:r>
-                        <a:rPr lang="en-US" b="1" dirty="0"/>
-                        <a:t>Completed by</a:t>
-                      </a:r>
-                    </a:p>
-                  </a:txBody>
-                  <a:tcPr>
-                    <a:lnL w="12700" cap="flat" cmpd="sng" algn="ctr">
-                      <a:solidFill>
-                        <a:schemeClr val="tx1"/>
-                      </a:solidFill>
-                      <a:prstDash val="solid"/>
-                      <a:round/>
-                      <a:headEnd type="none" w="med" len="med"/>
-                      <a:tailEnd type="none" w="med" len="med"/>
-                    </a:lnL>
-                    <a:lnR w="12700" cap="flat" cmpd="sng" algn="ctr">
-                      <a:solidFill>
-                        <a:schemeClr val="tx1"/>
-                      </a:solidFill>
-                      <a:prstDash val="solid"/>
-                      <a:round/>
-                      <a:headEnd type="none" w="med" len="med"/>
-                      <a:tailEnd type="none" w="med" len="med"/>
-                    </a:lnR>
-                    <a:lnT w="12700" cap="flat" cmpd="sng" algn="ctr">
-                      <a:solidFill>
-                        <a:schemeClr val="tx1"/>
-                      </a:solidFill>
-                      <a:prstDash val="solid"/>
-                      <a:round/>
-                      <a:headEnd type="none" w="med" len="med"/>
-                      <a:tailEnd type="none" w="med" len="med"/>
-                    </a:lnT>
-                    <a:lnB w="12700" cap="flat" cmpd="sng" algn="ctr">
-                      <a:solidFill>
-                        <a:schemeClr val="tx1"/>
-                      </a:solidFill>
-                      <a:prstDash val="solid"/>
-                      <a:round/>
-                      <a:headEnd type="none" w="med" len="med"/>
-                      <a:tailEnd type="none" w="med" len="med"/>
-                    </a:lnB>
-                    <a:solidFill>
-                      <a:schemeClr val="bg1">
-                        <a:lumMod val="85000"/>
-                      </a:schemeClr>
-                    </a:solidFill>
-                  </a:tcPr>
-                </a:tc>
-                <a:extLst>
-                  <a:ext uri="{0D108BD9-81ED-4DB2-BD59-A6C34878D82A}">
-                    <a16:rowId xmlns:a16="http://schemas.microsoft.com/office/drawing/2014/main" val="61169980"/>
-                  </a:ext>
-                </a:extLst>
-              </a:tr>
-              <a:tr h="370840">
-                <a:tc>
-                  <a:txBody>
-                    <a:bodyPr/>
-                    <a:lstStyle/>
-                    <a:p>
-                      <a:r>
-                        <a:rPr lang="en-US" dirty="0"/>
-                        <a:t>Baseline Model</a:t>
-                      </a:r>
-                    </a:p>
-                  </a:txBody>
-                  <a:tcPr>
-                    <a:lnL w="12700" cap="flat" cmpd="sng" algn="ctr">
-                      <a:solidFill>
-                        <a:schemeClr val="tx1"/>
-                      </a:solidFill>
-                      <a:prstDash val="solid"/>
-                      <a:round/>
-                      <a:headEnd type="none" w="med" len="med"/>
-                      <a:tailEnd type="none" w="med" len="med"/>
-                    </a:lnL>
-                    <a:lnR w="12700" cap="flat" cmpd="sng" algn="ctr">
-                      <a:solidFill>
-                        <a:schemeClr val="tx1"/>
-                      </a:solidFill>
-                      <a:prstDash val="solid"/>
-                      <a:round/>
-                      <a:headEnd type="none" w="med" len="med"/>
-                      <a:tailEnd type="none" w="med" len="med"/>
-                    </a:lnR>
-                    <a:lnT w="12700" cap="flat" cmpd="sng" algn="ctr">
-                      <a:solidFill>
-                        <a:schemeClr val="tx1"/>
-                      </a:solidFill>
-                      <a:prstDash val="solid"/>
-                      <a:round/>
-                      <a:headEnd type="none" w="med" len="med"/>
-                      <a:tailEnd type="none" w="med" len="med"/>
-                    </a:lnT>
-                    <a:lnB w="12700" cap="flat" cmpd="sng" algn="ctr">
-                      <a:solidFill>
-                        <a:schemeClr val="tx1"/>
-                      </a:solidFill>
-                      <a:prstDash val="solid"/>
-                      <a:round/>
-                      <a:headEnd type="none" w="med" len="med"/>
-                      <a:tailEnd type="none" w="med" len="med"/>
-                    </a:lnB>
-                  </a:tcPr>
-                </a:tc>
-                <a:tc>
-                  <a:txBody>
-                    <a:bodyPr/>
-                    <a:lstStyle/>
-                    <a:p>
-                      <a:r>
-                        <a:rPr lang="en-US" dirty="0"/>
-                        <a:t>S. </a:t>
-                      </a:r>
-                      <a:r>
-                        <a:rPr lang="en-US" dirty="0" err="1"/>
-                        <a:t>Kacholia</a:t>
-                      </a:r>
-                      <a:r>
-                        <a:rPr lang="en-US" dirty="0"/>
-                        <a:t>, S. Sharma</a:t>
-                      </a:r>
-                    </a:p>
-                  </a:txBody>
-                  <a:tcPr>
-                    <a:lnL w="12700" cap="flat" cmpd="sng" algn="ctr">
-                      <a:solidFill>
-                        <a:schemeClr val="tx1"/>
-                      </a:solidFill>
-                      <a:prstDash val="solid"/>
-                      <a:round/>
-                      <a:headEnd type="none" w="med" len="med"/>
-                      <a:tailEnd type="none" w="med" len="med"/>
-                    </a:lnL>
-                    <a:lnR w="12700" cap="flat" cmpd="sng" algn="ctr">
-                      <a:solidFill>
-                        <a:schemeClr val="tx1"/>
-                      </a:solidFill>
-                      <a:prstDash val="solid"/>
-                      <a:round/>
-                      <a:headEnd type="none" w="med" len="med"/>
-                      <a:tailEnd type="none" w="med" len="med"/>
-                    </a:lnR>
-                    <a:lnT w="12700" cap="flat" cmpd="sng" algn="ctr">
-                      <a:solidFill>
-                        <a:schemeClr val="tx1"/>
-                      </a:solidFill>
-                      <a:prstDash val="solid"/>
-                      <a:round/>
-                      <a:headEnd type="none" w="med" len="med"/>
-                      <a:tailEnd type="none" w="med" len="med"/>
-                    </a:lnT>
-                    <a:lnB w="12700" cap="flat" cmpd="sng" algn="ctr">
-                      <a:solidFill>
-                        <a:schemeClr val="tx1"/>
-                      </a:solidFill>
-                      <a:prstDash val="solid"/>
-                      <a:round/>
-                      <a:headEnd type="none" w="med" len="med"/>
-                      <a:tailEnd type="none" w="med" len="med"/>
-                    </a:lnB>
-                  </a:tcPr>
-                </a:tc>
-                <a:extLst>
-                  <a:ext uri="{0D108BD9-81ED-4DB2-BD59-A6C34878D82A}">
-                    <a16:rowId xmlns:a16="http://schemas.microsoft.com/office/drawing/2014/main" val="1862760569"/>
-                  </a:ext>
-                </a:extLst>
-              </a:tr>
-              <a:tr h="370840">
-                <a:tc>
-                  <a:txBody>
-                    <a:bodyPr/>
-                    <a:lstStyle/>
-                    <a:p>
-                      <a:r>
-                        <a:rPr lang="en-US" dirty="0" err="1"/>
-                        <a:t>Hoeffdings</a:t>
-                      </a:r>
-                      <a:r>
-                        <a:rPr lang="en-US" dirty="0"/>
-                        <a:t> bound implementation</a:t>
-                      </a:r>
-                    </a:p>
-                  </a:txBody>
-                  <a:tcPr>
-                    <a:lnL w="12700" cap="flat" cmpd="sng" algn="ctr">
-                      <a:solidFill>
-                        <a:schemeClr val="tx1"/>
-                      </a:solidFill>
-                      <a:prstDash val="solid"/>
-                      <a:round/>
-                      <a:headEnd type="none" w="med" len="med"/>
-                      <a:tailEnd type="none" w="med" len="med"/>
-                    </a:lnL>
-                    <a:lnR w="12700" cap="flat" cmpd="sng" algn="ctr">
-                      <a:solidFill>
-                        <a:schemeClr val="tx1"/>
-                      </a:solidFill>
-                      <a:prstDash val="solid"/>
-                      <a:round/>
-                      <a:headEnd type="none" w="med" len="med"/>
-                      <a:tailEnd type="none" w="med" len="med"/>
-                    </a:lnR>
-                    <a:lnT w="12700" cap="flat" cmpd="sng" algn="ctr">
-                      <a:solidFill>
-                        <a:schemeClr val="tx1"/>
-                      </a:solidFill>
-                      <a:prstDash val="solid"/>
-                      <a:round/>
-                      <a:headEnd type="none" w="med" len="med"/>
-                      <a:tailEnd type="none" w="med" len="med"/>
-                    </a:lnT>
-                    <a:lnB w="12700" cap="flat" cmpd="sng" algn="ctr">
-                      <a:solidFill>
-                        <a:schemeClr val="tx1"/>
-                      </a:solidFill>
-                      <a:prstDash val="solid"/>
-                      <a:round/>
-                      <a:headEnd type="none" w="med" len="med"/>
-                      <a:tailEnd type="none" w="med" len="med"/>
-                    </a:lnB>
-                  </a:tcPr>
-                </a:tc>
-                <a:tc>
-                  <a:txBody>
-                    <a:bodyPr/>
-                    <a:lstStyle/>
-                    <a:p>
-                      <a:pPr marL="0" marR="0" lvl="0" indent="0" algn="l" defTabSz="914400" rtl="0" eaLnBrk="1" fontAlgn="auto" latinLnBrk="0" hangingPunct="1">
-                        <a:lnSpc>
-                          <a:spcPct val="100000"/>
-                        </a:lnSpc>
-                        <a:spcBef>
-                          <a:spcPts val="0"/>
-                        </a:spcBef>
-                        <a:spcAft>
-                          <a:spcPts val="0"/>
-                        </a:spcAft>
-                        <a:buClr>
-                          <a:srgbClr val="000000"/>
-                        </a:buClr>
-                        <a:buSzTx/>
-                        <a:buFont typeface="Arial"/>
-                        <a:buNone/>
-                        <a:tabLst/>
-                        <a:defRPr/>
-                      </a:pPr>
-                      <a:r>
-                        <a:rPr lang="en-US" dirty="0"/>
-                        <a:t>S. </a:t>
-                      </a:r>
-                      <a:r>
-                        <a:rPr lang="en-US" dirty="0" err="1"/>
-                        <a:t>Kacholia</a:t>
-                      </a:r>
-                      <a:r>
-                        <a:rPr lang="en-US" dirty="0"/>
-                        <a:t>, A. Nalwaya</a:t>
-                      </a:r>
-                    </a:p>
-                  </a:txBody>
-                  <a:tcPr>
-                    <a:lnL w="12700" cap="flat" cmpd="sng" algn="ctr">
-                      <a:solidFill>
-                        <a:schemeClr val="tx1"/>
-                      </a:solidFill>
-                      <a:prstDash val="solid"/>
-                      <a:round/>
-                      <a:headEnd type="none" w="med" len="med"/>
-                      <a:tailEnd type="none" w="med" len="med"/>
-                    </a:lnL>
-                    <a:lnR w="12700" cap="flat" cmpd="sng" algn="ctr">
-                      <a:solidFill>
-                        <a:schemeClr val="tx1"/>
-                      </a:solidFill>
-                      <a:prstDash val="solid"/>
-                      <a:round/>
-                      <a:headEnd type="none" w="med" len="med"/>
-                      <a:tailEnd type="none" w="med" len="med"/>
-                    </a:lnR>
-                    <a:lnT w="12700" cap="flat" cmpd="sng" algn="ctr">
-                      <a:solidFill>
-                        <a:schemeClr val="tx1"/>
-                      </a:solidFill>
-                      <a:prstDash val="solid"/>
-                      <a:round/>
-                      <a:headEnd type="none" w="med" len="med"/>
-                      <a:tailEnd type="none" w="med" len="med"/>
-                    </a:lnT>
-                    <a:lnB w="12700" cap="flat" cmpd="sng" algn="ctr">
-                      <a:solidFill>
-                        <a:schemeClr val="tx1"/>
-                      </a:solidFill>
-                      <a:prstDash val="solid"/>
-                      <a:round/>
-                      <a:headEnd type="none" w="med" len="med"/>
-                      <a:tailEnd type="none" w="med" len="med"/>
-                    </a:lnB>
-                  </a:tcPr>
-                </a:tc>
-                <a:extLst>
-                  <a:ext uri="{0D108BD9-81ED-4DB2-BD59-A6C34878D82A}">
-                    <a16:rowId xmlns:a16="http://schemas.microsoft.com/office/drawing/2014/main" val="1213655509"/>
-                  </a:ext>
-                </a:extLst>
-              </a:tr>
-              <a:tr h="370840">
-                <a:tc>
-                  <a:txBody>
-                    <a:bodyPr/>
-                    <a:lstStyle/>
-                    <a:p>
-                      <a:r>
-                        <a:rPr lang="en-US" dirty="0"/>
-                        <a:t>Modified </a:t>
-                      </a:r>
-                      <a:r>
-                        <a:rPr lang="en-US" dirty="0" err="1"/>
-                        <a:t>Hoeffdings</a:t>
-                      </a:r>
-                      <a:r>
-                        <a:rPr lang="en-US" dirty="0"/>
-                        <a:t> bound</a:t>
-                      </a:r>
-                    </a:p>
-                  </a:txBody>
-                  <a:tcPr>
-                    <a:lnL w="12700" cap="flat" cmpd="sng" algn="ctr">
-                      <a:solidFill>
-                        <a:schemeClr val="tx1"/>
-                      </a:solidFill>
-                      <a:prstDash val="solid"/>
-                      <a:round/>
-                      <a:headEnd type="none" w="med" len="med"/>
-                      <a:tailEnd type="none" w="med" len="med"/>
-                    </a:lnL>
-                    <a:lnR w="12700" cap="flat" cmpd="sng" algn="ctr">
-                      <a:solidFill>
-                        <a:schemeClr val="tx1"/>
-                      </a:solidFill>
-                      <a:prstDash val="solid"/>
-                      <a:round/>
-                      <a:headEnd type="none" w="med" len="med"/>
-                      <a:tailEnd type="none" w="med" len="med"/>
-                    </a:lnR>
-                    <a:lnT w="12700" cap="flat" cmpd="sng" algn="ctr">
-                      <a:solidFill>
-                        <a:schemeClr val="tx1"/>
-                      </a:solidFill>
-                      <a:prstDash val="solid"/>
-                      <a:round/>
-                      <a:headEnd type="none" w="med" len="med"/>
-                      <a:tailEnd type="none" w="med" len="med"/>
-                    </a:lnT>
-                    <a:lnB w="12700" cap="flat" cmpd="sng" algn="ctr">
-                      <a:solidFill>
-                        <a:schemeClr val="tx1"/>
-                      </a:solidFill>
-                      <a:prstDash val="solid"/>
-                      <a:round/>
-                      <a:headEnd type="none" w="med" len="med"/>
-                      <a:tailEnd type="none" w="med" len="med"/>
-                    </a:lnB>
-                  </a:tcPr>
-                </a:tc>
-                <a:tc>
-                  <a:txBody>
-                    <a:bodyPr/>
-                    <a:lstStyle/>
-                    <a:p>
-                      <a:pPr marL="0" indent="0">
-                        <a:buNone/>
-                      </a:pPr>
-                      <a:r>
-                        <a:rPr lang="en-US" dirty="0"/>
-                        <a:t>A. Nalwaya</a:t>
-                      </a:r>
-                    </a:p>
-                  </a:txBody>
-                  <a:tcPr>
-                    <a:lnL w="12700" cap="flat" cmpd="sng" algn="ctr">
-                      <a:solidFill>
-                        <a:schemeClr val="tx1"/>
-                      </a:solidFill>
-                      <a:prstDash val="solid"/>
-                      <a:round/>
-                      <a:headEnd type="none" w="med" len="med"/>
-                      <a:tailEnd type="none" w="med" len="med"/>
-                    </a:lnL>
-                    <a:lnR w="12700" cap="flat" cmpd="sng" algn="ctr">
-                      <a:solidFill>
-                        <a:schemeClr val="tx1"/>
-                      </a:solidFill>
-                      <a:prstDash val="solid"/>
-                      <a:round/>
-                      <a:headEnd type="none" w="med" len="med"/>
-                      <a:tailEnd type="none" w="med" len="med"/>
-                    </a:lnR>
-                    <a:lnT w="12700" cap="flat" cmpd="sng" algn="ctr">
-                      <a:solidFill>
-                        <a:schemeClr val="tx1"/>
-                      </a:solidFill>
-                      <a:prstDash val="solid"/>
-                      <a:round/>
-                      <a:headEnd type="none" w="med" len="med"/>
-                      <a:tailEnd type="none" w="med" len="med"/>
-                    </a:lnT>
-                    <a:lnB w="12700" cap="flat" cmpd="sng" algn="ctr">
-                      <a:solidFill>
-                        <a:schemeClr val="tx1"/>
-                      </a:solidFill>
-                      <a:prstDash val="solid"/>
-                      <a:round/>
-                      <a:headEnd type="none" w="med" len="med"/>
-                      <a:tailEnd type="none" w="med" len="med"/>
-                    </a:lnB>
-                  </a:tcPr>
-                </a:tc>
-                <a:extLst>
-                  <a:ext uri="{0D108BD9-81ED-4DB2-BD59-A6C34878D82A}">
-                    <a16:rowId xmlns:a16="http://schemas.microsoft.com/office/drawing/2014/main" val="1729473214"/>
-                  </a:ext>
-                </a:extLst>
-              </a:tr>
-              <a:tr h="370840">
-                <a:tc>
-                  <a:txBody>
-                    <a:bodyPr/>
-                    <a:lstStyle/>
-                    <a:p>
-                      <a:r>
-                        <a:rPr lang="en-US" dirty="0"/>
-                        <a:t>Interpretation and compilation of results</a:t>
-                      </a:r>
-                    </a:p>
-                  </a:txBody>
-                  <a:tcPr>
-                    <a:lnL w="12700" cap="flat" cmpd="sng" algn="ctr">
-                      <a:solidFill>
-                        <a:schemeClr val="tx1"/>
-                      </a:solidFill>
-                      <a:prstDash val="solid"/>
-                      <a:round/>
-                      <a:headEnd type="none" w="med" len="med"/>
-                      <a:tailEnd type="none" w="med" len="med"/>
-                    </a:lnL>
-                    <a:lnR w="12700" cap="flat" cmpd="sng" algn="ctr">
-                      <a:solidFill>
-                        <a:schemeClr val="tx1"/>
-                      </a:solidFill>
-                      <a:prstDash val="solid"/>
-                      <a:round/>
-                      <a:headEnd type="none" w="med" len="med"/>
-                      <a:tailEnd type="none" w="med" len="med"/>
-                    </a:lnR>
-                    <a:lnT w="12700" cap="flat" cmpd="sng" algn="ctr">
-                      <a:solidFill>
-                        <a:schemeClr val="tx1"/>
-                      </a:solidFill>
-                      <a:prstDash val="solid"/>
-                      <a:round/>
-                      <a:headEnd type="none" w="med" len="med"/>
-                      <a:tailEnd type="none" w="med" len="med"/>
-                    </a:lnT>
-                    <a:lnB w="12700" cap="flat" cmpd="sng" algn="ctr">
-                      <a:solidFill>
-                        <a:schemeClr val="tx1"/>
-                      </a:solidFill>
-                      <a:prstDash val="solid"/>
-                      <a:round/>
-                      <a:headEnd type="none" w="med" len="med"/>
-                      <a:tailEnd type="none" w="med" len="med"/>
-                    </a:lnB>
-                  </a:tcPr>
-                </a:tc>
-                <a:tc>
-                  <a:txBody>
-                    <a:bodyPr/>
-                    <a:lstStyle/>
-                    <a:p>
-                      <a:r>
-                        <a:rPr lang="en-US" dirty="0"/>
-                        <a:t>S. </a:t>
-                      </a:r>
-                      <a:r>
-                        <a:rPr lang="en-US" dirty="0" err="1"/>
-                        <a:t>Kacholia</a:t>
-                      </a:r>
-                      <a:r>
-                        <a:rPr lang="en-US" dirty="0"/>
-                        <a:t>, S. Sharma, A. Nalwaya</a:t>
-                      </a:r>
-                    </a:p>
-                  </a:txBody>
-                  <a:tcPr>
-                    <a:lnL w="12700" cap="flat" cmpd="sng" algn="ctr">
-                      <a:solidFill>
-                        <a:schemeClr val="tx1"/>
-                      </a:solidFill>
-                      <a:prstDash val="solid"/>
-                      <a:round/>
-                      <a:headEnd type="none" w="med" len="med"/>
-                      <a:tailEnd type="none" w="med" len="med"/>
-                    </a:lnL>
-                    <a:lnR w="12700" cap="flat" cmpd="sng" algn="ctr">
-                      <a:solidFill>
-                        <a:schemeClr val="tx1"/>
-                      </a:solidFill>
-                      <a:prstDash val="solid"/>
-                      <a:round/>
-                      <a:headEnd type="none" w="med" len="med"/>
-                      <a:tailEnd type="none" w="med" len="med"/>
-                    </a:lnR>
-                    <a:lnT w="12700" cap="flat" cmpd="sng" algn="ctr">
-                      <a:solidFill>
-                        <a:schemeClr val="tx1"/>
-                      </a:solidFill>
-                      <a:prstDash val="solid"/>
-                      <a:round/>
-                      <a:headEnd type="none" w="med" len="med"/>
-                      <a:tailEnd type="none" w="med" len="med"/>
-                    </a:lnT>
-                    <a:lnB w="12700" cap="flat" cmpd="sng" algn="ctr">
-                      <a:solidFill>
-                        <a:schemeClr val="tx1"/>
-                      </a:solidFill>
-                      <a:prstDash val="solid"/>
-                      <a:round/>
-                      <a:headEnd type="none" w="med" len="med"/>
-                      <a:tailEnd type="none" w="med" len="med"/>
-                    </a:lnB>
-                  </a:tcPr>
-                </a:tc>
-                <a:extLst>
-                  <a:ext uri="{0D108BD9-81ED-4DB2-BD59-A6C34878D82A}">
-                    <a16:rowId xmlns:a16="http://schemas.microsoft.com/office/drawing/2014/main" val="3035125153"/>
-                  </a:ext>
-                </a:extLst>
-              </a:tr>
-              <a:tr h="370840">
-                <a:tc>
-                  <a:txBody>
-                    <a:bodyPr/>
-                    <a:lstStyle/>
-                    <a:p>
-                      <a:r>
-                        <a:rPr lang="en-US" dirty="0"/>
-                        <a:t>Generating samples and testing algorithms</a:t>
-                      </a:r>
-                    </a:p>
-                  </a:txBody>
-                  <a:tcPr>
-                    <a:lnL w="12700" cap="flat" cmpd="sng" algn="ctr">
-                      <a:solidFill>
-                        <a:schemeClr val="tx1"/>
-                      </a:solidFill>
-                      <a:prstDash val="solid"/>
-                      <a:round/>
-                      <a:headEnd type="none" w="med" len="med"/>
-                      <a:tailEnd type="none" w="med" len="med"/>
-                    </a:lnL>
-                    <a:lnR w="12700" cap="flat" cmpd="sng" algn="ctr">
-                      <a:solidFill>
-                        <a:schemeClr val="tx1"/>
-                      </a:solidFill>
-                      <a:prstDash val="solid"/>
-                      <a:round/>
-                      <a:headEnd type="none" w="med" len="med"/>
-                      <a:tailEnd type="none" w="med" len="med"/>
-                    </a:lnR>
-                    <a:lnT w="12700" cap="flat" cmpd="sng" algn="ctr">
-                      <a:solidFill>
-                        <a:schemeClr val="tx1"/>
-                      </a:solidFill>
-                      <a:prstDash val="solid"/>
-                      <a:round/>
-                      <a:headEnd type="none" w="med" len="med"/>
-                      <a:tailEnd type="none" w="med" len="med"/>
-                    </a:lnT>
-                    <a:lnB w="12700" cap="flat" cmpd="sng" algn="ctr">
-                      <a:solidFill>
-                        <a:schemeClr val="tx1"/>
-                      </a:solidFill>
-                      <a:prstDash val="solid"/>
-                      <a:round/>
-                      <a:headEnd type="none" w="med" len="med"/>
-                      <a:tailEnd type="none" w="med" len="med"/>
-                    </a:lnB>
-                  </a:tcPr>
-                </a:tc>
-                <a:tc>
-                  <a:txBody>
-                    <a:bodyPr/>
-                    <a:lstStyle/>
-                    <a:p>
-                      <a:r>
-                        <a:rPr lang="en-US" dirty="0"/>
-                        <a:t>S. Sharma, A. Nalwaya</a:t>
-                      </a:r>
-                    </a:p>
-                  </a:txBody>
-                  <a:tcPr>
-                    <a:lnL w="12700" cap="flat" cmpd="sng" algn="ctr">
-                      <a:solidFill>
-                        <a:schemeClr val="tx1"/>
-                      </a:solidFill>
-                      <a:prstDash val="solid"/>
-                      <a:round/>
-                      <a:headEnd type="none" w="med" len="med"/>
-                      <a:tailEnd type="none" w="med" len="med"/>
-                    </a:lnL>
-                    <a:lnR w="12700" cap="flat" cmpd="sng" algn="ctr">
-                      <a:solidFill>
-                        <a:schemeClr val="tx1"/>
-                      </a:solidFill>
-                      <a:prstDash val="solid"/>
-                      <a:round/>
-                      <a:headEnd type="none" w="med" len="med"/>
-                      <a:tailEnd type="none" w="med" len="med"/>
-                    </a:lnR>
-                    <a:lnT w="12700" cap="flat" cmpd="sng" algn="ctr">
-                      <a:solidFill>
-                        <a:schemeClr val="tx1"/>
-                      </a:solidFill>
-                      <a:prstDash val="solid"/>
-                      <a:round/>
-                      <a:headEnd type="none" w="med" len="med"/>
-                      <a:tailEnd type="none" w="med" len="med"/>
-                    </a:lnT>
-                    <a:lnB w="12700" cap="flat" cmpd="sng" algn="ctr">
-                      <a:solidFill>
-                        <a:schemeClr val="tx1"/>
-                      </a:solidFill>
-                      <a:prstDash val="solid"/>
-                      <a:round/>
-                      <a:headEnd type="none" w="med" len="med"/>
-                      <a:tailEnd type="none" w="med" len="med"/>
-                    </a:lnB>
-                  </a:tcPr>
-                </a:tc>
-                <a:extLst>
-                  <a:ext uri="{0D108BD9-81ED-4DB2-BD59-A6C34878D82A}">
-                    <a16:rowId xmlns:a16="http://schemas.microsoft.com/office/drawing/2014/main" val="3732887636"/>
-                  </a:ext>
-                </a:extLst>
-              </a:tr>
-              <a:tr h="370840">
-                <a:tc>
-                  <a:txBody>
-                    <a:bodyPr/>
-                    <a:lstStyle/>
-                    <a:p>
-                      <a:r>
-                        <a:rPr lang="en-US" dirty="0"/>
-                        <a:t>Project Elimination</a:t>
-                      </a:r>
-                    </a:p>
-                  </a:txBody>
-                  <a:tcPr>
-                    <a:lnL w="12700" cap="flat" cmpd="sng" algn="ctr">
-                      <a:solidFill>
-                        <a:schemeClr val="tx1"/>
-                      </a:solidFill>
-                      <a:prstDash val="solid"/>
-                      <a:round/>
-                      <a:headEnd type="none" w="med" len="med"/>
-                      <a:tailEnd type="none" w="med" len="med"/>
-                    </a:lnL>
-                    <a:lnR w="12700" cap="flat" cmpd="sng" algn="ctr">
-                      <a:solidFill>
-                        <a:schemeClr val="tx1"/>
-                      </a:solidFill>
-                      <a:prstDash val="solid"/>
-                      <a:round/>
-                      <a:headEnd type="none" w="med" len="med"/>
-                      <a:tailEnd type="none" w="med" len="med"/>
-                    </a:lnR>
-                    <a:lnT w="12700" cap="flat" cmpd="sng" algn="ctr">
-                      <a:solidFill>
-                        <a:schemeClr val="tx1"/>
-                      </a:solidFill>
-                      <a:prstDash val="solid"/>
-                      <a:round/>
-                      <a:headEnd type="none" w="med" len="med"/>
-                      <a:tailEnd type="none" w="med" len="med"/>
-                    </a:lnT>
-                    <a:lnB w="12700" cap="flat" cmpd="sng" algn="ctr">
-                      <a:solidFill>
-                        <a:schemeClr val="tx1"/>
-                      </a:solidFill>
-                      <a:prstDash val="solid"/>
-                      <a:round/>
-                      <a:headEnd type="none" w="med" len="med"/>
-                      <a:tailEnd type="none" w="med" len="med"/>
-                    </a:lnB>
-                  </a:tcPr>
-                </a:tc>
-                <a:tc>
-                  <a:txBody>
-                    <a:bodyPr/>
-                    <a:lstStyle/>
-                    <a:p>
-                      <a:pPr marL="0" indent="0">
-                        <a:buNone/>
-                      </a:pPr>
-                      <a:r>
-                        <a:rPr lang="en-US" dirty="0"/>
-                        <a:t>A. Nalwaya</a:t>
-                      </a:r>
-                    </a:p>
-                  </a:txBody>
-                  <a:tcPr>
-                    <a:lnL w="12700" cap="flat" cmpd="sng" algn="ctr">
-                      <a:solidFill>
-                        <a:schemeClr val="tx1"/>
-                      </a:solidFill>
-                      <a:prstDash val="solid"/>
-                      <a:round/>
-                      <a:headEnd type="none" w="med" len="med"/>
-                      <a:tailEnd type="none" w="med" len="med"/>
-                    </a:lnL>
-                    <a:lnR w="12700" cap="flat" cmpd="sng" algn="ctr">
-                      <a:solidFill>
-                        <a:schemeClr val="tx1"/>
-                      </a:solidFill>
-                      <a:prstDash val="solid"/>
-                      <a:round/>
-                      <a:headEnd type="none" w="med" len="med"/>
-                      <a:tailEnd type="none" w="med" len="med"/>
-                    </a:lnR>
-                    <a:lnT w="12700" cap="flat" cmpd="sng" algn="ctr">
-                      <a:solidFill>
-                        <a:schemeClr val="tx1"/>
-                      </a:solidFill>
-                      <a:prstDash val="solid"/>
-                      <a:round/>
-                      <a:headEnd type="none" w="med" len="med"/>
-                      <a:tailEnd type="none" w="med" len="med"/>
-                    </a:lnT>
-                    <a:lnB w="12700" cap="flat" cmpd="sng" algn="ctr">
-                      <a:solidFill>
-                        <a:schemeClr val="tx1"/>
-                      </a:solidFill>
-                      <a:prstDash val="solid"/>
-                      <a:round/>
-                      <a:headEnd type="none" w="med" len="med"/>
-                      <a:tailEnd type="none" w="med" len="med"/>
-                    </a:lnB>
-                  </a:tcPr>
-                </a:tc>
-                <a:extLst>
-                  <a:ext uri="{0D108BD9-81ED-4DB2-BD59-A6C34878D82A}">
-                    <a16:rowId xmlns:a16="http://schemas.microsoft.com/office/drawing/2014/main" val="634731881"/>
-                  </a:ext>
-                </a:extLst>
-              </a:tr>
-              <a:tr h="370840">
-                <a:tc>
-                  <a:txBody>
-                    <a:bodyPr/>
-                    <a:lstStyle/>
-                    <a:p>
-                      <a:r>
-                        <a:rPr lang="en-US" dirty="0"/>
-                        <a:t>Feature Selection</a:t>
-                      </a:r>
-                    </a:p>
-                  </a:txBody>
-                  <a:tcPr>
-                    <a:lnL w="12700" cap="flat" cmpd="sng" algn="ctr">
-                      <a:solidFill>
-                        <a:schemeClr val="tx1"/>
-                      </a:solidFill>
-                      <a:prstDash val="solid"/>
-                      <a:round/>
-                      <a:headEnd type="none" w="med" len="med"/>
-                      <a:tailEnd type="none" w="med" len="med"/>
-                    </a:lnL>
-                    <a:lnR w="12700" cap="flat" cmpd="sng" algn="ctr">
-                      <a:solidFill>
-                        <a:schemeClr val="tx1"/>
-                      </a:solidFill>
-                      <a:prstDash val="solid"/>
-                      <a:round/>
-                      <a:headEnd type="none" w="med" len="med"/>
-                      <a:tailEnd type="none" w="med" len="med"/>
-                    </a:lnR>
-                    <a:lnT w="12700" cap="flat" cmpd="sng" algn="ctr">
-                      <a:solidFill>
-                        <a:schemeClr val="tx1"/>
-                      </a:solidFill>
-                      <a:prstDash val="solid"/>
-                      <a:round/>
-                      <a:headEnd type="none" w="med" len="med"/>
-                      <a:tailEnd type="none" w="med" len="med"/>
-                    </a:lnT>
-                    <a:lnB w="12700" cap="flat" cmpd="sng" algn="ctr">
-                      <a:solidFill>
-                        <a:schemeClr val="tx1"/>
-                      </a:solidFill>
-                      <a:prstDash val="solid"/>
-                      <a:round/>
-                      <a:headEnd type="none" w="med" len="med"/>
-                      <a:tailEnd type="none" w="med" len="med"/>
-                    </a:lnB>
-                  </a:tcPr>
-                </a:tc>
-                <a:tc>
-                  <a:txBody>
-                    <a:bodyPr/>
-                    <a:lstStyle/>
-                    <a:p>
-                      <a:r>
-                        <a:rPr lang="en-US"/>
-                        <a:t>A. Nalwaya</a:t>
-                      </a:r>
-                      <a:endParaRPr lang="en-US" dirty="0"/>
-                    </a:p>
-                  </a:txBody>
-                  <a:tcPr>
-                    <a:lnL w="12700" cap="flat" cmpd="sng" algn="ctr">
-                      <a:solidFill>
-                        <a:schemeClr val="tx1"/>
-                      </a:solidFill>
-                      <a:prstDash val="solid"/>
-                      <a:round/>
-                      <a:headEnd type="none" w="med" len="med"/>
-                      <a:tailEnd type="none" w="med" len="med"/>
-                    </a:lnL>
-                    <a:lnR w="12700" cap="flat" cmpd="sng" algn="ctr">
-                      <a:solidFill>
-                        <a:schemeClr val="tx1"/>
-                      </a:solidFill>
-                      <a:prstDash val="solid"/>
-                      <a:round/>
-                      <a:headEnd type="none" w="med" len="med"/>
-                      <a:tailEnd type="none" w="med" len="med"/>
-                    </a:lnR>
-                    <a:lnT w="12700" cap="flat" cmpd="sng" algn="ctr">
-                      <a:solidFill>
-                        <a:schemeClr val="tx1"/>
-                      </a:solidFill>
-                      <a:prstDash val="solid"/>
-                      <a:round/>
-                      <a:headEnd type="none" w="med" len="med"/>
-                      <a:tailEnd type="none" w="med" len="med"/>
-                    </a:lnT>
-                    <a:lnB w="12700" cap="flat" cmpd="sng" algn="ctr">
-                      <a:solidFill>
-                        <a:schemeClr val="tx1"/>
-                      </a:solidFill>
-                      <a:prstDash val="solid"/>
-                      <a:round/>
-                      <a:headEnd type="none" w="med" len="med"/>
-                      <a:tailEnd type="none" w="med" len="med"/>
-                    </a:lnB>
-                  </a:tcPr>
-                </a:tc>
-                <a:extLst>
-                  <a:ext uri="{0D108BD9-81ED-4DB2-BD59-A6C34878D82A}">
-                    <a16:rowId xmlns:a16="http://schemas.microsoft.com/office/drawing/2014/main" val="1083638293"/>
-                  </a:ext>
-                </a:extLst>
-              </a:tr>
-            </a:tbl>
-          </a:graphicData>
-        </a:graphic>
-      </p:graphicFrame>
-      <p:sp>
-        <p:nvSpPr>
-          <p:cNvPr id="8" name="TextBox 7">
-            <a:extLst>
-              <a:ext uri="{FF2B5EF4-FFF2-40B4-BE49-F238E27FC236}">
-                <a16:creationId xmlns:a16="http://schemas.microsoft.com/office/drawing/2014/main" id="{25893736-301B-46AD-B8D9-C88BF2585A12}"/>
-              </a:ext>
-            </a:extLst>
-          </p:cNvPr>
-          <p:cNvSpPr txBox="1"/>
-          <p:nvPr/>
         </p:nvSpPr>
-        <p:spPr>
+        <p:spPr bwMode="auto">
           <a:xfrm>
-            <a:off x="1307184" y="5722068"/>
-            <a:ext cx="6818722" cy="307777"/>
+            <a:off x="457201" y="2692379"/>
+            <a:ext cx="8229600" cy="2862322"/>
           </a:xfrm>
           <a:prstGeom prst="rect">
             <a:avLst/>
           </a:prstGeom>
           <a:noFill/>
+          <a:ln>
+            <a:noFill/>
+          </a:ln>
+          <a:effectLst/>
+          <a:extLst>
+            <a:ext uri="{909E8E84-426E-40DD-AFC4-6F175D3DCCD1}">
+              <a14:hiddenFill xmlns:a14="http://schemas.microsoft.com/office/drawing/2010/main">
+                <a:solidFill>
+                  <a:schemeClr val="accent1"/>
+                </a:solidFill>
+              </a14:hiddenFill>
+            </a:ext>
+            <a:ext uri="{91240B29-F687-4F45-9708-019B960494DF}">
+              <a14:hiddenLine xmlns:a14="http://schemas.microsoft.com/office/drawing/2010/main" w="9525">
+                <a:solidFill>
+                  <a:schemeClr val="tx1"/>
+                </a:solidFill>
+                <a:miter lim="800000"/>
+                <a:headEnd/>
+                <a:tailEnd/>
+              </a14:hiddenLine>
+            </a:ext>
+            <a:ext uri="{AF507438-7753-43E0-B8FC-AC1667EBCBE1}">
+              <a14:hiddenEffects xmlns:a14="http://schemas.microsoft.com/office/drawing/2010/main">
+                <a:effectLst>
+                  <a:outerShdw dist="35921" dir="2700000" algn="ctr" rotWithShape="0">
+                    <a:schemeClr val="bg2"/>
+                  </a:outerShdw>
+                </a:effectLst>
+              </a14:hiddenEffects>
+            </a:ext>
+          </a:extLst>
         </p:spPr>
         <p:txBody>
-          <a:bodyPr wrap="square" rtlCol="0">
+          <a:bodyPr vert="horz" wrap="square" lIns="91440" tIns="45720" rIns="91440" bIns="45720" numCol="1" anchor="ctr" anchorCtr="0" compatLnSpc="1">
+            <a:prstTxWarp prst="textNoShape">
+              <a:avLst/>
+            </a:prstTxWarp>
             <a:spAutoFit/>
           </a:bodyPr>
           <a:lstStyle/>
           <a:p>
+            <a:pPr marL="342900" indent="-342900" eaLnBrk="0" fontAlgn="base" hangingPunct="0">
+              <a:spcBef>
+                <a:spcPct val="0"/>
+              </a:spcBef>
+              <a:spcAft>
+                <a:spcPct val="0"/>
+              </a:spcAft>
+              <a:buClrTx/>
+              <a:buSzTx/>
+            </a:pPr>
             <a:r>
-              <a:rPr lang="en-US" i="1" dirty="0"/>
-              <a:t>Group Members: Akshay Nalwaya, Sanjana </a:t>
+              <a:rPr kumimoji="0" lang="en-US" altLang="en-US" sz="2000" b="0" i="0" u="none" strike="noStrike" cap="none" normalizeH="0" baseline="0" dirty="0">
+                <a:ln>
+                  <a:noFill/>
+                </a:ln>
+                <a:solidFill>
+                  <a:srgbClr val="000000"/>
+                </a:solidFill>
+                <a:effectLst/>
+                <a:latin typeface="Arial" panose="020B0604020202020204" pitchFamily="34" charset="0"/>
+                <a:cs typeface="Arial" panose="020B0604020202020204" pitchFamily="34" charset="0"/>
+              </a:rPr>
+              <a:t>This project work was started as a group project in Fall 2018 for CSC 591: Foundations of Software Science course</a:t>
+            </a:r>
+            <a:endParaRPr lang="en-US" altLang="en-US" sz="2000" dirty="0">
+              <a:solidFill>
+                <a:srgbClr val="000000"/>
+              </a:solidFill>
+              <a:latin typeface="Arial" panose="020B0604020202020204" pitchFamily="34" charset="0"/>
+              <a:cs typeface="Arial" panose="020B0604020202020204" pitchFamily="34" charset="0"/>
+            </a:endParaRPr>
+          </a:p>
+          <a:p>
+            <a:pPr marL="342900" indent="-342900" eaLnBrk="0" fontAlgn="base" hangingPunct="0">
+              <a:spcBef>
+                <a:spcPct val="0"/>
+              </a:spcBef>
+              <a:spcAft>
+                <a:spcPct val="0"/>
+              </a:spcAft>
+              <a:buClrTx/>
+              <a:buSzTx/>
+            </a:pPr>
+            <a:r>
+              <a:rPr kumimoji="0" lang="en-US" altLang="en-US" sz="2000" b="0" i="0" u="none" strike="noStrike" cap="none" normalizeH="0" baseline="0" dirty="0">
+                <a:ln>
+                  <a:noFill/>
+                </a:ln>
+                <a:solidFill>
+                  <a:srgbClr val="000000"/>
+                </a:solidFill>
+                <a:effectLst/>
+                <a:latin typeface="Arial" panose="020B0604020202020204" pitchFamily="34" charset="0"/>
+                <a:cs typeface="Arial" panose="020B0604020202020204" pitchFamily="34" charset="0"/>
+              </a:rPr>
+              <a:t>The group members were: Akshay Nalwaya, Sanjana </a:t>
             </a:r>
             <a:r>
-              <a:rPr lang="en-US" i="1" dirty="0" err="1"/>
+              <a:rPr kumimoji="0" lang="en-US" altLang="en-US" sz="2000" b="0" i="0" u="none" strike="noStrike" cap="none" normalizeH="0" baseline="0" dirty="0" err="1">
+                <a:ln>
+                  <a:noFill/>
+                </a:ln>
+                <a:solidFill>
+                  <a:srgbClr val="000000"/>
+                </a:solidFill>
+                <a:effectLst/>
+                <a:latin typeface="Arial" panose="020B0604020202020204" pitchFamily="34" charset="0"/>
+                <a:cs typeface="Arial" panose="020B0604020202020204" pitchFamily="34" charset="0"/>
+              </a:rPr>
               <a:t>Kacholia</a:t>
             </a:r>
             <a:r>
-              <a:rPr lang="en-US" i="1" dirty="0"/>
+              <a:rPr kumimoji="0" lang="en-US" altLang="en-US" sz="2000" b="0" i="0" u="none" strike="noStrike" cap="none" normalizeH="0" baseline="0" dirty="0">
+                <a:ln>
+                  <a:noFill/>
+                </a:ln>
+                <a:solidFill>
+                  <a:srgbClr val="000000"/>
+                </a:solidFill>
+                <a:effectLst/>
+                <a:latin typeface="Arial" panose="020B0604020202020204" pitchFamily="34" charset="0"/>
+                <a:cs typeface="Arial" panose="020B0604020202020204" pitchFamily="34" charset="0"/>
+              </a:rPr>
               <a:t>, Shantanu Sharma</a:t>
             </a:r>
+            <a:endParaRPr kumimoji="0" lang="en-US" altLang="en-US" sz="2000" b="0" i="0" u="none" strike="noStrike" cap="none" normalizeH="0" baseline="0" dirty="0">
+              <a:ln>
+                <a:noFill/>
+              </a:ln>
+              <a:solidFill>
+                <a:schemeClr val="tx1"/>
+              </a:solidFill>
+              <a:effectLst/>
+            </a:endParaRPr>
+          </a:p>
+          <a:p>
+            <a:pPr marL="342900" indent="-342900" eaLnBrk="0" fontAlgn="base" hangingPunct="0">
+              <a:spcBef>
+                <a:spcPct val="0"/>
+              </a:spcBef>
+              <a:spcAft>
+                <a:spcPct val="0"/>
+              </a:spcAft>
+              <a:buClrTx/>
+              <a:buSzTx/>
+            </a:pPr>
+            <a:r>
+              <a:rPr kumimoji="0" lang="en-US" altLang="en-US" sz="2000" b="0" i="0" u="none" strike="noStrike" cap="none" normalizeH="0" baseline="0" dirty="0">
+                <a:ln>
+                  <a:noFill/>
+                </a:ln>
+                <a:solidFill>
+                  <a:srgbClr val="000000"/>
+                </a:solidFill>
+                <a:effectLst/>
+                <a:latin typeface="Arial" panose="020B0604020202020204" pitchFamily="34" charset="0"/>
+                <a:cs typeface="Arial" panose="020B0604020202020204" pitchFamily="34" charset="0"/>
+              </a:rPr>
+              <a:t>Establishing the baseline model, implementing Hoeffding bounds and performing iterative sampling were done collectively by the group members</a:t>
+            </a:r>
+          </a:p>
+          <a:p>
+            <a:pPr marL="342900" indent="-342900" eaLnBrk="0" fontAlgn="base" hangingPunct="0">
+              <a:spcBef>
+                <a:spcPct val="0"/>
+              </a:spcBef>
+              <a:spcAft>
+                <a:spcPct val="0"/>
+              </a:spcAft>
+              <a:buClrTx/>
+              <a:buSzTx/>
+            </a:pPr>
+            <a:r>
+              <a:rPr kumimoji="0" lang="en-US" altLang="en-US" sz="2000" b="0" i="0" u="none" strike="noStrike" cap="none" normalizeH="0" baseline="0" dirty="0">
+                <a:ln>
+                  <a:noFill/>
+                </a:ln>
+                <a:solidFill>
+                  <a:srgbClr val="000000"/>
+                </a:solidFill>
+                <a:effectLst/>
+                <a:latin typeface="Arial" panose="020B0604020202020204" pitchFamily="34" charset="0"/>
+                <a:cs typeface="Arial" panose="020B0604020202020204" pitchFamily="34" charset="0"/>
+              </a:rPr>
+              <a:t>I have added project elimination and feature selection strategies to this work</a:t>
+            </a:r>
+            <a:r>
+              <a:rPr kumimoji="0" lang="en-US" altLang="en-US" sz="2000" b="0" i="0" u="none" strike="noStrike" cap="none" normalizeH="0" baseline="0" dirty="0">
+                <a:ln>
+                  <a:noFill/>
+                </a:ln>
+                <a:solidFill>
+                  <a:schemeClr val="tx1"/>
+                </a:solidFill>
+                <a:effectLst/>
+              </a:rPr>
+              <a:t> </a:t>
+            </a:r>
+            <a:endParaRPr kumimoji="0" lang="en-US" altLang="en-US" sz="2000" b="0" i="0" u="none" strike="noStrike" cap="none" normalizeH="0" baseline="0" dirty="0">
+              <a:ln>
+                <a:noFill/>
+              </a:ln>
+              <a:solidFill>
+                <a:schemeClr val="tx1"/>
+              </a:solidFill>
+              <a:effectLst/>
+              <a:latin typeface="Arial" panose="020B0604020202020204" pitchFamily="34" charset="0"/>
+            </a:endParaRPr>
           </a:p>
         </p:txBody>
       </p:sp>
@@ -15339,7 +14561,7 @@
           <a:p>
             <a:fld id="{820E7DF1-5434-4D59-8F92-96DB76BF4828}" type="datetime1">
               <a:rPr lang="en-US" smtClean="0"/>
-              <a:t>3/21/2019</a:t>
+              <a:t>3/27/2019</a:t>
             </a:fld>
             <a:endParaRPr lang="en-US"/>
           </a:p>
@@ -17043,7 +16265,7 @@
           <a:p>
             <a:fld id="{820E7DF1-5434-4D59-8F92-96DB76BF4828}" type="datetime1">
               <a:rPr lang="en-US" smtClean="0"/>
-              <a:t>3/21/2019</a:t>
+              <a:t>3/27/2019</a:t>
             </a:fld>
             <a:endParaRPr lang="en-US"/>
           </a:p>
@@ -18403,7 +17625,7 @@
           <a:p>
             <a:fld id="{820E7DF1-5434-4D59-8F92-96DB76BF4828}" type="datetime1">
               <a:rPr lang="en-US" smtClean="0"/>
-              <a:t>3/21/2019</a:t>
+              <a:t>3/27/2019</a:t>
             </a:fld>
             <a:endParaRPr lang="en-US"/>
           </a:p>
@@ -18992,7 +18214,7 @@
           <a:p>
             <a:fld id="{C44610EB-4981-4A31-A7CC-829292008D21}" type="datetime1">
               <a:rPr lang="en-US" smtClean="0"/>
-              <a:t>3/21/2019</a:t>
+              <a:t>3/27/2019</a:t>
             </a:fld>
             <a:endParaRPr lang="en-US"/>
           </a:p>
@@ -19077,6 +18299,4417 @@
         </p:txBody>
       </p:sp>
     </p:spTree>
+  </p:cSld>
+  <p:clrMapOvr>
+    <a:masterClrMapping/>
+  </p:clrMapOvr>
+</p:sld>
+</file>
+
+<file path=ppt/slides/slide24.xml><?xml version="1.0" encoding="utf-8"?>
+<p:sld xmlns:a="http://schemas.openxmlformats.org/drawingml/2006/main" xmlns:r="http://schemas.openxmlformats.org/officeDocument/2006/relationships" xmlns:p="http://schemas.openxmlformats.org/presentationml/2006/main">
+  <p:cSld>
+    <p:spTree>
+      <p:nvGrpSpPr>
+        <p:cNvPr id="1" name=""/>
+        <p:cNvGrpSpPr/>
+        <p:nvPr/>
+      </p:nvGrpSpPr>
+      <p:grpSpPr>
+        <a:xfrm>
+          <a:off x="0" y="0"/>
+          <a:ext cx="0" cy="0"/>
+          <a:chOff x="0" y="0"/>
+          <a:chExt cx="0" cy="0"/>
+        </a:xfrm>
+      </p:grpSpPr>
+      <p:sp>
+        <p:nvSpPr>
+          <p:cNvPr id="8" name="Subtitle 7">
+            <a:extLst>
+              <a:ext uri="{FF2B5EF4-FFF2-40B4-BE49-F238E27FC236}">
+                <a16:creationId xmlns:a16="http://schemas.microsoft.com/office/drawing/2014/main" id="{42661CC0-5ECD-4BAE-A94F-E7A3ED503227}"/>
+              </a:ext>
+            </a:extLst>
+          </p:cNvPr>
+          <p:cNvSpPr>
+            <a:spLocks noGrp="1"/>
+          </p:cNvSpPr>
+          <p:nvPr>
+            <p:ph type="subTitle" idx="1"/>
+          </p:nvPr>
+        </p:nvSpPr>
+        <p:spPr>
+          <a:xfrm>
+            <a:off x="1371600" y="2552700"/>
+            <a:ext cx="6400800" cy="1752600"/>
+          </a:xfrm>
+        </p:spPr>
+        <p:txBody>
+          <a:bodyPr anchor="ctr"/>
+          <a:lstStyle/>
+          <a:p>
+            <a:r>
+              <a:rPr lang="en-US" sz="3600" b="1" dirty="0">
+                <a:solidFill>
+                  <a:schemeClr val="tx1"/>
+                </a:solidFill>
+              </a:rPr>
+              <a:t>APPENDIX</a:t>
+            </a:r>
+            <a:endParaRPr lang="en-US" b="1" dirty="0">
+              <a:solidFill>
+                <a:schemeClr val="tx1"/>
+              </a:solidFill>
+            </a:endParaRPr>
+          </a:p>
+        </p:txBody>
+      </p:sp>
+      <p:sp>
+        <p:nvSpPr>
+          <p:cNvPr id="4" name="Date Placeholder 3">
+            <a:extLst>
+              <a:ext uri="{FF2B5EF4-FFF2-40B4-BE49-F238E27FC236}">
+                <a16:creationId xmlns:a16="http://schemas.microsoft.com/office/drawing/2014/main" id="{196B0D47-1590-42D3-B59F-39E7B03E359D}"/>
+              </a:ext>
+            </a:extLst>
+          </p:cNvPr>
+          <p:cNvSpPr>
+            <a:spLocks noGrp="1"/>
+          </p:cNvSpPr>
+          <p:nvPr>
+            <p:ph type="dt" idx="10"/>
+          </p:nvPr>
+        </p:nvSpPr>
+        <p:spPr/>
+        <p:txBody>
+          <a:bodyPr/>
+          <a:lstStyle/>
+          <a:p>
+            <a:fld id="{820E7DF1-5434-4D59-8F92-96DB76BF4828}" type="datetime1">
+              <a:rPr lang="en-US" smtClean="0"/>
+              <a:t>3/27/2019</a:t>
+            </a:fld>
+            <a:endParaRPr lang="en-US"/>
+          </a:p>
+        </p:txBody>
+      </p:sp>
+      <p:sp>
+        <p:nvSpPr>
+          <p:cNvPr id="6" name="Slide Number Placeholder 5">
+            <a:extLst>
+              <a:ext uri="{FF2B5EF4-FFF2-40B4-BE49-F238E27FC236}">
+                <a16:creationId xmlns:a16="http://schemas.microsoft.com/office/drawing/2014/main" id="{57348917-413B-48F6-8CA4-8F81643C2041}"/>
+              </a:ext>
+            </a:extLst>
+          </p:cNvPr>
+          <p:cNvSpPr>
+            <a:spLocks noGrp="1"/>
+          </p:cNvSpPr>
+          <p:nvPr>
+            <p:ph type="sldNum" idx="12"/>
+          </p:nvPr>
+        </p:nvSpPr>
+        <p:spPr/>
+        <p:txBody>
+          <a:bodyPr/>
+          <a:lstStyle/>
+          <a:p>
+            <a:pPr marL="0" lvl="0" indent="0" algn="r" rtl="0">
+              <a:spcBef>
+                <a:spcPts val="0"/>
+              </a:spcBef>
+              <a:spcAft>
+                <a:spcPts val="0"/>
+              </a:spcAft>
+              <a:buNone/>
+            </a:pPr>
+            <a:fld id="{00000000-1234-1234-1234-123412341234}" type="slidenum">
+              <a:rPr lang="en" smtClean="0"/>
+              <a:t>24</a:t>
+            </a:fld>
+            <a:endParaRPr lang="en"/>
+          </a:p>
+        </p:txBody>
+      </p:sp>
+    </p:spTree>
+    <p:extLst>
+      <p:ext uri="{BB962C8B-B14F-4D97-AF65-F5344CB8AC3E}">
+        <p14:creationId xmlns:p14="http://schemas.microsoft.com/office/powerpoint/2010/main" val="2890690727"/>
+      </p:ext>
+    </p:extLst>
+  </p:cSld>
+  <p:clrMapOvr>
+    <a:masterClrMapping/>
+  </p:clrMapOvr>
+</p:sld>
+</file>
+
+<file path=ppt/slides/slide25.xml><?xml version="1.0" encoding="utf-8"?>
+<p:sld xmlns:a="http://schemas.openxmlformats.org/drawingml/2006/main" xmlns:r="http://schemas.openxmlformats.org/officeDocument/2006/relationships" xmlns:p="http://schemas.openxmlformats.org/presentationml/2006/main">
+  <p:cSld>
+    <p:spTree>
+      <p:nvGrpSpPr>
+        <p:cNvPr id="1" name=""/>
+        <p:cNvGrpSpPr/>
+        <p:nvPr/>
+      </p:nvGrpSpPr>
+      <p:grpSpPr>
+        <a:xfrm>
+          <a:off x="0" y="0"/>
+          <a:ext cx="0" cy="0"/>
+          <a:chOff x="0" y="0"/>
+          <a:chExt cx="0" cy="0"/>
+        </a:xfrm>
+      </p:grpSpPr>
+      <p:sp>
+        <p:nvSpPr>
+          <p:cNvPr id="2" name="Title 1">
+            <a:extLst>
+              <a:ext uri="{FF2B5EF4-FFF2-40B4-BE49-F238E27FC236}">
+                <a16:creationId xmlns:a16="http://schemas.microsoft.com/office/drawing/2014/main" id="{5CA765C4-48CF-4627-B190-C67C26DFB72C}"/>
+              </a:ext>
+            </a:extLst>
+          </p:cNvPr>
+          <p:cNvSpPr>
+            <a:spLocks noGrp="1"/>
+          </p:cNvSpPr>
+          <p:nvPr>
+            <p:ph type="title"/>
+          </p:nvPr>
+        </p:nvSpPr>
+        <p:spPr/>
+        <p:txBody>
+          <a:bodyPr/>
+          <a:lstStyle/>
+          <a:p>
+            <a:pPr algn="l"/>
+            <a:r>
+              <a:rPr lang="en-US" dirty="0"/>
+              <a:t>Metrics for measuring classifier performance</a:t>
+            </a:r>
+          </a:p>
+        </p:txBody>
+      </p:sp>
+      <p:sp>
+        <p:nvSpPr>
+          <p:cNvPr id="4" name="Date Placeholder 3">
+            <a:extLst>
+              <a:ext uri="{FF2B5EF4-FFF2-40B4-BE49-F238E27FC236}">
+                <a16:creationId xmlns:a16="http://schemas.microsoft.com/office/drawing/2014/main" id="{196B0D47-1590-42D3-B59F-39E7B03E359D}"/>
+              </a:ext>
+            </a:extLst>
+          </p:cNvPr>
+          <p:cNvSpPr>
+            <a:spLocks noGrp="1"/>
+          </p:cNvSpPr>
+          <p:nvPr>
+            <p:ph type="dt" idx="10"/>
+          </p:nvPr>
+        </p:nvSpPr>
+        <p:spPr/>
+        <p:txBody>
+          <a:bodyPr/>
+          <a:lstStyle/>
+          <a:p>
+            <a:fld id="{820E7DF1-5434-4D59-8F92-96DB76BF4828}" type="datetime1">
+              <a:rPr lang="en-US" smtClean="0"/>
+              <a:t>3/27/2019</a:t>
+            </a:fld>
+            <a:endParaRPr lang="en-US"/>
+          </a:p>
+        </p:txBody>
+      </p:sp>
+      <p:sp>
+        <p:nvSpPr>
+          <p:cNvPr id="6" name="Slide Number Placeholder 5">
+            <a:extLst>
+              <a:ext uri="{FF2B5EF4-FFF2-40B4-BE49-F238E27FC236}">
+                <a16:creationId xmlns:a16="http://schemas.microsoft.com/office/drawing/2014/main" id="{57348917-413B-48F6-8CA4-8F81643C2041}"/>
+              </a:ext>
+            </a:extLst>
+          </p:cNvPr>
+          <p:cNvSpPr>
+            <a:spLocks noGrp="1"/>
+          </p:cNvSpPr>
+          <p:nvPr>
+            <p:ph type="sldNum" idx="12"/>
+          </p:nvPr>
+        </p:nvSpPr>
+        <p:spPr/>
+        <p:txBody>
+          <a:bodyPr/>
+          <a:lstStyle/>
+          <a:p>
+            <a:pPr marL="0" lvl="0" indent="0" algn="r" rtl="0">
+              <a:spcBef>
+                <a:spcPts val="0"/>
+              </a:spcBef>
+              <a:spcAft>
+                <a:spcPts val="0"/>
+              </a:spcAft>
+              <a:buNone/>
+            </a:pPr>
+            <a:fld id="{00000000-1234-1234-1234-123412341234}" type="slidenum">
+              <a:rPr lang="en" smtClean="0"/>
+              <a:t>25</a:t>
+            </a:fld>
+            <a:endParaRPr lang="en"/>
+          </a:p>
+        </p:txBody>
+      </p:sp>
+      <p:pic>
+        <p:nvPicPr>
+          <p:cNvPr id="15" name="Picture 14">
+            <a:extLst>
+              <a:ext uri="{FF2B5EF4-FFF2-40B4-BE49-F238E27FC236}">
+                <a16:creationId xmlns:a16="http://schemas.microsoft.com/office/drawing/2014/main" id="{23AE7B75-E4CD-495D-AF96-734A32DA759D}"/>
+              </a:ext>
+            </a:extLst>
+          </p:cNvPr>
+          <p:cNvPicPr>
+            <a:picLocks noChangeAspect="1"/>
+          </p:cNvPicPr>
+          <p:nvPr/>
+        </p:nvPicPr>
+        <p:blipFill>
+          <a:blip r:embed="rId2"/>
+          <a:stretch>
+            <a:fillRect/>
+          </a:stretch>
+        </p:blipFill>
+        <p:spPr>
+          <a:xfrm>
+            <a:off x="457200" y="2581465"/>
+            <a:ext cx="3577472" cy="3161832"/>
+          </a:xfrm>
+          <a:prstGeom prst="rect">
+            <a:avLst/>
+          </a:prstGeom>
+        </p:spPr>
+      </p:pic>
+      <mc:AlternateContent xmlns:mc="http://schemas.openxmlformats.org/markup-compatibility/2006">
+        <mc:Choice xmlns:a14="http://schemas.microsoft.com/office/drawing/2010/main" Requires="a14">
+          <p:sp>
+            <p:nvSpPr>
+              <p:cNvPr id="16" name="TextBox 15">
+                <a:extLst>
+                  <a:ext uri="{FF2B5EF4-FFF2-40B4-BE49-F238E27FC236}">
+                    <a16:creationId xmlns:a16="http://schemas.microsoft.com/office/drawing/2014/main" id="{F732E6C4-0D04-41DE-A756-0F655D3BE5A1}"/>
+                  </a:ext>
+                </a:extLst>
+              </p:cNvPr>
+              <p:cNvSpPr txBox="1"/>
+              <p:nvPr/>
+            </p:nvSpPr>
+            <p:spPr>
+              <a:xfrm>
+                <a:off x="4496229" y="2337850"/>
+                <a:ext cx="4209068" cy="531940"/>
+              </a:xfrm>
+              <a:prstGeom prst="rect">
+                <a:avLst/>
+              </a:prstGeom>
+              <a:noFill/>
+            </p:spPr>
+            <p:txBody>
+              <a:bodyPr wrap="square" rtlCol="0">
+                <a:spAutoFit/>
+              </a:bodyPr>
+              <a:lstStyle/>
+              <a:p>
+                <a14:m>
+                  <m:oMathPara xmlns:m="http://schemas.openxmlformats.org/officeDocument/2006/math">
+                    <m:oMathParaPr>
+                      <m:jc m:val="centerGroup"/>
+                    </m:oMathParaPr>
+                    <m:oMath xmlns:m="http://schemas.openxmlformats.org/officeDocument/2006/math">
+                      <m:r>
+                        <a:rPr lang="en-US" i="1"/>
+                        <m:t>𝑎𝑐𝑐𝑢𝑟𝑎𝑐𝑦</m:t>
+                      </m:r>
+                      <m:r>
+                        <a:rPr lang="en-US" i="1"/>
+                        <m:t>= </m:t>
+                      </m:r>
+                      <m:f>
+                        <m:fPr>
+                          <m:ctrlPr>
+                            <a:rPr lang="en-US" i="1"/>
+                          </m:ctrlPr>
+                        </m:fPr>
+                        <m:num>
+                          <m:r>
+                            <a:rPr lang="en-US" i="1"/>
+                            <m:t>𝑡𝑟𝑢𝑒</m:t>
+                          </m:r>
+                          <m:r>
+                            <a:rPr lang="en-US" i="1"/>
+                            <m:t> </m:t>
+                          </m:r>
+                          <m:r>
+                            <a:rPr lang="en-US" i="1"/>
+                            <m:t>𝑝𝑜𝑠𝑖𝑡𝑖𝑣𝑒</m:t>
+                          </m:r>
+                          <m:r>
+                            <a:rPr lang="en-US" i="1"/>
+                            <m:t>+</m:t>
+                          </m:r>
+                          <m:r>
+                            <a:rPr lang="en-US" i="1"/>
+                            <m:t>𝑡𝑟𝑢𝑒</m:t>
+                          </m:r>
+                          <m:r>
+                            <a:rPr lang="en-US" i="1"/>
+                            <m:t> </m:t>
+                          </m:r>
+                          <m:r>
+                            <a:rPr lang="en-US" i="1"/>
+                            <m:t>𝑛𝑒𝑔𝑎𝑡𝑖𝑣𝑒</m:t>
+                          </m:r>
+                        </m:num>
+                        <m:den>
+                          <m:r>
+                            <a:rPr lang="en-US" i="1"/>
+                            <m:t>𝑡𝑜𝑡𝑎𝑙</m:t>
+                          </m:r>
+                          <m:r>
+                            <a:rPr lang="en-US" i="1"/>
+                            <m:t> </m:t>
+                          </m:r>
+                          <m:r>
+                            <a:rPr lang="en-US" i="1"/>
+                            <m:t>𝑛𝑢𝑚𝑏𝑒𝑟</m:t>
+                          </m:r>
+                          <m:r>
+                            <a:rPr lang="en-US" i="1"/>
+                            <m:t> </m:t>
+                          </m:r>
+                          <m:r>
+                            <a:rPr lang="en-US" i="1"/>
+                            <m:t>𝑜𝑓</m:t>
+                          </m:r>
+                          <m:r>
+                            <a:rPr lang="en-US" i="1"/>
+                            <m:t> </m:t>
+                          </m:r>
+                          <m:r>
+                            <a:rPr lang="en-US" i="1"/>
+                            <m:t>𝑖𝑛𝑠𝑡𝑎𝑛𝑐𝑒𝑠</m:t>
+                          </m:r>
+                        </m:den>
+                      </m:f>
+                    </m:oMath>
+                  </m:oMathPara>
+                </a14:m>
+                <a:endParaRPr lang="en-US" dirty="0"/>
+              </a:p>
+            </p:txBody>
+          </p:sp>
+        </mc:Choice>
+        <mc:Fallback>
+          <p:sp>
+            <p:nvSpPr>
+              <p:cNvPr id="16" name="TextBox 15">
+                <a:extLst>
+                  <a:ext uri="{FF2B5EF4-FFF2-40B4-BE49-F238E27FC236}">
+                    <a16:creationId xmlns:a16="http://schemas.microsoft.com/office/drawing/2014/main" id="{F732E6C4-0D04-41DE-A756-0F655D3BE5A1}"/>
+                  </a:ext>
+                </a:extLst>
+              </p:cNvPr>
+              <p:cNvSpPr txBox="1">
+                <a:spLocks noRot="1" noChangeAspect="1" noMove="1" noResize="1" noEditPoints="1" noAdjustHandles="1" noChangeArrowheads="1" noChangeShapeType="1" noTextEdit="1"/>
+              </p:cNvSpPr>
+              <p:nvPr/>
+            </p:nvSpPr>
+            <p:spPr>
+              <a:xfrm>
+                <a:off x="4496229" y="2337850"/>
+                <a:ext cx="4209068" cy="531940"/>
+              </a:xfrm>
+              <a:prstGeom prst="rect">
+                <a:avLst/>
+              </a:prstGeom>
+              <a:blipFill>
+                <a:blip r:embed="rId3"/>
+                <a:stretch>
+                  <a:fillRect b="-5747"/>
+                </a:stretch>
+              </a:blipFill>
+            </p:spPr>
+            <p:txBody>
+              <a:bodyPr/>
+              <a:lstStyle/>
+              <a:p>
+                <a:r>
+                  <a:rPr lang="en-US">
+                    <a:noFill/>
+                  </a:rPr>
+                  <a:t> </a:t>
+                </a:r>
+              </a:p>
+            </p:txBody>
+          </p:sp>
+        </mc:Fallback>
+      </mc:AlternateContent>
+      <mc:AlternateContent xmlns:mc="http://schemas.openxmlformats.org/markup-compatibility/2006">
+        <mc:Choice xmlns:a14="http://schemas.microsoft.com/office/drawing/2010/main" Requires="a14">
+          <p:sp>
+            <p:nvSpPr>
+              <p:cNvPr id="17" name="Rectangle 16">
+                <a:extLst>
+                  <a:ext uri="{FF2B5EF4-FFF2-40B4-BE49-F238E27FC236}">
+                    <a16:creationId xmlns:a16="http://schemas.microsoft.com/office/drawing/2014/main" id="{B531B3FE-DB98-4454-ABF2-F2384114DAE5}"/>
+                  </a:ext>
+                </a:extLst>
+              </p:cNvPr>
+              <p:cNvSpPr/>
+              <p:nvPr/>
+            </p:nvSpPr>
+            <p:spPr>
+              <a:xfrm>
+                <a:off x="4591623" y="3366575"/>
+                <a:ext cx="4018280" cy="531940"/>
+              </a:xfrm>
+              <a:prstGeom prst="rect">
+                <a:avLst/>
+              </a:prstGeom>
+            </p:spPr>
+            <p:txBody>
+              <a:bodyPr wrap="none">
+                <a:spAutoFit/>
+              </a:bodyPr>
+              <a:lstStyle/>
+              <a:p>
+                <a14:m>
+                  <m:oMathPara xmlns:m="http://schemas.openxmlformats.org/officeDocument/2006/math">
+                    <m:oMathParaPr>
+                      <m:jc m:val="centerGroup"/>
+                    </m:oMathParaPr>
+                    <m:oMath xmlns:m="http://schemas.openxmlformats.org/officeDocument/2006/math">
+                      <m:r>
+                        <a:rPr lang="en-US" b="0" i="1" smtClean="0">
+                          <a:latin typeface="Cambria Math" panose="02040503050406030204" pitchFamily="18" charset="0"/>
+                        </a:rPr>
+                        <m:t>𝑟𝑒</m:t>
+                      </m:r>
+                      <m:r>
+                        <a:rPr lang="en-US" i="1">
+                          <a:latin typeface="Cambria Math" panose="02040503050406030204" pitchFamily="18" charset="0"/>
+                        </a:rPr>
+                        <m:t>𝑐𝑎𝑙𝑙</m:t>
+                      </m:r>
+                      <m:r>
+                        <a:rPr lang="en-US" b="0" i="1" smtClean="0">
+                          <a:latin typeface="Cambria Math" panose="02040503050406030204" pitchFamily="18" charset="0"/>
+                        </a:rPr>
+                        <m:t> (</m:t>
+                      </m:r>
+                      <m:r>
+                        <a:rPr lang="en-US" b="0" i="1" smtClean="0">
+                          <a:latin typeface="Cambria Math" panose="02040503050406030204" pitchFamily="18" charset="0"/>
+                        </a:rPr>
+                        <m:t>𝑜𝑟</m:t>
+                      </m:r>
+                      <m:r>
+                        <a:rPr lang="en-US" b="0" i="1" smtClean="0">
+                          <a:latin typeface="Cambria Math" panose="02040503050406030204" pitchFamily="18" charset="0"/>
+                        </a:rPr>
+                        <m:t> </m:t>
+                      </m:r>
+                      <m:r>
+                        <a:rPr lang="en-US" b="0" i="1" smtClean="0">
+                          <a:latin typeface="Cambria Math" panose="02040503050406030204" pitchFamily="18" charset="0"/>
+                        </a:rPr>
+                        <m:t>𝑝𝑑</m:t>
+                      </m:r>
+                      <m:r>
+                        <a:rPr lang="en-US" b="0" i="1" smtClean="0">
+                          <a:latin typeface="Cambria Math" panose="02040503050406030204" pitchFamily="18" charset="0"/>
+                        </a:rPr>
+                        <m:t>)</m:t>
+                      </m:r>
+                      <m:r>
+                        <a:rPr lang="en-US">
+                          <a:latin typeface="Cambria Math" panose="02040503050406030204" pitchFamily="18" charset="0"/>
+                        </a:rPr>
+                        <m:t>=</m:t>
+                      </m:r>
+                      <m:f>
+                        <m:fPr>
+                          <m:ctrlPr>
+                            <a:rPr lang="en-US" i="1">
+                              <a:latin typeface="Cambria Math" panose="02040503050406030204" pitchFamily="18" charset="0"/>
+                            </a:rPr>
+                          </m:ctrlPr>
+                        </m:fPr>
+                        <m:num>
+                          <m:r>
+                            <a:rPr lang="en-US" i="1">
+                              <a:latin typeface="Cambria Math" panose="02040503050406030204" pitchFamily="18" charset="0"/>
+                            </a:rPr>
+                            <m:t>𝑡𝑟𝑢𝑒</m:t>
+                          </m:r>
+                          <m:r>
+                            <a:rPr lang="en-US">
+                              <a:latin typeface="Cambria Math" panose="02040503050406030204" pitchFamily="18" charset="0"/>
+                            </a:rPr>
+                            <m:t> </m:t>
+                          </m:r>
+                          <m:r>
+                            <a:rPr lang="en-US" i="1">
+                              <a:latin typeface="Cambria Math" panose="02040503050406030204" pitchFamily="18" charset="0"/>
+                            </a:rPr>
+                            <m:t>𝑝𝑜𝑠𝑖𝑡𝑖𝑣𝑒</m:t>
+                          </m:r>
+                        </m:num>
+                        <m:den>
+                          <m:r>
+                            <a:rPr lang="en-US" i="1">
+                              <a:latin typeface="Cambria Math" panose="02040503050406030204" pitchFamily="18" charset="0"/>
+                            </a:rPr>
+                            <m:t>𝑡𝑟𝑢𝑒</m:t>
+                          </m:r>
+                          <m:r>
+                            <a:rPr lang="en-US">
+                              <a:latin typeface="Cambria Math" panose="02040503050406030204" pitchFamily="18" charset="0"/>
+                            </a:rPr>
+                            <m:t> </m:t>
+                          </m:r>
+                          <m:r>
+                            <a:rPr lang="en-US" i="1">
+                              <a:latin typeface="Cambria Math" panose="02040503050406030204" pitchFamily="18" charset="0"/>
+                            </a:rPr>
+                            <m:t>𝑝𝑜𝑠𝑖𝑡𝑖𝑣𝑒</m:t>
+                          </m:r>
+                          <m:r>
+                            <a:rPr lang="en-US">
+                              <a:latin typeface="Cambria Math" panose="02040503050406030204" pitchFamily="18" charset="0"/>
+                            </a:rPr>
+                            <m:t>+</m:t>
+                          </m:r>
+                          <m:r>
+                            <a:rPr lang="en-US" i="1">
+                              <a:latin typeface="Cambria Math" panose="02040503050406030204" pitchFamily="18" charset="0"/>
+                            </a:rPr>
+                            <m:t>𝑓𝑎𝑙𝑠𝑒</m:t>
+                          </m:r>
+                          <m:r>
+                            <a:rPr lang="en-US">
+                              <a:latin typeface="Cambria Math" panose="02040503050406030204" pitchFamily="18" charset="0"/>
+                            </a:rPr>
+                            <m:t> </m:t>
+                          </m:r>
+                          <m:r>
+                            <a:rPr lang="en-US" i="1">
+                              <a:latin typeface="Cambria Math" panose="02040503050406030204" pitchFamily="18" charset="0"/>
+                            </a:rPr>
+                            <m:t>𝑛𝑒𝑔𝑎𝑡𝑖𝑣𝑒</m:t>
+                          </m:r>
+                        </m:den>
+                      </m:f>
+                    </m:oMath>
+                  </m:oMathPara>
+                </a14:m>
+                <a:endParaRPr lang="en-US" dirty="0"/>
+              </a:p>
+            </p:txBody>
+          </p:sp>
+        </mc:Choice>
+        <mc:Fallback>
+          <p:sp>
+            <p:nvSpPr>
+              <p:cNvPr id="17" name="Rectangle 16">
+                <a:extLst>
+                  <a:ext uri="{FF2B5EF4-FFF2-40B4-BE49-F238E27FC236}">
+                    <a16:creationId xmlns:a16="http://schemas.microsoft.com/office/drawing/2014/main" id="{B531B3FE-DB98-4454-ABF2-F2384114DAE5}"/>
+                  </a:ext>
+                </a:extLst>
+              </p:cNvPr>
+              <p:cNvSpPr>
+                <a:spLocks noRot="1" noChangeAspect="1" noMove="1" noResize="1" noEditPoints="1" noAdjustHandles="1" noChangeArrowheads="1" noChangeShapeType="1" noTextEdit="1"/>
+              </p:cNvSpPr>
+              <p:nvPr/>
+            </p:nvSpPr>
+            <p:spPr>
+              <a:xfrm>
+                <a:off x="4591623" y="3366575"/>
+                <a:ext cx="4018280" cy="531940"/>
+              </a:xfrm>
+              <a:prstGeom prst="rect">
+                <a:avLst/>
+              </a:prstGeom>
+              <a:blipFill>
+                <a:blip r:embed="rId4"/>
+                <a:stretch>
+                  <a:fillRect b="-4545"/>
+                </a:stretch>
+              </a:blipFill>
+            </p:spPr>
+            <p:txBody>
+              <a:bodyPr/>
+              <a:lstStyle/>
+              <a:p>
+                <a:r>
+                  <a:rPr lang="en-US">
+                    <a:noFill/>
+                  </a:rPr>
+                  <a:t> </a:t>
+                </a:r>
+              </a:p>
+            </p:txBody>
+          </p:sp>
+        </mc:Fallback>
+      </mc:AlternateContent>
+      <mc:AlternateContent xmlns:mc="http://schemas.openxmlformats.org/markup-compatibility/2006">
+        <mc:Choice xmlns:a14="http://schemas.microsoft.com/office/drawing/2010/main" Requires="a14">
+          <p:sp>
+            <p:nvSpPr>
+              <p:cNvPr id="18" name="Rectangle 17">
+                <a:extLst>
+                  <a:ext uri="{FF2B5EF4-FFF2-40B4-BE49-F238E27FC236}">
+                    <a16:creationId xmlns:a16="http://schemas.microsoft.com/office/drawing/2014/main" id="{37053168-557E-4EC3-BDC8-9E315C6B4341}"/>
+                  </a:ext>
+                </a:extLst>
+              </p:cNvPr>
+              <p:cNvSpPr/>
+              <p:nvPr/>
+            </p:nvSpPr>
+            <p:spPr>
+              <a:xfrm>
+                <a:off x="5038316" y="4395300"/>
+                <a:ext cx="3124894" cy="539635"/>
+              </a:xfrm>
+              <a:prstGeom prst="rect">
+                <a:avLst/>
+              </a:prstGeom>
+            </p:spPr>
+            <p:txBody>
+              <a:bodyPr wrap="none">
+                <a:spAutoFit/>
+              </a:bodyPr>
+              <a:lstStyle/>
+              <a:p>
+                <a14:m>
+                  <m:oMathPara xmlns:m="http://schemas.openxmlformats.org/officeDocument/2006/math">
+                    <m:oMathParaPr>
+                      <m:jc m:val="centerGroup"/>
+                    </m:oMathParaPr>
+                    <m:oMath xmlns:m="http://schemas.openxmlformats.org/officeDocument/2006/math">
+                      <m:r>
+                        <a:rPr lang="en-US" i="1" smtClean="0">
+                          <a:latin typeface="Cambria Math" panose="02040503050406030204" pitchFamily="18" charset="0"/>
+                        </a:rPr>
+                        <m:t>𝑝𝑓</m:t>
+                      </m:r>
+                      <m:r>
+                        <a:rPr lang="en-US">
+                          <a:latin typeface="Cambria Math" panose="02040503050406030204" pitchFamily="18" charset="0"/>
+                        </a:rPr>
+                        <m:t>=</m:t>
+                      </m:r>
+                      <m:f>
+                        <m:fPr>
+                          <m:ctrlPr>
+                            <a:rPr lang="en-US" i="1">
+                              <a:latin typeface="Cambria Math" panose="02040503050406030204" pitchFamily="18" charset="0"/>
+                            </a:rPr>
+                          </m:ctrlPr>
+                        </m:fPr>
+                        <m:num>
+                          <m:r>
+                            <a:rPr lang="en-US" i="1">
+                              <a:latin typeface="Cambria Math" panose="02040503050406030204" pitchFamily="18" charset="0"/>
+                            </a:rPr>
+                            <m:t>𝑓𝑎𝑙𝑠𝑒</m:t>
+                          </m:r>
+                          <m:r>
+                            <a:rPr lang="en-US">
+                              <a:latin typeface="Cambria Math" panose="02040503050406030204" pitchFamily="18" charset="0"/>
+                            </a:rPr>
+                            <m:t> </m:t>
+                          </m:r>
+                          <m:r>
+                            <a:rPr lang="en-US" i="1">
+                              <a:latin typeface="Cambria Math" panose="02040503050406030204" pitchFamily="18" charset="0"/>
+                            </a:rPr>
+                            <m:t>𝑝𝑜𝑠𝑖𝑡𝑖𝑣𝑒</m:t>
+                          </m:r>
+                        </m:num>
+                        <m:den>
+                          <m:r>
+                            <a:rPr lang="en-US" i="1">
+                              <a:latin typeface="Cambria Math" panose="02040503050406030204" pitchFamily="18" charset="0"/>
+                            </a:rPr>
+                            <m:t>𝑓𝑎𝑙𝑠𝑒</m:t>
+                          </m:r>
+                          <m:r>
+                            <a:rPr lang="en-US">
+                              <a:latin typeface="Cambria Math" panose="02040503050406030204" pitchFamily="18" charset="0"/>
+                            </a:rPr>
+                            <m:t> </m:t>
+                          </m:r>
+                          <m:r>
+                            <a:rPr lang="en-US" i="1">
+                              <a:latin typeface="Cambria Math" panose="02040503050406030204" pitchFamily="18" charset="0"/>
+                            </a:rPr>
+                            <m:t>𝑝𝑜𝑠𝑖𝑡𝑖𝑣𝑒</m:t>
+                          </m:r>
+                          <m:r>
+                            <a:rPr lang="en-US">
+                              <a:latin typeface="Cambria Math" panose="02040503050406030204" pitchFamily="18" charset="0"/>
+                            </a:rPr>
+                            <m:t>+</m:t>
+                          </m:r>
+                          <m:r>
+                            <a:rPr lang="en-US" i="1">
+                              <a:latin typeface="Cambria Math" panose="02040503050406030204" pitchFamily="18" charset="0"/>
+                            </a:rPr>
+                            <m:t>𝑡𝑟𝑢𝑒</m:t>
+                          </m:r>
+                          <m:r>
+                            <a:rPr lang="en-US">
+                              <a:latin typeface="Cambria Math" panose="02040503050406030204" pitchFamily="18" charset="0"/>
+                            </a:rPr>
+                            <m:t> </m:t>
+                          </m:r>
+                          <m:r>
+                            <a:rPr lang="en-US" i="1">
+                              <a:latin typeface="Cambria Math" panose="02040503050406030204" pitchFamily="18" charset="0"/>
+                            </a:rPr>
+                            <m:t>𝑛𝑒𝑔𝑎𝑡𝑖𝑣𝑒</m:t>
+                          </m:r>
+                        </m:den>
+                      </m:f>
+                    </m:oMath>
+                  </m:oMathPara>
+                </a14:m>
+                <a:endParaRPr lang="en-US" dirty="0"/>
+              </a:p>
+            </p:txBody>
+          </p:sp>
+        </mc:Choice>
+        <mc:Fallback>
+          <p:sp>
+            <p:nvSpPr>
+              <p:cNvPr id="18" name="Rectangle 17">
+                <a:extLst>
+                  <a:ext uri="{FF2B5EF4-FFF2-40B4-BE49-F238E27FC236}">
+                    <a16:creationId xmlns:a16="http://schemas.microsoft.com/office/drawing/2014/main" id="{37053168-557E-4EC3-BDC8-9E315C6B4341}"/>
+                  </a:ext>
+                </a:extLst>
+              </p:cNvPr>
+              <p:cNvSpPr>
+                <a:spLocks noRot="1" noChangeAspect="1" noMove="1" noResize="1" noEditPoints="1" noAdjustHandles="1" noChangeArrowheads="1" noChangeShapeType="1" noTextEdit="1"/>
+              </p:cNvSpPr>
+              <p:nvPr/>
+            </p:nvSpPr>
+            <p:spPr>
+              <a:xfrm>
+                <a:off x="5038316" y="4395300"/>
+                <a:ext cx="3124894" cy="539635"/>
+              </a:xfrm>
+              <a:prstGeom prst="rect">
+                <a:avLst/>
+              </a:prstGeom>
+              <a:blipFill>
+                <a:blip r:embed="rId5"/>
+                <a:stretch>
+                  <a:fillRect b="-4494"/>
+                </a:stretch>
+              </a:blipFill>
+            </p:spPr>
+            <p:txBody>
+              <a:bodyPr/>
+              <a:lstStyle/>
+              <a:p>
+                <a:r>
+                  <a:rPr lang="en-US">
+                    <a:noFill/>
+                  </a:rPr>
+                  <a:t> </a:t>
+                </a:r>
+              </a:p>
+            </p:txBody>
+          </p:sp>
+        </mc:Fallback>
+      </mc:AlternateContent>
+      <mc:AlternateContent xmlns:mc="http://schemas.openxmlformats.org/markup-compatibility/2006">
+        <mc:Choice xmlns:a14="http://schemas.microsoft.com/office/drawing/2010/main" Requires="a14">
+          <p:sp>
+            <p:nvSpPr>
+              <p:cNvPr id="19" name="Rectangle 18">
+                <a:extLst>
+                  <a:ext uri="{FF2B5EF4-FFF2-40B4-BE49-F238E27FC236}">
+                    <a16:creationId xmlns:a16="http://schemas.microsoft.com/office/drawing/2014/main" id="{AF4F6CA9-15E2-4DBC-91C6-EF29D4F06D8C}"/>
+                  </a:ext>
+                </a:extLst>
+              </p:cNvPr>
+              <p:cNvSpPr/>
+              <p:nvPr/>
+            </p:nvSpPr>
+            <p:spPr>
+              <a:xfrm>
+                <a:off x="5651817" y="5431721"/>
+                <a:ext cx="1897892" cy="548227"/>
+              </a:xfrm>
+              <a:prstGeom prst="rect">
+                <a:avLst/>
+              </a:prstGeom>
+            </p:spPr>
+            <p:txBody>
+              <a:bodyPr wrap="none">
+                <a:spAutoFit/>
+              </a:bodyPr>
+              <a:lstStyle/>
+              <a:p>
+                <a14:m>
+                  <m:oMathPara xmlns:m="http://schemas.openxmlformats.org/officeDocument/2006/math">
+                    <m:oMathParaPr>
+                      <m:jc m:val="centerGroup"/>
+                    </m:oMathParaPr>
+                    <m:oMath xmlns:m="http://schemas.openxmlformats.org/officeDocument/2006/math">
+                      <m:r>
+                        <a:rPr lang="en-US" i="1">
+                          <a:latin typeface="Cambria Math" panose="02040503050406030204" pitchFamily="18" charset="0"/>
+                        </a:rPr>
+                        <m:t>𝐺</m:t>
+                      </m:r>
+                      <m:r>
+                        <a:rPr lang="en-US">
+                          <a:latin typeface="Cambria Math" panose="02040503050406030204" pitchFamily="18" charset="0"/>
+                        </a:rPr>
+                        <m:t>=</m:t>
+                      </m:r>
+                      <m:f>
+                        <m:fPr>
+                          <m:ctrlPr>
+                            <a:rPr lang="en-US" i="1">
+                              <a:latin typeface="Cambria Math" panose="02040503050406030204" pitchFamily="18" charset="0"/>
+                            </a:rPr>
+                          </m:ctrlPr>
+                        </m:fPr>
+                        <m:num>
+                          <m:d>
+                            <m:dPr>
+                              <m:begChr m:val=""/>
+                              <m:ctrlPr>
+                                <a:rPr lang="en-US" i="1">
+                                  <a:latin typeface="Cambria Math" panose="02040503050406030204" pitchFamily="18" charset="0"/>
+                                </a:rPr>
+                              </m:ctrlPr>
+                            </m:dPr>
+                            <m:e>
+                              <m:r>
+                                <a:rPr lang="en-US">
+                                  <a:latin typeface="Cambria Math" panose="02040503050406030204" pitchFamily="18" charset="0"/>
+                                </a:rPr>
+                                <m:t>2∗</m:t>
+                              </m:r>
+                              <m:r>
+                                <a:rPr lang="en-US" i="1">
+                                  <a:latin typeface="Cambria Math" panose="02040503050406030204" pitchFamily="18" charset="0"/>
+                                </a:rPr>
+                                <m:t>𝑝𝑑</m:t>
+                              </m:r>
+                              <m:r>
+                                <a:rPr lang="en-US">
+                                  <a:latin typeface="Cambria Math" panose="02040503050406030204" pitchFamily="18" charset="0"/>
+                                </a:rPr>
+                                <m:t>∗(1−</m:t>
+                              </m:r>
+                              <m:r>
+                                <a:rPr lang="en-US" i="1">
+                                  <a:latin typeface="Cambria Math" panose="02040503050406030204" pitchFamily="18" charset="0"/>
+                                </a:rPr>
+                                <m:t>𝑝𝑓</m:t>
+                              </m:r>
+                            </m:e>
+                          </m:d>
+                        </m:num>
+                        <m:den>
+                          <m:d>
+                            <m:dPr>
+                              <m:ctrlPr>
+                                <a:rPr lang="en-US" i="1">
+                                  <a:latin typeface="Cambria Math" panose="02040503050406030204" pitchFamily="18" charset="0"/>
+                                </a:rPr>
+                              </m:ctrlPr>
+                            </m:dPr>
+                            <m:e>
+                              <m:r>
+                                <a:rPr lang="en-US">
+                                  <a:latin typeface="Cambria Math" panose="02040503050406030204" pitchFamily="18" charset="0"/>
+                                </a:rPr>
+                                <m:t>1+</m:t>
+                              </m:r>
+                              <m:r>
+                                <a:rPr lang="en-US" i="1">
+                                  <a:latin typeface="Cambria Math" panose="02040503050406030204" pitchFamily="18" charset="0"/>
+                                </a:rPr>
+                                <m:t>𝑝𝑑</m:t>
+                              </m:r>
+                              <m:r>
+                                <a:rPr lang="en-US">
+                                  <a:latin typeface="Cambria Math" panose="02040503050406030204" pitchFamily="18" charset="0"/>
+                                </a:rPr>
+                                <m:t>−</m:t>
+                              </m:r>
+                              <m:r>
+                                <a:rPr lang="en-US" i="1">
+                                  <a:latin typeface="Cambria Math" panose="02040503050406030204" pitchFamily="18" charset="0"/>
+                                </a:rPr>
+                                <m:t>𝑝𝑓</m:t>
+                              </m:r>
+                            </m:e>
+                          </m:d>
+                        </m:den>
+                      </m:f>
+                    </m:oMath>
+                  </m:oMathPara>
+                </a14:m>
+                <a:endParaRPr lang="en-US" dirty="0"/>
+              </a:p>
+            </p:txBody>
+          </p:sp>
+        </mc:Choice>
+        <mc:Fallback>
+          <p:sp>
+            <p:nvSpPr>
+              <p:cNvPr id="19" name="Rectangle 18">
+                <a:extLst>
+                  <a:ext uri="{FF2B5EF4-FFF2-40B4-BE49-F238E27FC236}">
+                    <a16:creationId xmlns:a16="http://schemas.microsoft.com/office/drawing/2014/main" id="{AF4F6CA9-15E2-4DBC-91C6-EF29D4F06D8C}"/>
+                  </a:ext>
+                </a:extLst>
+              </p:cNvPr>
+              <p:cNvSpPr>
+                <a:spLocks noRot="1" noChangeAspect="1" noMove="1" noResize="1" noEditPoints="1" noAdjustHandles="1" noChangeArrowheads="1" noChangeShapeType="1" noTextEdit="1"/>
+              </p:cNvSpPr>
+              <p:nvPr/>
+            </p:nvSpPr>
+            <p:spPr>
+              <a:xfrm>
+                <a:off x="5651817" y="5431721"/>
+                <a:ext cx="1897892" cy="548227"/>
+              </a:xfrm>
+              <a:prstGeom prst="rect">
+                <a:avLst/>
+              </a:prstGeom>
+              <a:blipFill>
+                <a:blip r:embed="rId6"/>
+                <a:stretch>
+                  <a:fillRect t="-58889" r="-19614" b="-44444"/>
+                </a:stretch>
+              </a:blipFill>
+            </p:spPr>
+            <p:txBody>
+              <a:bodyPr/>
+              <a:lstStyle/>
+              <a:p>
+                <a:r>
+                  <a:rPr lang="en-US">
+                    <a:noFill/>
+                  </a:rPr>
+                  <a:t> </a:t>
+                </a:r>
+              </a:p>
+            </p:txBody>
+          </p:sp>
+        </mc:Fallback>
+      </mc:AlternateContent>
+    </p:spTree>
+    <p:extLst>
+      <p:ext uri="{BB962C8B-B14F-4D97-AF65-F5344CB8AC3E}">
+        <p14:creationId xmlns:p14="http://schemas.microsoft.com/office/powerpoint/2010/main" val="1851194876"/>
+      </p:ext>
+    </p:extLst>
+  </p:cSld>
+  <p:clrMapOvr>
+    <a:masterClrMapping/>
+  </p:clrMapOvr>
+</p:sld>
+</file>
+
+<file path=ppt/slides/slide26.xml><?xml version="1.0" encoding="utf-8"?>
+<p:sld xmlns:a="http://schemas.openxmlformats.org/drawingml/2006/main" xmlns:r="http://schemas.openxmlformats.org/officeDocument/2006/relationships" xmlns:p="http://schemas.openxmlformats.org/presentationml/2006/main">
+  <p:cSld>
+    <p:spTree>
+      <p:nvGrpSpPr>
+        <p:cNvPr id="1" name=""/>
+        <p:cNvGrpSpPr/>
+        <p:nvPr/>
+      </p:nvGrpSpPr>
+      <p:grpSpPr>
+        <a:xfrm>
+          <a:off x="0" y="0"/>
+          <a:ext cx="0" cy="0"/>
+          <a:chOff x="0" y="0"/>
+          <a:chExt cx="0" cy="0"/>
+        </a:xfrm>
+      </p:grpSpPr>
+      <p:sp>
+        <p:nvSpPr>
+          <p:cNvPr id="2" name="Title 1">
+            <a:extLst>
+              <a:ext uri="{FF2B5EF4-FFF2-40B4-BE49-F238E27FC236}">
+                <a16:creationId xmlns:a16="http://schemas.microsoft.com/office/drawing/2014/main" id="{5CA765C4-48CF-4627-B190-C67C26DFB72C}"/>
+              </a:ext>
+            </a:extLst>
+          </p:cNvPr>
+          <p:cNvSpPr>
+            <a:spLocks noGrp="1"/>
+          </p:cNvSpPr>
+          <p:nvPr>
+            <p:ph type="title"/>
+          </p:nvPr>
+        </p:nvSpPr>
+        <p:spPr/>
+        <p:txBody>
+          <a:bodyPr/>
+          <a:lstStyle/>
+          <a:p>
+            <a:pPr algn="l"/>
+            <a:r>
+              <a:rPr lang="en-US" dirty="0"/>
+              <a:t>Data Dictionary</a:t>
+            </a:r>
+          </a:p>
+        </p:txBody>
+      </p:sp>
+      <p:sp>
+        <p:nvSpPr>
+          <p:cNvPr id="4" name="Date Placeholder 3">
+            <a:extLst>
+              <a:ext uri="{FF2B5EF4-FFF2-40B4-BE49-F238E27FC236}">
+                <a16:creationId xmlns:a16="http://schemas.microsoft.com/office/drawing/2014/main" id="{196B0D47-1590-42D3-B59F-39E7B03E359D}"/>
+              </a:ext>
+            </a:extLst>
+          </p:cNvPr>
+          <p:cNvSpPr>
+            <a:spLocks noGrp="1"/>
+          </p:cNvSpPr>
+          <p:nvPr>
+            <p:ph type="dt" idx="10"/>
+          </p:nvPr>
+        </p:nvSpPr>
+        <p:spPr/>
+        <p:txBody>
+          <a:bodyPr/>
+          <a:lstStyle/>
+          <a:p>
+            <a:fld id="{820E7DF1-5434-4D59-8F92-96DB76BF4828}" type="datetime1">
+              <a:rPr lang="en-US" smtClean="0"/>
+              <a:t>3/27/2019</a:t>
+            </a:fld>
+            <a:endParaRPr lang="en-US"/>
+          </a:p>
+        </p:txBody>
+      </p:sp>
+      <p:sp>
+        <p:nvSpPr>
+          <p:cNvPr id="6" name="Slide Number Placeholder 5">
+            <a:extLst>
+              <a:ext uri="{FF2B5EF4-FFF2-40B4-BE49-F238E27FC236}">
+                <a16:creationId xmlns:a16="http://schemas.microsoft.com/office/drawing/2014/main" id="{57348917-413B-48F6-8CA4-8F81643C2041}"/>
+              </a:ext>
+            </a:extLst>
+          </p:cNvPr>
+          <p:cNvSpPr>
+            <a:spLocks noGrp="1"/>
+          </p:cNvSpPr>
+          <p:nvPr>
+            <p:ph type="sldNum" idx="12"/>
+          </p:nvPr>
+        </p:nvSpPr>
+        <p:spPr/>
+        <p:txBody>
+          <a:bodyPr/>
+          <a:lstStyle/>
+          <a:p>
+            <a:pPr marL="0" lvl="0" indent="0" algn="r" rtl="0">
+              <a:spcBef>
+                <a:spcPts val="0"/>
+              </a:spcBef>
+              <a:spcAft>
+                <a:spcPts val="0"/>
+              </a:spcAft>
+              <a:buNone/>
+            </a:pPr>
+            <a:fld id="{00000000-1234-1234-1234-123412341234}" type="slidenum">
+              <a:rPr lang="en" smtClean="0"/>
+              <a:t>26</a:t>
+            </a:fld>
+            <a:endParaRPr lang="en"/>
+          </a:p>
+        </p:txBody>
+      </p:sp>
+      <p:graphicFrame>
+        <p:nvGraphicFramePr>
+          <p:cNvPr id="5" name="Table 4">
+            <a:extLst>
+              <a:ext uri="{FF2B5EF4-FFF2-40B4-BE49-F238E27FC236}">
+                <a16:creationId xmlns:a16="http://schemas.microsoft.com/office/drawing/2014/main" id="{62EE2657-B898-4E93-A362-5846BD4D6E14}"/>
+              </a:ext>
+            </a:extLst>
+          </p:cNvPr>
+          <p:cNvGraphicFramePr>
+            <a:graphicFrameLocks noGrp="1"/>
+          </p:cNvGraphicFramePr>
+          <p:nvPr>
+            <p:extLst>
+              <p:ext uri="{D42A27DB-BD31-4B8C-83A1-F6EECF244321}">
+                <p14:modId xmlns:p14="http://schemas.microsoft.com/office/powerpoint/2010/main" val="843597461"/>
+              </p:ext>
+            </p:extLst>
+          </p:nvPr>
+        </p:nvGraphicFramePr>
+        <p:xfrm>
+          <a:off x="457200" y="1866507"/>
+          <a:ext cx="8309728" cy="4380866"/>
+        </p:xfrm>
+        <a:graphic>
+          <a:graphicData uri="http://schemas.openxmlformats.org/drawingml/2006/table">
+            <a:tbl>
+              <a:tblPr firstRow="1" firstCol="1" bandRow="1">
+                <a:tableStyleId>{F5AB1C69-6EDB-4FF4-983F-18BD219EF322}</a:tableStyleId>
+              </a:tblPr>
+              <a:tblGrid>
+                <a:gridCol w="955396">
+                  <a:extLst>
+                    <a:ext uri="{9D8B030D-6E8A-4147-A177-3AD203B41FA5}">
+                      <a16:colId xmlns:a16="http://schemas.microsoft.com/office/drawing/2014/main" val="80697113"/>
+                    </a:ext>
+                  </a:extLst>
+                </a:gridCol>
+                <a:gridCol w="2639559">
+                  <a:extLst>
+                    <a:ext uri="{9D8B030D-6E8A-4147-A177-3AD203B41FA5}">
+                      <a16:colId xmlns:a16="http://schemas.microsoft.com/office/drawing/2014/main" val="3315413329"/>
+                    </a:ext>
+                  </a:extLst>
+                </a:gridCol>
+                <a:gridCol w="4714773">
+                  <a:extLst>
+                    <a:ext uri="{9D8B030D-6E8A-4147-A177-3AD203B41FA5}">
+                      <a16:colId xmlns:a16="http://schemas.microsoft.com/office/drawing/2014/main" val="3906789618"/>
+                    </a:ext>
+                  </a:extLst>
+                </a:gridCol>
+              </a:tblGrid>
+              <a:tr h="430811">
+                <a:tc>
+                  <a:txBody>
+                    <a:bodyPr/>
+                    <a:lstStyle/>
+                    <a:p>
+                      <a:pPr marL="0" marR="0" algn="ctr">
+                        <a:spcBef>
+                          <a:spcPts val="0"/>
+                        </a:spcBef>
+                        <a:spcAft>
+                          <a:spcPts val="0"/>
+                        </a:spcAft>
+                      </a:pPr>
+                      <a:r>
+                        <a:rPr lang="en-US" sz="900" dirty="0">
+                          <a:effectLst/>
+                        </a:rPr>
+                        <a:t>Metric Notation</a:t>
+                      </a:r>
+                      <a:endParaRPr lang="en-US" sz="900" dirty="0">
+                        <a:effectLst/>
+                        <a:latin typeface="Times New Roman" panose="02020603050405020304" pitchFamily="18" charset="0"/>
+                        <a:ea typeface="Times New Roman" panose="02020603050405020304" pitchFamily="18" charset="0"/>
+                      </a:endParaRPr>
+                    </a:p>
+                  </a:txBody>
+                  <a:tcPr marL="19980" marR="19980" marT="0" marB="0"/>
+                </a:tc>
+                <a:tc>
+                  <a:txBody>
+                    <a:bodyPr/>
+                    <a:lstStyle/>
+                    <a:p>
+                      <a:pPr marL="0" marR="0" algn="ctr">
+                        <a:spcBef>
+                          <a:spcPts val="0"/>
+                        </a:spcBef>
+                        <a:spcAft>
+                          <a:spcPts val="0"/>
+                        </a:spcAft>
+                      </a:pPr>
+                      <a:r>
+                        <a:rPr lang="en-US" sz="900" dirty="0">
+                          <a:effectLst/>
+                        </a:rPr>
+                        <a:t>Metric Name</a:t>
+                      </a:r>
+                      <a:endParaRPr lang="en-US" sz="900" dirty="0">
+                        <a:effectLst/>
+                        <a:latin typeface="Times New Roman" panose="02020603050405020304" pitchFamily="18" charset="0"/>
+                        <a:ea typeface="Times New Roman" panose="02020603050405020304" pitchFamily="18" charset="0"/>
+                      </a:endParaRPr>
+                    </a:p>
+                  </a:txBody>
+                  <a:tcPr marL="19980" marR="19980" marT="0" marB="0"/>
+                </a:tc>
+                <a:tc>
+                  <a:txBody>
+                    <a:bodyPr/>
+                    <a:lstStyle/>
+                    <a:p>
+                      <a:pPr marL="0" marR="0" algn="ctr">
+                        <a:spcBef>
+                          <a:spcPts val="0"/>
+                        </a:spcBef>
+                        <a:spcAft>
+                          <a:spcPts val="0"/>
+                        </a:spcAft>
+                      </a:pPr>
+                      <a:r>
+                        <a:rPr lang="en-US" sz="900" dirty="0">
+                          <a:effectLst/>
+                        </a:rPr>
+                        <a:t>Metric Description</a:t>
+                      </a:r>
+                      <a:endParaRPr lang="en-US" sz="900" dirty="0">
+                        <a:effectLst/>
+                        <a:latin typeface="Times New Roman" panose="02020603050405020304" pitchFamily="18" charset="0"/>
+                        <a:ea typeface="Times New Roman" panose="02020603050405020304" pitchFamily="18" charset="0"/>
+                      </a:endParaRPr>
+                    </a:p>
+                  </a:txBody>
+                  <a:tcPr marL="19980" marR="19980" marT="0" marB="0"/>
+                </a:tc>
+                <a:extLst>
+                  <a:ext uri="{0D108BD9-81ED-4DB2-BD59-A6C34878D82A}">
+                    <a16:rowId xmlns:a16="http://schemas.microsoft.com/office/drawing/2014/main" val="382056371"/>
+                  </a:ext>
+                </a:extLst>
+              </a:tr>
+              <a:tr h="376727">
+                <a:tc>
+                  <a:txBody>
+                    <a:bodyPr/>
+                    <a:lstStyle/>
+                    <a:p>
+                      <a:pPr marL="0" marR="0">
+                        <a:spcBef>
+                          <a:spcPts val="0"/>
+                        </a:spcBef>
+                        <a:spcAft>
+                          <a:spcPts val="0"/>
+                        </a:spcAft>
+                      </a:pPr>
+                      <a:r>
+                        <a:rPr lang="en-US" sz="900" dirty="0">
+                          <a:effectLst/>
+                        </a:rPr>
+                        <a:t>$</a:t>
+                      </a:r>
+                      <a:r>
+                        <a:rPr lang="en-US" sz="900" dirty="0" err="1">
+                          <a:effectLst/>
+                        </a:rPr>
+                        <a:t>amc</a:t>
+                      </a:r>
+                      <a:endParaRPr lang="en-US" sz="900" dirty="0">
+                        <a:effectLst/>
+                        <a:latin typeface="Times New Roman" panose="02020603050405020304" pitchFamily="18" charset="0"/>
+                        <a:ea typeface="Times New Roman" panose="02020603050405020304" pitchFamily="18" charset="0"/>
+                      </a:endParaRPr>
+                    </a:p>
+                  </a:txBody>
+                  <a:tcPr marL="19980" marR="19980" marT="0" marB="0"/>
+                </a:tc>
+                <a:tc>
+                  <a:txBody>
+                    <a:bodyPr/>
+                    <a:lstStyle/>
+                    <a:p>
+                      <a:pPr marL="0" marR="0">
+                        <a:spcBef>
+                          <a:spcPts val="0"/>
+                        </a:spcBef>
+                        <a:spcAft>
+                          <a:spcPts val="0"/>
+                        </a:spcAft>
+                      </a:pPr>
+                      <a:r>
+                        <a:rPr lang="en-US" sz="900">
+                          <a:effectLst/>
+                        </a:rPr>
+                        <a:t>Average Method Complexity</a:t>
+                      </a:r>
+                      <a:endParaRPr lang="en-US" sz="900">
+                        <a:effectLst/>
+                        <a:latin typeface="Times New Roman" panose="02020603050405020304" pitchFamily="18" charset="0"/>
+                        <a:ea typeface="Times New Roman" panose="02020603050405020304" pitchFamily="18" charset="0"/>
+                      </a:endParaRPr>
+                    </a:p>
+                  </a:txBody>
+                  <a:tcPr marL="19980" marR="19980" marT="0" marB="0"/>
+                </a:tc>
+                <a:tc>
+                  <a:txBody>
+                    <a:bodyPr/>
+                    <a:lstStyle/>
+                    <a:p>
+                      <a:pPr marL="0" marR="0">
+                        <a:spcBef>
+                          <a:spcPts val="0"/>
+                        </a:spcBef>
+                        <a:spcAft>
+                          <a:spcPts val="0"/>
+                        </a:spcAft>
+                      </a:pPr>
+                      <a:r>
+                        <a:rPr lang="en-US" sz="900">
+                          <a:effectLst/>
+                        </a:rPr>
+                        <a:t>This metric measures the average method size for each class. Size of a method is equal to the number of Java binary codes in the method.</a:t>
+                      </a:r>
+                      <a:endParaRPr lang="en-US" sz="900">
+                        <a:effectLst/>
+                        <a:latin typeface="Times New Roman" panose="02020603050405020304" pitchFamily="18" charset="0"/>
+                        <a:ea typeface="Times New Roman" panose="02020603050405020304" pitchFamily="18" charset="0"/>
+                      </a:endParaRPr>
+                    </a:p>
+                  </a:txBody>
+                  <a:tcPr marL="19980" marR="19980" marT="0" marB="0"/>
+                </a:tc>
+                <a:extLst>
+                  <a:ext uri="{0D108BD9-81ED-4DB2-BD59-A6C34878D82A}">
+                    <a16:rowId xmlns:a16="http://schemas.microsoft.com/office/drawing/2014/main" val="2866027870"/>
+                  </a:ext>
+                </a:extLst>
+              </a:tr>
+              <a:tr h="799742">
+                <a:tc>
+                  <a:txBody>
+                    <a:bodyPr/>
+                    <a:lstStyle/>
+                    <a:p>
+                      <a:pPr marL="0" marR="0">
+                        <a:spcBef>
+                          <a:spcPts val="0"/>
+                        </a:spcBef>
+                        <a:spcAft>
+                          <a:spcPts val="0"/>
+                        </a:spcAft>
+                      </a:pPr>
+                      <a:r>
+                        <a:rPr lang="en-US" sz="900">
+                          <a:effectLst/>
+                        </a:rPr>
+                        <a:t>$avg_cc</a:t>
+                      </a:r>
+                      <a:endParaRPr lang="en-US" sz="900">
+                        <a:effectLst/>
+                        <a:latin typeface="Times New Roman" panose="02020603050405020304" pitchFamily="18" charset="0"/>
+                        <a:ea typeface="Times New Roman" panose="02020603050405020304" pitchFamily="18" charset="0"/>
+                      </a:endParaRPr>
+                    </a:p>
+                  </a:txBody>
+                  <a:tcPr marL="19980" marR="19980" marT="0" marB="0"/>
+                </a:tc>
+                <a:tc>
+                  <a:txBody>
+                    <a:bodyPr/>
+                    <a:lstStyle/>
+                    <a:p>
+                      <a:pPr marL="0" marR="0">
+                        <a:spcBef>
+                          <a:spcPts val="0"/>
+                        </a:spcBef>
+                        <a:spcAft>
+                          <a:spcPts val="0"/>
+                        </a:spcAft>
+                      </a:pPr>
+                      <a:r>
+                        <a:rPr lang="en-US" sz="900">
+                          <a:effectLst/>
+                        </a:rPr>
+                        <a:t>Average of Cyclomatic Complexity (CC)</a:t>
+                      </a:r>
+                      <a:endParaRPr lang="en-US" sz="900">
+                        <a:effectLst/>
+                        <a:latin typeface="Times New Roman" panose="02020603050405020304" pitchFamily="18" charset="0"/>
+                        <a:ea typeface="Times New Roman" panose="02020603050405020304" pitchFamily="18" charset="0"/>
+                      </a:endParaRPr>
+                    </a:p>
+                  </a:txBody>
+                  <a:tcPr marL="19980" marR="19980" marT="0" marB="0"/>
+                </a:tc>
+                <a:tc>
+                  <a:txBody>
+                    <a:bodyPr/>
+                    <a:lstStyle/>
+                    <a:p>
+                      <a:pPr marL="0" marR="0">
+                        <a:spcBef>
+                          <a:spcPts val="0"/>
+                        </a:spcBef>
+                        <a:spcAft>
+                          <a:spcPts val="0"/>
+                        </a:spcAft>
+                      </a:pPr>
+                      <a:r>
+                        <a:rPr lang="en-US" sz="900">
+                          <a:effectLst/>
+                        </a:rPr>
+                        <a:t>CC is equal to number of different paths in a method (function) plus one. The McCabe cyclomatic complexity is defined as: CC=E-N+P; where E is the number of edges of the graph, N is the number of nodes of the graph, and P is the number of connected components. CC is the only method size metric. The constructed models make the class size predictions. Therefore, the metric had to be converted to a class size metric.</a:t>
+                      </a:r>
+                      <a:endParaRPr lang="en-US" sz="900">
+                        <a:effectLst/>
+                        <a:latin typeface="Times New Roman" panose="02020603050405020304" pitchFamily="18" charset="0"/>
+                        <a:ea typeface="Times New Roman" panose="02020603050405020304" pitchFamily="18" charset="0"/>
+                      </a:endParaRPr>
+                    </a:p>
+                  </a:txBody>
+                  <a:tcPr marL="19980" marR="19980" marT="0" marB="0"/>
+                </a:tc>
+                <a:extLst>
+                  <a:ext uri="{0D108BD9-81ED-4DB2-BD59-A6C34878D82A}">
+                    <a16:rowId xmlns:a16="http://schemas.microsoft.com/office/drawing/2014/main" val="2787612731"/>
+                  </a:ext>
+                </a:extLst>
+              </a:tr>
+              <a:tr h="199935">
+                <a:tc>
+                  <a:txBody>
+                    <a:bodyPr/>
+                    <a:lstStyle/>
+                    <a:p>
+                      <a:pPr marL="0" marR="0">
+                        <a:spcBef>
+                          <a:spcPts val="0"/>
+                        </a:spcBef>
+                        <a:spcAft>
+                          <a:spcPts val="0"/>
+                        </a:spcAft>
+                      </a:pPr>
+                      <a:r>
+                        <a:rPr lang="en-US" sz="900">
+                          <a:effectLst/>
+                        </a:rPr>
+                        <a:t>$ca</a:t>
+                      </a:r>
+                      <a:endParaRPr lang="en-US" sz="900">
+                        <a:effectLst/>
+                        <a:latin typeface="Times New Roman" panose="02020603050405020304" pitchFamily="18" charset="0"/>
+                        <a:ea typeface="Times New Roman" panose="02020603050405020304" pitchFamily="18" charset="0"/>
+                      </a:endParaRPr>
+                    </a:p>
+                  </a:txBody>
+                  <a:tcPr marL="19980" marR="19980" marT="0" marB="0"/>
+                </a:tc>
+                <a:tc>
+                  <a:txBody>
+                    <a:bodyPr/>
+                    <a:lstStyle/>
+                    <a:p>
+                      <a:pPr marL="0" marR="0">
+                        <a:spcBef>
+                          <a:spcPts val="0"/>
+                        </a:spcBef>
+                        <a:spcAft>
+                          <a:spcPts val="0"/>
+                        </a:spcAft>
+                      </a:pPr>
+                      <a:r>
+                        <a:rPr lang="en-US" sz="900" dirty="0">
+                          <a:effectLst/>
+                        </a:rPr>
+                        <a:t>Afferent Coupling</a:t>
+                      </a:r>
+                      <a:endParaRPr lang="en-US" sz="900" dirty="0">
+                        <a:effectLst/>
+                        <a:latin typeface="Times New Roman" panose="02020603050405020304" pitchFamily="18" charset="0"/>
+                        <a:ea typeface="Times New Roman" panose="02020603050405020304" pitchFamily="18" charset="0"/>
+                      </a:endParaRPr>
+                    </a:p>
+                  </a:txBody>
+                  <a:tcPr marL="19980" marR="19980" marT="0" marB="0"/>
+                </a:tc>
+                <a:tc>
+                  <a:txBody>
+                    <a:bodyPr/>
+                    <a:lstStyle/>
+                    <a:p>
+                      <a:pPr marL="0" marR="0">
+                        <a:spcBef>
+                          <a:spcPts val="0"/>
+                        </a:spcBef>
+                        <a:spcAft>
+                          <a:spcPts val="0"/>
+                        </a:spcAft>
+                      </a:pPr>
+                      <a:r>
+                        <a:rPr lang="en-US" sz="900">
+                          <a:effectLst/>
+                        </a:rPr>
+                        <a:t>The CA metric represents the number of classes that depend upon the measured class.</a:t>
+                      </a:r>
+                      <a:endParaRPr lang="en-US" sz="900">
+                        <a:effectLst/>
+                        <a:latin typeface="Times New Roman" panose="02020603050405020304" pitchFamily="18" charset="0"/>
+                        <a:ea typeface="Times New Roman" panose="02020603050405020304" pitchFamily="18" charset="0"/>
+                      </a:endParaRPr>
+                    </a:p>
+                  </a:txBody>
+                  <a:tcPr marL="19980" marR="19980" marT="0" marB="0"/>
+                </a:tc>
+                <a:extLst>
+                  <a:ext uri="{0D108BD9-81ED-4DB2-BD59-A6C34878D82A}">
+                    <a16:rowId xmlns:a16="http://schemas.microsoft.com/office/drawing/2014/main" val="3530761827"/>
+                  </a:ext>
+                </a:extLst>
+              </a:tr>
+              <a:tr h="599805">
+                <a:tc>
+                  <a:txBody>
+                    <a:bodyPr/>
+                    <a:lstStyle/>
+                    <a:p>
+                      <a:pPr marL="0" marR="0">
+                        <a:spcBef>
+                          <a:spcPts val="0"/>
+                        </a:spcBef>
+                        <a:spcAft>
+                          <a:spcPts val="0"/>
+                        </a:spcAft>
+                      </a:pPr>
+                      <a:r>
+                        <a:rPr lang="en-US" sz="900">
+                          <a:effectLst/>
+                        </a:rPr>
+                        <a:t>$cam</a:t>
+                      </a:r>
+                      <a:endParaRPr lang="en-US" sz="900">
+                        <a:effectLst/>
+                        <a:latin typeface="Times New Roman" panose="02020603050405020304" pitchFamily="18" charset="0"/>
+                        <a:ea typeface="Times New Roman" panose="02020603050405020304" pitchFamily="18" charset="0"/>
+                      </a:endParaRPr>
+                    </a:p>
+                  </a:txBody>
+                  <a:tcPr marL="19980" marR="19980" marT="0" marB="0"/>
+                </a:tc>
+                <a:tc>
+                  <a:txBody>
+                    <a:bodyPr/>
+                    <a:lstStyle/>
+                    <a:p>
+                      <a:pPr marL="0" marR="0">
+                        <a:spcBef>
+                          <a:spcPts val="0"/>
+                        </a:spcBef>
+                        <a:spcAft>
+                          <a:spcPts val="0"/>
+                        </a:spcAft>
+                      </a:pPr>
+                      <a:r>
+                        <a:rPr lang="en-US" sz="900">
+                          <a:effectLst/>
+                        </a:rPr>
+                        <a:t>Cohesion Among Class Methods</a:t>
+                      </a:r>
+                      <a:endParaRPr lang="en-US" sz="900">
+                        <a:effectLst/>
+                        <a:latin typeface="Times New Roman" panose="02020603050405020304" pitchFamily="18" charset="0"/>
+                        <a:ea typeface="Times New Roman" panose="02020603050405020304" pitchFamily="18" charset="0"/>
+                      </a:endParaRPr>
+                    </a:p>
+                  </a:txBody>
+                  <a:tcPr marL="19980" marR="19980" marT="0" marB="0"/>
+                </a:tc>
+                <a:tc>
+                  <a:txBody>
+                    <a:bodyPr/>
+                    <a:lstStyle/>
+                    <a:p>
+                      <a:pPr marL="0" marR="0">
+                        <a:spcBef>
+                          <a:spcPts val="0"/>
+                        </a:spcBef>
+                        <a:spcAft>
+                          <a:spcPts val="0"/>
+                        </a:spcAft>
+                      </a:pPr>
+                      <a:r>
+                        <a:rPr lang="en-US" sz="900" dirty="0">
+                          <a:effectLst/>
+                        </a:rPr>
+                        <a:t>This metric computes the relatedness among methods of a class based upon the parameter list of the methods. The metric is computed using the summation of number of different types of method parameters in every method divided by a multiplication of number of different method parameter types in whole class and number of methods.</a:t>
+                      </a:r>
+                      <a:endParaRPr lang="en-US" sz="900" dirty="0">
+                        <a:effectLst/>
+                        <a:latin typeface="Times New Roman" panose="02020603050405020304" pitchFamily="18" charset="0"/>
+                        <a:ea typeface="Times New Roman" panose="02020603050405020304" pitchFamily="18" charset="0"/>
+                      </a:endParaRPr>
+                    </a:p>
+                  </a:txBody>
+                  <a:tcPr marL="19980" marR="19980" marT="0" marB="0"/>
+                </a:tc>
+                <a:extLst>
+                  <a:ext uri="{0D108BD9-81ED-4DB2-BD59-A6C34878D82A}">
+                    <a16:rowId xmlns:a16="http://schemas.microsoft.com/office/drawing/2014/main" val="3692928937"/>
+                  </a:ext>
+                </a:extLst>
+              </a:tr>
+              <a:tr h="399870">
+                <a:tc>
+                  <a:txBody>
+                    <a:bodyPr/>
+                    <a:lstStyle/>
+                    <a:p>
+                      <a:pPr marL="0" marR="0">
+                        <a:spcBef>
+                          <a:spcPts val="0"/>
+                        </a:spcBef>
+                        <a:spcAft>
+                          <a:spcPts val="0"/>
+                        </a:spcAft>
+                      </a:pPr>
+                      <a:r>
+                        <a:rPr lang="en-US" sz="900">
+                          <a:effectLst/>
+                        </a:rPr>
+                        <a:t>$cbm</a:t>
+                      </a:r>
+                      <a:endParaRPr lang="en-US" sz="900">
+                        <a:effectLst/>
+                        <a:latin typeface="Times New Roman" panose="02020603050405020304" pitchFamily="18" charset="0"/>
+                        <a:ea typeface="Times New Roman" panose="02020603050405020304" pitchFamily="18" charset="0"/>
+                      </a:endParaRPr>
+                    </a:p>
+                  </a:txBody>
+                  <a:tcPr marL="19980" marR="19980" marT="0" marB="0"/>
+                </a:tc>
+                <a:tc>
+                  <a:txBody>
+                    <a:bodyPr/>
+                    <a:lstStyle/>
+                    <a:p>
+                      <a:pPr marL="0" marR="0">
+                        <a:spcBef>
+                          <a:spcPts val="0"/>
+                        </a:spcBef>
+                        <a:spcAft>
+                          <a:spcPts val="0"/>
+                        </a:spcAft>
+                      </a:pPr>
+                      <a:r>
+                        <a:rPr lang="en-US" sz="900">
+                          <a:effectLst/>
+                        </a:rPr>
+                        <a:t>Coupling between Methods</a:t>
+                      </a:r>
+                      <a:endParaRPr lang="en-US" sz="900">
+                        <a:effectLst/>
+                        <a:latin typeface="Times New Roman" panose="02020603050405020304" pitchFamily="18" charset="0"/>
+                        <a:ea typeface="Times New Roman" panose="02020603050405020304" pitchFamily="18" charset="0"/>
+                      </a:endParaRPr>
+                    </a:p>
+                  </a:txBody>
+                  <a:tcPr marL="19980" marR="19980" marT="0" marB="0"/>
+                </a:tc>
+                <a:tc>
+                  <a:txBody>
+                    <a:bodyPr/>
+                    <a:lstStyle/>
+                    <a:p>
+                      <a:pPr marL="0" marR="0">
+                        <a:spcBef>
+                          <a:spcPts val="0"/>
+                        </a:spcBef>
+                        <a:spcAft>
+                          <a:spcPts val="0"/>
+                        </a:spcAft>
+                      </a:pPr>
+                      <a:r>
+                        <a:rPr lang="en-US" sz="900">
+                          <a:effectLst/>
+                        </a:rPr>
+                        <a:t>The metric measures the total number of new/redefined methods to which all the inherited methods are coupled. There is a coupling when at least one of the conditions given in the IC metric is held.</a:t>
+                      </a:r>
+                      <a:endParaRPr lang="en-US" sz="900">
+                        <a:effectLst/>
+                        <a:latin typeface="Times New Roman" panose="02020603050405020304" pitchFamily="18" charset="0"/>
+                        <a:ea typeface="Times New Roman" panose="02020603050405020304" pitchFamily="18" charset="0"/>
+                      </a:endParaRPr>
+                    </a:p>
+                  </a:txBody>
+                  <a:tcPr marL="19980" marR="19980" marT="0" marB="0"/>
+                </a:tc>
+                <a:extLst>
+                  <a:ext uri="{0D108BD9-81ED-4DB2-BD59-A6C34878D82A}">
+                    <a16:rowId xmlns:a16="http://schemas.microsoft.com/office/drawing/2014/main" val="2535765756"/>
+                  </a:ext>
+                </a:extLst>
+              </a:tr>
+              <a:tr h="299904">
+                <a:tc>
+                  <a:txBody>
+                    <a:bodyPr/>
+                    <a:lstStyle/>
+                    <a:p>
+                      <a:pPr marL="0" marR="0">
+                        <a:spcBef>
+                          <a:spcPts val="0"/>
+                        </a:spcBef>
+                        <a:spcAft>
+                          <a:spcPts val="0"/>
+                        </a:spcAft>
+                      </a:pPr>
+                      <a:r>
+                        <a:rPr lang="en-US" sz="900">
+                          <a:effectLst/>
+                        </a:rPr>
+                        <a:t>$cbo</a:t>
+                      </a:r>
+                      <a:endParaRPr lang="en-US" sz="900">
+                        <a:effectLst/>
+                        <a:latin typeface="Times New Roman" panose="02020603050405020304" pitchFamily="18" charset="0"/>
+                        <a:ea typeface="Times New Roman" panose="02020603050405020304" pitchFamily="18" charset="0"/>
+                      </a:endParaRPr>
+                    </a:p>
+                  </a:txBody>
+                  <a:tcPr marL="19980" marR="19980" marT="0" marB="0"/>
+                </a:tc>
+                <a:tc>
+                  <a:txBody>
+                    <a:bodyPr/>
+                    <a:lstStyle/>
+                    <a:p>
+                      <a:pPr marL="0" marR="0">
+                        <a:spcBef>
+                          <a:spcPts val="0"/>
+                        </a:spcBef>
+                        <a:spcAft>
+                          <a:spcPts val="0"/>
+                        </a:spcAft>
+                      </a:pPr>
+                      <a:r>
+                        <a:rPr lang="en-US" sz="900">
+                          <a:effectLst/>
+                        </a:rPr>
+                        <a:t>Coupling between Object Classes</a:t>
+                      </a:r>
+                      <a:endParaRPr lang="en-US" sz="900">
+                        <a:effectLst/>
+                        <a:latin typeface="Times New Roman" panose="02020603050405020304" pitchFamily="18" charset="0"/>
+                        <a:ea typeface="Times New Roman" panose="02020603050405020304" pitchFamily="18" charset="0"/>
+                      </a:endParaRPr>
+                    </a:p>
+                  </a:txBody>
+                  <a:tcPr marL="19980" marR="19980" marT="0" marB="0"/>
+                </a:tc>
+                <a:tc>
+                  <a:txBody>
+                    <a:bodyPr/>
+                    <a:lstStyle/>
+                    <a:p>
+                      <a:pPr marL="0" marR="0">
+                        <a:spcBef>
+                          <a:spcPts val="0"/>
+                        </a:spcBef>
+                        <a:spcAft>
+                          <a:spcPts val="0"/>
+                        </a:spcAft>
+                      </a:pPr>
+                      <a:r>
+                        <a:rPr lang="en-US" sz="900">
+                          <a:effectLst/>
+                        </a:rPr>
+                        <a:t>The CBO metric represents the number of classes coupled to a given class (efferent couplings and afferent couplings).</a:t>
+                      </a:r>
+                      <a:endParaRPr lang="en-US" sz="900">
+                        <a:effectLst/>
+                        <a:latin typeface="Times New Roman" panose="02020603050405020304" pitchFamily="18" charset="0"/>
+                        <a:ea typeface="Times New Roman" panose="02020603050405020304" pitchFamily="18" charset="0"/>
+                      </a:endParaRPr>
+                    </a:p>
+                  </a:txBody>
+                  <a:tcPr marL="19980" marR="19980" marT="0" marB="0"/>
+                </a:tc>
+                <a:extLst>
+                  <a:ext uri="{0D108BD9-81ED-4DB2-BD59-A6C34878D82A}">
+                    <a16:rowId xmlns:a16="http://schemas.microsoft.com/office/drawing/2014/main" val="2563401651"/>
+                  </a:ext>
+                </a:extLst>
+              </a:tr>
+              <a:tr h="199935">
+                <a:tc>
+                  <a:txBody>
+                    <a:bodyPr/>
+                    <a:lstStyle/>
+                    <a:p>
+                      <a:pPr marL="0" marR="0">
+                        <a:spcBef>
+                          <a:spcPts val="0"/>
+                        </a:spcBef>
+                        <a:spcAft>
+                          <a:spcPts val="0"/>
+                        </a:spcAft>
+                      </a:pPr>
+                      <a:r>
+                        <a:rPr lang="en-US" sz="900">
+                          <a:effectLst/>
+                        </a:rPr>
+                        <a:t>$ce</a:t>
+                      </a:r>
+                      <a:endParaRPr lang="en-US" sz="900">
+                        <a:effectLst/>
+                        <a:latin typeface="Times New Roman" panose="02020603050405020304" pitchFamily="18" charset="0"/>
+                        <a:ea typeface="Times New Roman" panose="02020603050405020304" pitchFamily="18" charset="0"/>
+                      </a:endParaRPr>
+                    </a:p>
+                  </a:txBody>
+                  <a:tcPr marL="19980" marR="19980" marT="0" marB="0"/>
+                </a:tc>
+                <a:tc>
+                  <a:txBody>
+                    <a:bodyPr/>
+                    <a:lstStyle/>
+                    <a:p>
+                      <a:pPr marL="0" marR="0">
+                        <a:spcBef>
+                          <a:spcPts val="0"/>
+                        </a:spcBef>
+                        <a:spcAft>
+                          <a:spcPts val="0"/>
+                        </a:spcAft>
+                      </a:pPr>
+                      <a:r>
+                        <a:rPr lang="en-US" sz="900">
+                          <a:effectLst/>
+                        </a:rPr>
+                        <a:t>Efferent Couplings</a:t>
+                      </a:r>
+                      <a:endParaRPr lang="en-US" sz="900">
+                        <a:effectLst/>
+                        <a:latin typeface="Times New Roman" panose="02020603050405020304" pitchFamily="18" charset="0"/>
+                        <a:ea typeface="Times New Roman" panose="02020603050405020304" pitchFamily="18" charset="0"/>
+                      </a:endParaRPr>
+                    </a:p>
+                  </a:txBody>
+                  <a:tcPr marL="19980" marR="19980" marT="0" marB="0"/>
+                </a:tc>
+                <a:tc>
+                  <a:txBody>
+                    <a:bodyPr/>
+                    <a:lstStyle/>
+                    <a:p>
+                      <a:pPr marL="0" marR="0">
+                        <a:spcBef>
+                          <a:spcPts val="0"/>
+                        </a:spcBef>
+                        <a:spcAft>
+                          <a:spcPts val="0"/>
+                        </a:spcAft>
+                      </a:pPr>
+                      <a:r>
+                        <a:rPr lang="en-US" sz="900">
+                          <a:effectLst/>
+                        </a:rPr>
+                        <a:t>The CE metric represents the number of classes that the measured class is depended upon.</a:t>
+                      </a:r>
+                      <a:endParaRPr lang="en-US" sz="900">
+                        <a:effectLst/>
+                        <a:latin typeface="Times New Roman" panose="02020603050405020304" pitchFamily="18" charset="0"/>
+                        <a:ea typeface="Times New Roman" panose="02020603050405020304" pitchFamily="18" charset="0"/>
+                      </a:endParaRPr>
+                    </a:p>
+                  </a:txBody>
+                  <a:tcPr marL="19980" marR="19980" marT="0" marB="0"/>
+                </a:tc>
+                <a:extLst>
+                  <a:ext uri="{0D108BD9-81ED-4DB2-BD59-A6C34878D82A}">
+                    <a16:rowId xmlns:a16="http://schemas.microsoft.com/office/drawing/2014/main" val="1526093246"/>
+                  </a:ext>
+                </a:extLst>
+              </a:tr>
+              <a:tr h="376727">
+                <a:tc>
+                  <a:txBody>
+                    <a:bodyPr/>
+                    <a:lstStyle/>
+                    <a:p>
+                      <a:pPr marL="0" marR="0">
+                        <a:spcBef>
+                          <a:spcPts val="0"/>
+                        </a:spcBef>
+                        <a:spcAft>
+                          <a:spcPts val="0"/>
+                        </a:spcAft>
+                      </a:pPr>
+                      <a:r>
+                        <a:rPr lang="en-US" sz="900">
+                          <a:effectLst/>
+                        </a:rPr>
+                        <a:t>$dam</a:t>
+                      </a:r>
+                      <a:endParaRPr lang="en-US" sz="900">
+                        <a:effectLst/>
+                        <a:latin typeface="Times New Roman" panose="02020603050405020304" pitchFamily="18" charset="0"/>
+                        <a:ea typeface="Times New Roman" panose="02020603050405020304" pitchFamily="18" charset="0"/>
+                      </a:endParaRPr>
+                    </a:p>
+                  </a:txBody>
+                  <a:tcPr marL="19980" marR="19980" marT="0" marB="0"/>
+                </a:tc>
+                <a:tc>
+                  <a:txBody>
+                    <a:bodyPr/>
+                    <a:lstStyle/>
+                    <a:p>
+                      <a:pPr marL="0" marR="0">
+                        <a:spcBef>
+                          <a:spcPts val="0"/>
+                        </a:spcBef>
+                        <a:spcAft>
+                          <a:spcPts val="0"/>
+                        </a:spcAft>
+                      </a:pPr>
+                      <a:r>
+                        <a:rPr lang="en-US" sz="900">
+                          <a:effectLst/>
+                        </a:rPr>
+                        <a:t>Data Access Metric</a:t>
+                      </a:r>
+                      <a:endParaRPr lang="en-US" sz="900">
+                        <a:effectLst/>
+                        <a:latin typeface="Times New Roman" panose="02020603050405020304" pitchFamily="18" charset="0"/>
+                        <a:ea typeface="Times New Roman" panose="02020603050405020304" pitchFamily="18" charset="0"/>
+                      </a:endParaRPr>
+                    </a:p>
+                  </a:txBody>
+                  <a:tcPr marL="19980" marR="19980" marT="0" marB="0"/>
+                </a:tc>
+                <a:tc>
+                  <a:txBody>
+                    <a:bodyPr/>
+                    <a:lstStyle/>
+                    <a:p>
+                      <a:pPr marL="0" marR="0">
+                        <a:spcBef>
+                          <a:spcPts val="0"/>
+                        </a:spcBef>
+                        <a:spcAft>
+                          <a:spcPts val="0"/>
+                        </a:spcAft>
+                      </a:pPr>
+                      <a:r>
+                        <a:rPr lang="en-US" sz="900" dirty="0">
+                          <a:effectLst/>
+                        </a:rPr>
+                        <a:t>This metric is the ratio of the number of private (protected) attributes to the total number of attributes declared in the class.</a:t>
+                      </a:r>
+                      <a:endParaRPr lang="en-US" sz="900" dirty="0">
+                        <a:effectLst/>
+                        <a:latin typeface="Times New Roman" panose="02020603050405020304" pitchFamily="18" charset="0"/>
+                        <a:ea typeface="Times New Roman" panose="02020603050405020304" pitchFamily="18" charset="0"/>
+                      </a:endParaRPr>
+                    </a:p>
+                  </a:txBody>
+                  <a:tcPr marL="19980" marR="19980" marT="0" marB="0"/>
+                </a:tc>
+                <a:extLst>
+                  <a:ext uri="{0D108BD9-81ED-4DB2-BD59-A6C34878D82A}">
+                    <a16:rowId xmlns:a16="http://schemas.microsoft.com/office/drawing/2014/main" val="427786177"/>
+                  </a:ext>
+                </a:extLst>
+              </a:tr>
+              <a:tr h="199935">
+                <a:tc>
+                  <a:txBody>
+                    <a:bodyPr/>
+                    <a:lstStyle/>
+                    <a:p>
+                      <a:pPr marL="0" marR="0">
+                        <a:spcBef>
+                          <a:spcPts val="0"/>
+                        </a:spcBef>
+                        <a:spcAft>
+                          <a:spcPts val="0"/>
+                        </a:spcAft>
+                      </a:pPr>
+                      <a:r>
+                        <a:rPr lang="en-US" sz="900" dirty="0">
+                          <a:effectLst/>
+                        </a:rPr>
+                        <a:t>$</a:t>
+                      </a:r>
+                      <a:r>
+                        <a:rPr lang="en-US" sz="900" dirty="0" err="1">
+                          <a:effectLst/>
+                        </a:rPr>
+                        <a:t>dit</a:t>
+                      </a:r>
+                      <a:endParaRPr lang="en-US" sz="900" dirty="0">
+                        <a:effectLst/>
+                        <a:latin typeface="Times New Roman" panose="02020603050405020304" pitchFamily="18" charset="0"/>
+                        <a:ea typeface="Times New Roman" panose="02020603050405020304" pitchFamily="18" charset="0"/>
+                      </a:endParaRPr>
+                    </a:p>
+                  </a:txBody>
+                  <a:tcPr marL="19980" marR="19980" marT="0" marB="0"/>
+                </a:tc>
+                <a:tc>
+                  <a:txBody>
+                    <a:bodyPr/>
+                    <a:lstStyle/>
+                    <a:p>
+                      <a:pPr marL="0" marR="0">
+                        <a:spcBef>
+                          <a:spcPts val="0"/>
+                        </a:spcBef>
+                        <a:spcAft>
+                          <a:spcPts val="0"/>
+                        </a:spcAft>
+                      </a:pPr>
+                      <a:r>
+                        <a:rPr lang="en-US" sz="900">
+                          <a:effectLst/>
+                        </a:rPr>
+                        <a:t>Depth of Inheritance Tree</a:t>
+                      </a:r>
+                      <a:endParaRPr lang="en-US" sz="900">
+                        <a:effectLst/>
+                        <a:latin typeface="Times New Roman" panose="02020603050405020304" pitchFamily="18" charset="0"/>
+                        <a:ea typeface="Times New Roman" panose="02020603050405020304" pitchFamily="18" charset="0"/>
+                      </a:endParaRPr>
+                    </a:p>
+                  </a:txBody>
+                  <a:tcPr marL="19980" marR="19980" marT="0" marB="0"/>
+                </a:tc>
+                <a:tc>
+                  <a:txBody>
+                    <a:bodyPr/>
+                    <a:lstStyle/>
+                    <a:p>
+                      <a:pPr marL="0" marR="0">
+                        <a:spcBef>
+                          <a:spcPts val="0"/>
+                        </a:spcBef>
+                        <a:spcAft>
+                          <a:spcPts val="0"/>
+                        </a:spcAft>
+                      </a:pPr>
+                      <a:r>
+                        <a:rPr lang="en-US" sz="900">
+                          <a:effectLst/>
+                        </a:rPr>
+                        <a:t>The DIT metric provides for each class a measure of the inheritance levels from the object hierarchy top.</a:t>
+                      </a:r>
+                      <a:endParaRPr lang="en-US" sz="900">
+                        <a:effectLst/>
+                        <a:latin typeface="Times New Roman" panose="02020603050405020304" pitchFamily="18" charset="0"/>
+                        <a:ea typeface="Times New Roman" panose="02020603050405020304" pitchFamily="18" charset="0"/>
+                      </a:endParaRPr>
+                    </a:p>
+                  </a:txBody>
+                  <a:tcPr marL="19980" marR="19980" marT="0" marB="0"/>
+                </a:tc>
+                <a:extLst>
+                  <a:ext uri="{0D108BD9-81ED-4DB2-BD59-A6C34878D82A}">
+                    <a16:rowId xmlns:a16="http://schemas.microsoft.com/office/drawing/2014/main" val="3962002302"/>
+                  </a:ext>
+                </a:extLst>
+              </a:tr>
+              <a:tr h="399870">
+                <a:tc>
+                  <a:txBody>
+                    <a:bodyPr/>
+                    <a:lstStyle/>
+                    <a:p>
+                      <a:pPr marL="0" marR="0">
+                        <a:spcBef>
+                          <a:spcPts val="0"/>
+                        </a:spcBef>
+                        <a:spcAft>
+                          <a:spcPts val="0"/>
+                        </a:spcAft>
+                      </a:pPr>
+                      <a:r>
+                        <a:rPr lang="en-US" sz="900" dirty="0">
+                          <a:effectLst/>
+                        </a:rPr>
+                        <a:t>$</a:t>
+                      </a:r>
+                      <a:r>
+                        <a:rPr lang="en-US" sz="900" dirty="0" err="1">
+                          <a:effectLst/>
+                        </a:rPr>
+                        <a:t>ic</a:t>
+                      </a:r>
+                      <a:endParaRPr lang="en-US" sz="900" dirty="0">
+                        <a:effectLst/>
+                        <a:latin typeface="Times New Roman" panose="02020603050405020304" pitchFamily="18" charset="0"/>
+                        <a:ea typeface="Times New Roman" panose="02020603050405020304" pitchFamily="18" charset="0"/>
+                      </a:endParaRPr>
+                    </a:p>
+                  </a:txBody>
+                  <a:tcPr marL="19980" marR="19980" marT="0" marB="0"/>
+                </a:tc>
+                <a:tc>
+                  <a:txBody>
+                    <a:bodyPr/>
+                    <a:lstStyle/>
+                    <a:p>
+                      <a:pPr marL="0" marR="0">
+                        <a:spcBef>
+                          <a:spcPts val="0"/>
+                        </a:spcBef>
+                        <a:spcAft>
+                          <a:spcPts val="0"/>
+                        </a:spcAft>
+                      </a:pPr>
+                      <a:r>
+                        <a:rPr lang="en-US" sz="900">
+                          <a:effectLst/>
+                        </a:rPr>
+                        <a:t>Inheritance Coupling </a:t>
+                      </a:r>
+                      <a:endParaRPr lang="en-US" sz="900">
+                        <a:effectLst/>
+                        <a:latin typeface="Times New Roman" panose="02020603050405020304" pitchFamily="18" charset="0"/>
+                        <a:ea typeface="Times New Roman" panose="02020603050405020304" pitchFamily="18" charset="0"/>
+                      </a:endParaRPr>
+                    </a:p>
+                  </a:txBody>
+                  <a:tcPr marL="19980" marR="19980" marT="0" marB="0"/>
+                </a:tc>
+                <a:tc>
+                  <a:txBody>
+                    <a:bodyPr/>
+                    <a:lstStyle/>
+                    <a:p>
+                      <a:pPr marL="0" marR="0">
+                        <a:spcBef>
+                          <a:spcPts val="0"/>
+                        </a:spcBef>
+                        <a:spcAft>
+                          <a:spcPts val="0"/>
+                        </a:spcAft>
+                      </a:pPr>
+                      <a:r>
+                        <a:rPr lang="en-US" sz="900" dirty="0">
+                          <a:effectLst/>
+                        </a:rPr>
+                        <a:t>This metric provides the number of parent classes to which a given class is coupled. A class is coupled to its parent class if one of its inherited methods functionally dependent </a:t>
+                      </a:r>
+                      <a:r>
+                        <a:rPr lang="en-US" sz="900" dirty="0" err="1">
+                          <a:effectLst/>
+                        </a:rPr>
+                        <a:t>onthe</a:t>
+                      </a:r>
+                      <a:r>
+                        <a:rPr lang="en-US" sz="900" dirty="0">
+                          <a:effectLst/>
+                        </a:rPr>
+                        <a:t> new or redefined methods in the class. </a:t>
+                      </a:r>
+                      <a:endParaRPr lang="en-US" sz="900" dirty="0">
+                        <a:effectLst/>
+                        <a:latin typeface="Times New Roman" panose="02020603050405020304" pitchFamily="18" charset="0"/>
+                        <a:ea typeface="Times New Roman" panose="02020603050405020304" pitchFamily="18" charset="0"/>
+                      </a:endParaRPr>
+                    </a:p>
+                  </a:txBody>
+                  <a:tcPr marL="19980" marR="19980" marT="0" marB="0"/>
+                </a:tc>
+                <a:extLst>
+                  <a:ext uri="{0D108BD9-81ED-4DB2-BD59-A6C34878D82A}">
+                    <a16:rowId xmlns:a16="http://schemas.microsoft.com/office/drawing/2014/main" val="2182886703"/>
+                  </a:ext>
+                </a:extLst>
+              </a:tr>
+            </a:tbl>
+          </a:graphicData>
+        </a:graphic>
+      </p:graphicFrame>
+    </p:spTree>
+    <p:extLst>
+      <p:ext uri="{BB962C8B-B14F-4D97-AF65-F5344CB8AC3E}">
+        <p14:creationId xmlns:p14="http://schemas.microsoft.com/office/powerpoint/2010/main" val="3814761120"/>
+      </p:ext>
+    </p:extLst>
+  </p:cSld>
+  <p:clrMapOvr>
+    <a:masterClrMapping/>
+  </p:clrMapOvr>
+</p:sld>
+</file>
+
+<file path=ppt/slides/slide27.xml><?xml version="1.0" encoding="utf-8"?>
+<p:sld xmlns:a="http://schemas.openxmlformats.org/drawingml/2006/main" xmlns:r="http://schemas.openxmlformats.org/officeDocument/2006/relationships" xmlns:p="http://schemas.openxmlformats.org/presentationml/2006/main">
+  <p:cSld>
+    <p:spTree>
+      <p:nvGrpSpPr>
+        <p:cNvPr id="1" name=""/>
+        <p:cNvGrpSpPr/>
+        <p:nvPr/>
+      </p:nvGrpSpPr>
+      <p:grpSpPr>
+        <a:xfrm>
+          <a:off x="0" y="0"/>
+          <a:ext cx="0" cy="0"/>
+          <a:chOff x="0" y="0"/>
+          <a:chExt cx="0" cy="0"/>
+        </a:xfrm>
+      </p:grpSpPr>
+      <p:sp>
+        <p:nvSpPr>
+          <p:cNvPr id="4" name="Date Placeholder 3">
+            <a:extLst>
+              <a:ext uri="{FF2B5EF4-FFF2-40B4-BE49-F238E27FC236}">
+                <a16:creationId xmlns:a16="http://schemas.microsoft.com/office/drawing/2014/main" id="{196B0D47-1590-42D3-B59F-39E7B03E359D}"/>
+              </a:ext>
+            </a:extLst>
+          </p:cNvPr>
+          <p:cNvSpPr>
+            <a:spLocks noGrp="1"/>
+          </p:cNvSpPr>
+          <p:nvPr>
+            <p:ph type="dt" idx="10"/>
+          </p:nvPr>
+        </p:nvSpPr>
+        <p:spPr/>
+        <p:txBody>
+          <a:bodyPr/>
+          <a:lstStyle/>
+          <a:p>
+            <a:fld id="{820E7DF1-5434-4D59-8F92-96DB76BF4828}" type="datetime1">
+              <a:rPr lang="en-US" smtClean="0"/>
+              <a:t>3/27/2019</a:t>
+            </a:fld>
+            <a:endParaRPr lang="en-US"/>
+          </a:p>
+        </p:txBody>
+      </p:sp>
+      <p:sp>
+        <p:nvSpPr>
+          <p:cNvPr id="6" name="Slide Number Placeholder 5">
+            <a:extLst>
+              <a:ext uri="{FF2B5EF4-FFF2-40B4-BE49-F238E27FC236}">
+                <a16:creationId xmlns:a16="http://schemas.microsoft.com/office/drawing/2014/main" id="{57348917-413B-48F6-8CA4-8F81643C2041}"/>
+              </a:ext>
+            </a:extLst>
+          </p:cNvPr>
+          <p:cNvSpPr>
+            <a:spLocks noGrp="1"/>
+          </p:cNvSpPr>
+          <p:nvPr>
+            <p:ph type="sldNum" idx="12"/>
+          </p:nvPr>
+        </p:nvSpPr>
+        <p:spPr/>
+        <p:txBody>
+          <a:bodyPr/>
+          <a:lstStyle/>
+          <a:p>
+            <a:pPr marL="0" lvl="0" indent="0" algn="r" rtl="0">
+              <a:spcBef>
+                <a:spcPts val="0"/>
+              </a:spcBef>
+              <a:spcAft>
+                <a:spcPts val="0"/>
+              </a:spcAft>
+              <a:buNone/>
+            </a:pPr>
+            <a:fld id="{00000000-1234-1234-1234-123412341234}" type="slidenum">
+              <a:rPr lang="en" smtClean="0"/>
+              <a:t>27</a:t>
+            </a:fld>
+            <a:endParaRPr lang="en"/>
+          </a:p>
+        </p:txBody>
+      </p:sp>
+      <p:graphicFrame>
+        <p:nvGraphicFramePr>
+          <p:cNvPr id="5" name="Table 4">
+            <a:extLst>
+              <a:ext uri="{FF2B5EF4-FFF2-40B4-BE49-F238E27FC236}">
+                <a16:creationId xmlns:a16="http://schemas.microsoft.com/office/drawing/2014/main" id="{29BAC831-BB51-4D0B-A140-9CCC82EED55B}"/>
+              </a:ext>
+            </a:extLst>
+          </p:cNvPr>
+          <p:cNvGraphicFramePr>
+            <a:graphicFrameLocks noGrp="1"/>
+          </p:cNvGraphicFramePr>
+          <p:nvPr>
+            <p:extLst>
+              <p:ext uri="{D42A27DB-BD31-4B8C-83A1-F6EECF244321}">
+                <p14:modId xmlns:p14="http://schemas.microsoft.com/office/powerpoint/2010/main" val="112055724"/>
+              </p:ext>
+            </p:extLst>
+          </p:nvPr>
+        </p:nvGraphicFramePr>
+        <p:xfrm>
+          <a:off x="457200" y="1883570"/>
+          <a:ext cx="8309728" cy="4227384"/>
+        </p:xfrm>
+        <a:graphic>
+          <a:graphicData uri="http://schemas.openxmlformats.org/drawingml/2006/table">
+            <a:tbl>
+              <a:tblPr firstRow="1" firstCol="1" bandRow="1">
+                <a:tableStyleId>{F5AB1C69-6EDB-4FF4-983F-18BD219EF322}</a:tableStyleId>
+              </a:tblPr>
+              <a:tblGrid>
+                <a:gridCol w="955396">
+                  <a:extLst>
+                    <a:ext uri="{9D8B030D-6E8A-4147-A177-3AD203B41FA5}">
+                      <a16:colId xmlns:a16="http://schemas.microsoft.com/office/drawing/2014/main" val="4108990265"/>
+                    </a:ext>
+                  </a:extLst>
+                </a:gridCol>
+                <a:gridCol w="2639559">
+                  <a:extLst>
+                    <a:ext uri="{9D8B030D-6E8A-4147-A177-3AD203B41FA5}">
+                      <a16:colId xmlns:a16="http://schemas.microsoft.com/office/drawing/2014/main" val="143464036"/>
+                    </a:ext>
+                  </a:extLst>
+                </a:gridCol>
+                <a:gridCol w="4714773">
+                  <a:extLst>
+                    <a:ext uri="{9D8B030D-6E8A-4147-A177-3AD203B41FA5}">
+                      <a16:colId xmlns:a16="http://schemas.microsoft.com/office/drawing/2014/main" val="285986670"/>
+                    </a:ext>
+                  </a:extLst>
+                </a:gridCol>
+              </a:tblGrid>
+              <a:tr h="422997">
+                <a:tc>
+                  <a:txBody>
+                    <a:bodyPr/>
+                    <a:lstStyle/>
+                    <a:p>
+                      <a:pPr marL="0" marR="0" algn="ctr">
+                        <a:spcBef>
+                          <a:spcPts val="0"/>
+                        </a:spcBef>
+                        <a:spcAft>
+                          <a:spcPts val="0"/>
+                        </a:spcAft>
+                      </a:pPr>
+                      <a:r>
+                        <a:rPr lang="en-US" sz="900" dirty="0">
+                          <a:effectLst/>
+                        </a:rPr>
+                        <a:t>Metric Notation</a:t>
+                      </a:r>
+                      <a:endParaRPr lang="en-US" sz="900" dirty="0">
+                        <a:effectLst/>
+                        <a:latin typeface="Times New Roman" panose="02020603050405020304" pitchFamily="18" charset="0"/>
+                        <a:ea typeface="Times New Roman" panose="02020603050405020304" pitchFamily="18" charset="0"/>
+                      </a:endParaRPr>
+                    </a:p>
+                  </a:txBody>
+                  <a:tcPr marL="19980" marR="19980" marT="0" marB="0"/>
+                </a:tc>
+                <a:tc>
+                  <a:txBody>
+                    <a:bodyPr/>
+                    <a:lstStyle/>
+                    <a:p>
+                      <a:pPr marL="0" marR="0" algn="ctr">
+                        <a:spcBef>
+                          <a:spcPts val="0"/>
+                        </a:spcBef>
+                        <a:spcAft>
+                          <a:spcPts val="0"/>
+                        </a:spcAft>
+                      </a:pPr>
+                      <a:r>
+                        <a:rPr lang="en-US" sz="900">
+                          <a:effectLst/>
+                        </a:rPr>
+                        <a:t>Metric Name</a:t>
+                      </a:r>
+                      <a:endParaRPr lang="en-US" sz="900">
+                        <a:effectLst/>
+                        <a:latin typeface="Times New Roman" panose="02020603050405020304" pitchFamily="18" charset="0"/>
+                        <a:ea typeface="Times New Roman" panose="02020603050405020304" pitchFamily="18" charset="0"/>
+                      </a:endParaRPr>
+                    </a:p>
+                  </a:txBody>
+                  <a:tcPr marL="19980" marR="19980" marT="0" marB="0"/>
+                </a:tc>
+                <a:tc>
+                  <a:txBody>
+                    <a:bodyPr/>
+                    <a:lstStyle/>
+                    <a:p>
+                      <a:pPr marL="0" marR="0" algn="ctr">
+                        <a:spcBef>
+                          <a:spcPts val="0"/>
+                        </a:spcBef>
+                        <a:spcAft>
+                          <a:spcPts val="0"/>
+                        </a:spcAft>
+                      </a:pPr>
+                      <a:r>
+                        <a:rPr lang="en-US" sz="900" dirty="0">
+                          <a:effectLst/>
+                        </a:rPr>
+                        <a:t>Metric Description</a:t>
+                      </a:r>
+                      <a:endParaRPr lang="en-US" sz="900" dirty="0">
+                        <a:effectLst/>
+                        <a:latin typeface="Times New Roman" panose="02020603050405020304" pitchFamily="18" charset="0"/>
+                        <a:ea typeface="Times New Roman" panose="02020603050405020304" pitchFamily="18" charset="0"/>
+                      </a:endParaRPr>
+                    </a:p>
+                  </a:txBody>
+                  <a:tcPr marL="19980" marR="19980" marT="0" marB="0"/>
+                </a:tc>
+                <a:extLst>
+                  <a:ext uri="{0D108BD9-81ED-4DB2-BD59-A6C34878D82A}">
+                    <a16:rowId xmlns:a16="http://schemas.microsoft.com/office/drawing/2014/main" val="2778049535"/>
+                  </a:ext>
+                </a:extLst>
+              </a:tr>
+              <a:tr h="422997">
+                <a:tc>
+                  <a:txBody>
+                    <a:bodyPr/>
+                    <a:lstStyle/>
+                    <a:p>
+                      <a:pPr marL="0" marR="0">
+                        <a:spcBef>
+                          <a:spcPts val="0"/>
+                        </a:spcBef>
+                        <a:spcAft>
+                          <a:spcPts val="0"/>
+                        </a:spcAft>
+                      </a:pPr>
+                      <a:r>
+                        <a:rPr lang="en-US" sz="900" dirty="0">
+                          <a:effectLst/>
+                        </a:rPr>
+                        <a:t>$</a:t>
+                      </a:r>
+                      <a:r>
+                        <a:rPr lang="en-US" sz="900" dirty="0" err="1">
+                          <a:effectLst/>
+                        </a:rPr>
+                        <a:t>lcom</a:t>
+                      </a:r>
+                      <a:endParaRPr lang="en-US" sz="900" dirty="0">
+                        <a:effectLst/>
+                        <a:latin typeface="Times New Roman" panose="02020603050405020304" pitchFamily="18" charset="0"/>
+                        <a:ea typeface="Times New Roman" panose="02020603050405020304" pitchFamily="18" charset="0"/>
+                      </a:endParaRPr>
+                    </a:p>
+                  </a:txBody>
+                  <a:tcPr marL="19980" marR="19980" marT="0" marB="0"/>
+                </a:tc>
+                <a:tc>
+                  <a:txBody>
+                    <a:bodyPr/>
+                    <a:lstStyle/>
+                    <a:p>
+                      <a:pPr marL="0" marR="0">
+                        <a:spcBef>
+                          <a:spcPts val="0"/>
+                        </a:spcBef>
+                        <a:spcAft>
+                          <a:spcPts val="0"/>
+                        </a:spcAft>
+                      </a:pPr>
+                      <a:r>
+                        <a:rPr lang="en-US" sz="900" dirty="0">
+                          <a:effectLst/>
+                        </a:rPr>
+                        <a:t>Lack of cohesion in methods</a:t>
+                      </a:r>
+                      <a:endParaRPr lang="en-US" sz="900" dirty="0">
+                        <a:effectLst/>
+                        <a:latin typeface="Times New Roman" panose="02020603050405020304" pitchFamily="18" charset="0"/>
+                        <a:ea typeface="Times New Roman" panose="02020603050405020304" pitchFamily="18" charset="0"/>
+                      </a:endParaRPr>
+                    </a:p>
+                  </a:txBody>
+                  <a:tcPr marL="19980" marR="19980" marT="0" marB="0"/>
+                </a:tc>
+                <a:tc>
+                  <a:txBody>
+                    <a:bodyPr/>
+                    <a:lstStyle/>
+                    <a:p>
+                      <a:pPr marL="0" marR="0">
+                        <a:spcBef>
+                          <a:spcPts val="0"/>
+                        </a:spcBef>
+                        <a:spcAft>
+                          <a:spcPts val="0"/>
+                        </a:spcAft>
+                      </a:pPr>
+                      <a:r>
+                        <a:rPr lang="en-US" sz="900" dirty="0">
+                          <a:effectLst/>
+                        </a:rPr>
+                        <a:t>The LCOM metric counts the sets of methods in a class that are not related through the sharing of some of the class fields.</a:t>
+                      </a:r>
+                      <a:endParaRPr lang="en-US" sz="900" dirty="0">
+                        <a:effectLst/>
+                        <a:latin typeface="Times New Roman" panose="02020603050405020304" pitchFamily="18" charset="0"/>
+                        <a:ea typeface="Times New Roman" panose="02020603050405020304" pitchFamily="18" charset="0"/>
+                      </a:endParaRPr>
+                    </a:p>
+                  </a:txBody>
+                  <a:tcPr marL="19980" marR="19980" marT="0" marB="0"/>
+                </a:tc>
+                <a:extLst>
+                  <a:ext uri="{0D108BD9-81ED-4DB2-BD59-A6C34878D82A}">
+                    <a16:rowId xmlns:a16="http://schemas.microsoft.com/office/drawing/2014/main" val="1500722209"/>
+                  </a:ext>
+                </a:extLst>
+              </a:tr>
+              <a:tr h="864294">
+                <a:tc>
+                  <a:txBody>
+                    <a:bodyPr/>
+                    <a:lstStyle/>
+                    <a:p>
+                      <a:pPr marL="0" marR="0">
+                        <a:spcBef>
+                          <a:spcPts val="0"/>
+                        </a:spcBef>
+                        <a:spcAft>
+                          <a:spcPts val="0"/>
+                        </a:spcAft>
+                      </a:pPr>
+                      <a:r>
+                        <a:rPr lang="en-US" sz="900" dirty="0">
+                          <a:effectLst/>
+                        </a:rPr>
+                        <a:t>$lcom3</a:t>
+                      </a:r>
+                      <a:endParaRPr lang="en-US" sz="900" dirty="0">
+                        <a:effectLst/>
+                        <a:latin typeface="Times New Roman" panose="02020603050405020304" pitchFamily="18" charset="0"/>
+                        <a:ea typeface="Times New Roman" panose="02020603050405020304" pitchFamily="18" charset="0"/>
+                      </a:endParaRPr>
+                    </a:p>
+                  </a:txBody>
+                  <a:tcPr marL="19980" marR="19980" marT="0" marB="0"/>
+                </a:tc>
+                <a:tc>
+                  <a:txBody>
+                    <a:bodyPr/>
+                    <a:lstStyle/>
+                    <a:p>
+                      <a:pPr marL="0" marR="0">
+                        <a:spcBef>
+                          <a:spcPts val="0"/>
+                        </a:spcBef>
+                        <a:spcAft>
+                          <a:spcPts val="0"/>
+                        </a:spcAft>
+                      </a:pPr>
+                      <a:r>
+                        <a:rPr lang="en-US" sz="900">
+                          <a:effectLst/>
+                        </a:rPr>
+                        <a:t>Lack of cohesion in methods</a:t>
+                      </a:r>
+                      <a:endParaRPr lang="en-US" sz="900">
+                        <a:effectLst/>
+                        <a:latin typeface="Times New Roman" panose="02020603050405020304" pitchFamily="18" charset="0"/>
+                        <a:ea typeface="Times New Roman" panose="02020603050405020304" pitchFamily="18" charset="0"/>
+                      </a:endParaRPr>
+                    </a:p>
+                  </a:txBody>
+                  <a:tcPr marL="19980" marR="19980" marT="0" marB="0"/>
+                </a:tc>
+                <a:tc>
+                  <a:txBody>
+                    <a:bodyPr/>
+                    <a:lstStyle/>
+                    <a:p>
+                      <a:pPr marL="0" marR="0">
+                        <a:spcBef>
+                          <a:spcPts val="0"/>
+                        </a:spcBef>
+                        <a:spcAft>
+                          <a:spcPts val="0"/>
+                        </a:spcAft>
+                      </a:pPr>
+                      <a:r>
+                        <a:rPr lang="en-US" sz="900">
+                          <a:effectLst/>
+                        </a:rPr>
+                        <a:t>A low value of LCOM2 or LCOM3 indicates high cohesion and a well-designed class. It is likely that the system has good class subdivision implying simplicity and high reusability. A cohesive class will tend to provide a high degree of encapsulation. A higher value of LCOM2 or LCOM3 indicates decreased encapsulation and increased complexity, thereby increasing the likelihood of errors.</a:t>
+                      </a:r>
+                      <a:endParaRPr lang="en-US" sz="900">
+                        <a:effectLst/>
+                        <a:latin typeface="Times New Roman" panose="02020603050405020304" pitchFamily="18" charset="0"/>
+                        <a:ea typeface="Times New Roman" panose="02020603050405020304" pitchFamily="18" charset="0"/>
+                      </a:endParaRPr>
+                    </a:p>
+                  </a:txBody>
+                  <a:tcPr marL="19980" marR="19980" marT="0" marB="0"/>
+                </a:tc>
+                <a:extLst>
+                  <a:ext uri="{0D108BD9-81ED-4DB2-BD59-A6C34878D82A}">
+                    <a16:rowId xmlns:a16="http://schemas.microsoft.com/office/drawing/2014/main" val="289553784"/>
+                  </a:ext>
+                </a:extLst>
+              </a:tr>
+              <a:tr h="224493">
+                <a:tc>
+                  <a:txBody>
+                    <a:bodyPr/>
+                    <a:lstStyle/>
+                    <a:p>
+                      <a:pPr marL="0" marR="0">
+                        <a:spcBef>
+                          <a:spcPts val="0"/>
+                        </a:spcBef>
+                        <a:spcAft>
+                          <a:spcPts val="0"/>
+                        </a:spcAft>
+                      </a:pPr>
+                      <a:r>
+                        <a:rPr lang="en-US" sz="900" dirty="0">
+                          <a:effectLst/>
+                        </a:rPr>
+                        <a:t>$loc</a:t>
+                      </a:r>
+                      <a:endParaRPr lang="en-US" sz="900" dirty="0">
+                        <a:effectLst/>
+                        <a:latin typeface="Times New Roman" panose="02020603050405020304" pitchFamily="18" charset="0"/>
+                        <a:ea typeface="Times New Roman" panose="02020603050405020304" pitchFamily="18" charset="0"/>
+                      </a:endParaRPr>
+                    </a:p>
+                  </a:txBody>
+                  <a:tcPr marL="19980" marR="19980" marT="0" marB="0"/>
+                </a:tc>
+                <a:tc>
+                  <a:txBody>
+                    <a:bodyPr/>
+                    <a:lstStyle/>
+                    <a:p>
+                      <a:pPr marL="0" marR="0">
+                        <a:spcBef>
+                          <a:spcPts val="0"/>
+                        </a:spcBef>
+                        <a:spcAft>
+                          <a:spcPts val="0"/>
+                        </a:spcAft>
+                      </a:pPr>
+                      <a:r>
+                        <a:rPr lang="en-US" sz="900" dirty="0">
+                          <a:effectLst/>
+                        </a:rPr>
+                        <a:t>Lines of Code</a:t>
+                      </a:r>
+                      <a:endParaRPr lang="en-US" sz="900" dirty="0">
+                        <a:effectLst/>
+                        <a:latin typeface="Times New Roman" panose="02020603050405020304" pitchFamily="18" charset="0"/>
+                        <a:ea typeface="Times New Roman" panose="02020603050405020304" pitchFamily="18" charset="0"/>
+                      </a:endParaRPr>
+                    </a:p>
+                  </a:txBody>
+                  <a:tcPr marL="19980" marR="19980" marT="0" marB="0"/>
+                </a:tc>
+                <a:tc>
+                  <a:txBody>
+                    <a:bodyPr/>
+                    <a:lstStyle/>
+                    <a:p>
+                      <a:pPr marL="0" marR="0">
+                        <a:spcBef>
+                          <a:spcPts val="0"/>
+                        </a:spcBef>
+                        <a:spcAft>
+                          <a:spcPts val="0"/>
+                        </a:spcAft>
+                      </a:pPr>
+                      <a:r>
+                        <a:rPr lang="en-US" sz="900">
+                          <a:effectLst/>
+                        </a:rPr>
+                        <a:t>The LOC metric calculates the number of lines of code in the Java binary code of the class under investigation.</a:t>
+                      </a:r>
+                      <a:endParaRPr lang="en-US" sz="900">
+                        <a:effectLst/>
+                        <a:latin typeface="Times New Roman" panose="02020603050405020304" pitchFamily="18" charset="0"/>
+                        <a:ea typeface="Times New Roman" panose="02020603050405020304" pitchFamily="18" charset="0"/>
+                      </a:endParaRPr>
+                    </a:p>
+                  </a:txBody>
+                  <a:tcPr marL="19980" marR="19980" marT="0" marB="0"/>
+                </a:tc>
+                <a:extLst>
+                  <a:ext uri="{0D108BD9-81ED-4DB2-BD59-A6C34878D82A}">
+                    <a16:rowId xmlns:a16="http://schemas.microsoft.com/office/drawing/2014/main" val="545586443"/>
+                  </a:ext>
+                </a:extLst>
+              </a:tr>
+              <a:tr h="224493">
+                <a:tc>
+                  <a:txBody>
+                    <a:bodyPr/>
+                    <a:lstStyle/>
+                    <a:p>
+                      <a:pPr marL="0" marR="0">
+                        <a:spcBef>
+                          <a:spcPts val="0"/>
+                        </a:spcBef>
+                        <a:spcAft>
+                          <a:spcPts val="0"/>
+                        </a:spcAft>
+                      </a:pPr>
+                      <a:r>
+                        <a:rPr lang="en-US" sz="900" dirty="0">
+                          <a:effectLst/>
+                        </a:rPr>
+                        <a:t>$</a:t>
+                      </a:r>
+                      <a:r>
+                        <a:rPr lang="en-US" sz="900" dirty="0" err="1">
+                          <a:effectLst/>
+                        </a:rPr>
+                        <a:t>max_cc</a:t>
+                      </a:r>
+                      <a:endParaRPr lang="en-US" sz="900" dirty="0">
+                        <a:effectLst/>
+                        <a:latin typeface="Times New Roman" panose="02020603050405020304" pitchFamily="18" charset="0"/>
+                        <a:ea typeface="Times New Roman" panose="02020603050405020304" pitchFamily="18" charset="0"/>
+                      </a:endParaRPr>
+                    </a:p>
+                  </a:txBody>
+                  <a:tcPr marL="19980" marR="19980" marT="0" marB="0"/>
+                </a:tc>
+                <a:tc>
+                  <a:txBody>
+                    <a:bodyPr/>
+                    <a:lstStyle/>
+                    <a:p>
+                      <a:pPr marL="0" marR="0">
+                        <a:spcBef>
+                          <a:spcPts val="0"/>
+                        </a:spcBef>
+                        <a:spcAft>
+                          <a:spcPts val="0"/>
+                        </a:spcAft>
+                      </a:pPr>
+                      <a:r>
+                        <a:rPr lang="en-US" sz="900">
+                          <a:effectLst/>
+                        </a:rPr>
+                        <a:t>Maximum value of CC</a:t>
+                      </a:r>
+                      <a:endParaRPr lang="en-US" sz="900">
+                        <a:effectLst/>
+                        <a:latin typeface="Times New Roman" panose="02020603050405020304" pitchFamily="18" charset="0"/>
+                        <a:ea typeface="Times New Roman" panose="02020603050405020304" pitchFamily="18" charset="0"/>
+                      </a:endParaRPr>
+                    </a:p>
+                  </a:txBody>
+                  <a:tcPr marL="19980" marR="19980" marT="0" marB="0"/>
+                </a:tc>
+                <a:tc>
+                  <a:txBody>
+                    <a:bodyPr/>
+                    <a:lstStyle/>
+                    <a:p>
+                      <a:pPr marL="0" marR="0">
+                        <a:spcBef>
+                          <a:spcPts val="0"/>
+                        </a:spcBef>
+                        <a:spcAft>
+                          <a:spcPts val="0"/>
+                        </a:spcAft>
+                      </a:pPr>
+                      <a:r>
+                        <a:rPr lang="en-US" sz="900">
+                          <a:effectLst/>
+                        </a:rPr>
+                        <a:t>The greatest value of CC among methods of the investigated class.</a:t>
+                      </a:r>
+                      <a:endParaRPr lang="en-US" sz="900">
+                        <a:effectLst/>
+                        <a:latin typeface="Times New Roman" panose="02020603050405020304" pitchFamily="18" charset="0"/>
+                        <a:ea typeface="Times New Roman" panose="02020603050405020304" pitchFamily="18" charset="0"/>
+                      </a:endParaRPr>
+                    </a:p>
+                  </a:txBody>
+                  <a:tcPr marL="19980" marR="19980" marT="0" marB="0"/>
+                </a:tc>
+                <a:extLst>
+                  <a:ext uri="{0D108BD9-81ED-4DB2-BD59-A6C34878D82A}">
+                    <a16:rowId xmlns:a16="http://schemas.microsoft.com/office/drawing/2014/main" val="1606406541"/>
+                  </a:ext>
+                </a:extLst>
+              </a:tr>
+              <a:tr h="422997">
+                <a:tc>
+                  <a:txBody>
+                    <a:bodyPr/>
+                    <a:lstStyle/>
+                    <a:p>
+                      <a:pPr marL="0" marR="0">
+                        <a:spcBef>
+                          <a:spcPts val="0"/>
+                        </a:spcBef>
+                        <a:spcAft>
+                          <a:spcPts val="0"/>
+                        </a:spcAft>
+                      </a:pPr>
+                      <a:r>
+                        <a:rPr lang="en-US" sz="900" dirty="0">
+                          <a:effectLst/>
+                        </a:rPr>
+                        <a:t>$</a:t>
+                      </a:r>
+                      <a:r>
+                        <a:rPr lang="en-US" sz="900" dirty="0" err="1">
+                          <a:effectLst/>
+                        </a:rPr>
+                        <a:t>mfa</a:t>
+                      </a:r>
+                      <a:endParaRPr lang="en-US" sz="900" dirty="0">
+                        <a:effectLst/>
+                        <a:latin typeface="Times New Roman" panose="02020603050405020304" pitchFamily="18" charset="0"/>
+                        <a:ea typeface="Times New Roman" panose="02020603050405020304" pitchFamily="18" charset="0"/>
+                      </a:endParaRPr>
+                    </a:p>
+                  </a:txBody>
+                  <a:tcPr marL="19980" marR="19980" marT="0" marB="0"/>
+                </a:tc>
+                <a:tc>
+                  <a:txBody>
+                    <a:bodyPr/>
+                    <a:lstStyle/>
+                    <a:p>
+                      <a:pPr marL="0" marR="0">
+                        <a:spcBef>
+                          <a:spcPts val="0"/>
+                        </a:spcBef>
+                        <a:spcAft>
+                          <a:spcPts val="0"/>
+                        </a:spcAft>
+                      </a:pPr>
+                      <a:r>
+                        <a:rPr lang="en-US" sz="900">
+                          <a:effectLst/>
+                        </a:rPr>
+                        <a:t>Measure of Functional Abstraction</a:t>
+                      </a:r>
+                      <a:endParaRPr lang="en-US" sz="900">
+                        <a:effectLst/>
+                        <a:latin typeface="Times New Roman" panose="02020603050405020304" pitchFamily="18" charset="0"/>
+                        <a:ea typeface="Times New Roman" panose="02020603050405020304" pitchFamily="18" charset="0"/>
+                      </a:endParaRPr>
+                    </a:p>
+                  </a:txBody>
+                  <a:tcPr marL="19980" marR="19980" marT="0" marB="0"/>
+                </a:tc>
+                <a:tc>
+                  <a:txBody>
+                    <a:bodyPr/>
+                    <a:lstStyle/>
+                    <a:p>
+                      <a:pPr marL="0" marR="0">
+                        <a:spcBef>
+                          <a:spcPts val="0"/>
+                        </a:spcBef>
+                        <a:spcAft>
+                          <a:spcPts val="0"/>
+                        </a:spcAft>
+                      </a:pPr>
+                      <a:r>
+                        <a:rPr lang="en-US" sz="900">
+                          <a:effectLst/>
+                        </a:rPr>
+                        <a:t>This metric is the ratio of the number of methods inherited by a class to the total number of methods accessible by the member methods of the class.</a:t>
+                      </a:r>
+                      <a:endParaRPr lang="en-US" sz="900">
+                        <a:effectLst/>
+                        <a:latin typeface="Times New Roman" panose="02020603050405020304" pitchFamily="18" charset="0"/>
+                        <a:ea typeface="Times New Roman" panose="02020603050405020304" pitchFamily="18" charset="0"/>
+                      </a:endParaRPr>
+                    </a:p>
+                  </a:txBody>
+                  <a:tcPr marL="19980" marR="19980" marT="0" marB="0"/>
+                </a:tc>
+                <a:extLst>
+                  <a:ext uri="{0D108BD9-81ED-4DB2-BD59-A6C34878D82A}">
+                    <a16:rowId xmlns:a16="http://schemas.microsoft.com/office/drawing/2014/main" val="4162239326"/>
+                  </a:ext>
+                </a:extLst>
+              </a:tr>
+              <a:tr h="448983">
+                <a:tc>
+                  <a:txBody>
+                    <a:bodyPr/>
+                    <a:lstStyle/>
+                    <a:p>
+                      <a:pPr marL="0" marR="0">
+                        <a:spcBef>
+                          <a:spcPts val="0"/>
+                        </a:spcBef>
+                        <a:spcAft>
+                          <a:spcPts val="0"/>
+                        </a:spcAft>
+                      </a:pPr>
+                      <a:r>
+                        <a:rPr lang="en-US" sz="900" dirty="0">
+                          <a:effectLst/>
+                        </a:rPr>
+                        <a:t>$moa</a:t>
+                      </a:r>
+                      <a:endParaRPr lang="en-US" sz="900" dirty="0">
+                        <a:effectLst/>
+                        <a:latin typeface="Times New Roman" panose="02020603050405020304" pitchFamily="18" charset="0"/>
+                        <a:ea typeface="Times New Roman" panose="02020603050405020304" pitchFamily="18" charset="0"/>
+                      </a:endParaRPr>
+                    </a:p>
+                  </a:txBody>
+                  <a:tcPr marL="19980" marR="19980" marT="0" marB="0"/>
+                </a:tc>
+                <a:tc>
+                  <a:txBody>
+                    <a:bodyPr/>
+                    <a:lstStyle/>
+                    <a:p>
+                      <a:pPr marL="0" marR="0">
+                        <a:spcBef>
+                          <a:spcPts val="0"/>
+                        </a:spcBef>
+                        <a:spcAft>
+                          <a:spcPts val="0"/>
+                        </a:spcAft>
+                      </a:pPr>
+                      <a:r>
+                        <a:rPr lang="en-US" sz="900">
+                          <a:effectLst/>
+                        </a:rPr>
+                        <a:t>Measure of Aggregation</a:t>
+                      </a:r>
+                      <a:endParaRPr lang="en-US" sz="900">
+                        <a:effectLst/>
+                        <a:latin typeface="Times New Roman" panose="02020603050405020304" pitchFamily="18" charset="0"/>
+                        <a:ea typeface="Times New Roman" panose="02020603050405020304" pitchFamily="18" charset="0"/>
+                      </a:endParaRPr>
+                    </a:p>
+                  </a:txBody>
+                  <a:tcPr marL="19980" marR="19980" marT="0" marB="0"/>
+                </a:tc>
+                <a:tc>
+                  <a:txBody>
+                    <a:bodyPr/>
+                    <a:lstStyle/>
+                    <a:p>
+                      <a:pPr marL="0" marR="0">
+                        <a:spcBef>
+                          <a:spcPts val="0"/>
+                        </a:spcBef>
+                        <a:spcAft>
+                          <a:spcPts val="0"/>
+                        </a:spcAft>
+                      </a:pPr>
+                      <a:r>
+                        <a:rPr lang="en-US" sz="900">
+                          <a:effectLst/>
+                        </a:rPr>
+                        <a:t>This metric measures the extent of the part-whole relationship, realized by using attributes. The metric is a count of the number of class fields whose types are user defined classes.</a:t>
+                      </a:r>
+                      <a:endParaRPr lang="en-US" sz="900">
+                        <a:effectLst/>
+                        <a:latin typeface="Times New Roman" panose="02020603050405020304" pitchFamily="18" charset="0"/>
+                        <a:ea typeface="Times New Roman" panose="02020603050405020304" pitchFamily="18" charset="0"/>
+                      </a:endParaRPr>
+                    </a:p>
+                  </a:txBody>
+                  <a:tcPr marL="19980" marR="19980" marT="0" marB="0"/>
+                </a:tc>
+                <a:extLst>
+                  <a:ext uri="{0D108BD9-81ED-4DB2-BD59-A6C34878D82A}">
+                    <a16:rowId xmlns:a16="http://schemas.microsoft.com/office/drawing/2014/main" val="800664299"/>
+                  </a:ext>
+                </a:extLst>
+              </a:tr>
+              <a:tr h="224493">
+                <a:tc>
+                  <a:txBody>
+                    <a:bodyPr/>
+                    <a:lstStyle/>
+                    <a:p>
+                      <a:pPr marL="0" marR="0">
+                        <a:spcBef>
+                          <a:spcPts val="0"/>
+                        </a:spcBef>
+                        <a:spcAft>
+                          <a:spcPts val="0"/>
+                        </a:spcAft>
+                      </a:pPr>
+                      <a:r>
+                        <a:rPr lang="en-US" sz="900" dirty="0">
+                          <a:effectLst/>
+                        </a:rPr>
+                        <a:t>$</a:t>
+                      </a:r>
+                      <a:r>
+                        <a:rPr lang="en-US" sz="900" dirty="0" err="1">
+                          <a:effectLst/>
+                        </a:rPr>
+                        <a:t>noc</a:t>
+                      </a:r>
+                      <a:endParaRPr lang="en-US" sz="900" dirty="0">
+                        <a:effectLst/>
+                        <a:latin typeface="Times New Roman" panose="02020603050405020304" pitchFamily="18" charset="0"/>
+                        <a:ea typeface="Times New Roman" panose="02020603050405020304" pitchFamily="18" charset="0"/>
+                      </a:endParaRPr>
+                    </a:p>
+                  </a:txBody>
+                  <a:tcPr marL="19980" marR="19980" marT="0" marB="0"/>
+                </a:tc>
+                <a:tc>
+                  <a:txBody>
+                    <a:bodyPr/>
+                    <a:lstStyle/>
+                    <a:p>
+                      <a:pPr marL="0" marR="0">
+                        <a:spcBef>
+                          <a:spcPts val="0"/>
+                        </a:spcBef>
+                        <a:spcAft>
+                          <a:spcPts val="0"/>
+                        </a:spcAft>
+                      </a:pPr>
+                      <a:r>
+                        <a:rPr lang="en-US" sz="900">
+                          <a:effectLst/>
+                        </a:rPr>
+                        <a:t>Number of Children</a:t>
+                      </a:r>
+                      <a:endParaRPr lang="en-US" sz="900">
+                        <a:effectLst/>
+                        <a:latin typeface="Times New Roman" panose="02020603050405020304" pitchFamily="18" charset="0"/>
+                        <a:ea typeface="Times New Roman" panose="02020603050405020304" pitchFamily="18" charset="0"/>
+                      </a:endParaRPr>
+                    </a:p>
+                  </a:txBody>
+                  <a:tcPr marL="19980" marR="19980" marT="0" marB="0"/>
+                </a:tc>
+                <a:tc>
+                  <a:txBody>
+                    <a:bodyPr/>
+                    <a:lstStyle/>
+                    <a:p>
+                      <a:pPr marL="0" marR="0">
+                        <a:spcBef>
+                          <a:spcPts val="0"/>
+                        </a:spcBef>
+                        <a:spcAft>
+                          <a:spcPts val="0"/>
+                        </a:spcAft>
+                      </a:pPr>
+                      <a:r>
+                        <a:rPr lang="en-US" sz="900">
+                          <a:effectLst/>
+                        </a:rPr>
+                        <a:t>The NOC metric simply measures the number of immediate descendants of the class.</a:t>
+                      </a:r>
+                      <a:endParaRPr lang="en-US" sz="900">
+                        <a:effectLst/>
+                        <a:latin typeface="Times New Roman" panose="02020603050405020304" pitchFamily="18" charset="0"/>
+                        <a:ea typeface="Times New Roman" panose="02020603050405020304" pitchFamily="18" charset="0"/>
+                      </a:endParaRPr>
+                    </a:p>
+                  </a:txBody>
+                  <a:tcPr marL="19980" marR="19980" marT="0" marB="0"/>
+                </a:tc>
+                <a:extLst>
+                  <a:ext uri="{0D108BD9-81ED-4DB2-BD59-A6C34878D82A}">
+                    <a16:rowId xmlns:a16="http://schemas.microsoft.com/office/drawing/2014/main" val="1927323447"/>
+                  </a:ext>
+                </a:extLst>
+              </a:tr>
+              <a:tr h="224493">
+                <a:tc>
+                  <a:txBody>
+                    <a:bodyPr/>
+                    <a:lstStyle/>
+                    <a:p>
+                      <a:pPr marL="0" marR="0">
+                        <a:spcBef>
+                          <a:spcPts val="0"/>
+                        </a:spcBef>
+                        <a:spcAft>
+                          <a:spcPts val="0"/>
+                        </a:spcAft>
+                      </a:pPr>
+                      <a:r>
+                        <a:rPr lang="en-US" sz="900" dirty="0">
+                          <a:effectLst/>
+                        </a:rPr>
+                        <a:t>$</a:t>
+                      </a:r>
+                      <a:r>
+                        <a:rPr lang="en-US" sz="900" dirty="0" err="1">
+                          <a:effectLst/>
+                        </a:rPr>
+                        <a:t>npm</a:t>
+                      </a:r>
+                      <a:endParaRPr lang="en-US" sz="900" dirty="0">
+                        <a:effectLst/>
+                        <a:latin typeface="Times New Roman" panose="02020603050405020304" pitchFamily="18" charset="0"/>
+                        <a:ea typeface="Times New Roman" panose="02020603050405020304" pitchFamily="18" charset="0"/>
+                      </a:endParaRPr>
+                    </a:p>
+                  </a:txBody>
+                  <a:tcPr marL="19980" marR="19980" marT="0" marB="0"/>
+                </a:tc>
+                <a:tc>
+                  <a:txBody>
+                    <a:bodyPr/>
+                    <a:lstStyle/>
+                    <a:p>
+                      <a:pPr marL="0" marR="0">
+                        <a:spcBef>
+                          <a:spcPts val="0"/>
+                        </a:spcBef>
+                        <a:spcAft>
+                          <a:spcPts val="0"/>
+                        </a:spcAft>
+                      </a:pPr>
+                      <a:r>
+                        <a:rPr lang="en-US" sz="900">
+                          <a:effectLst/>
+                        </a:rPr>
+                        <a:t>Number of Public Methods</a:t>
+                      </a:r>
+                      <a:endParaRPr lang="en-US" sz="900">
+                        <a:effectLst/>
+                        <a:latin typeface="Times New Roman" panose="02020603050405020304" pitchFamily="18" charset="0"/>
+                        <a:ea typeface="Times New Roman" panose="02020603050405020304" pitchFamily="18" charset="0"/>
+                      </a:endParaRPr>
+                    </a:p>
+                  </a:txBody>
+                  <a:tcPr marL="19980" marR="19980" marT="0" marB="0"/>
+                </a:tc>
+                <a:tc>
+                  <a:txBody>
+                    <a:bodyPr/>
+                    <a:lstStyle/>
+                    <a:p>
+                      <a:pPr marL="0" marR="0">
+                        <a:spcBef>
+                          <a:spcPts val="0"/>
+                        </a:spcBef>
+                        <a:spcAft>
+                          <a:spcPts val="0"/>
+                        </a:spcAft>
+                      </a:pPr>
+                      <a:r>
+                        <a:rPr lang="en-US" sz="900">
+                          <a:effectLst/>
+                        </a:rPr>
+                        <a:t>The NPM metric counts all the methods in a class that are declared as public.</a:t>
+                      </a:r>
+                      <a:endParaRPr lang="en-US" sz="900">
+                        <a:effectLst/>
+                        <a:latin typeface="Times New Roman" panose="02020603050405020304" pitchFamily="18" charset="0"/>
+                        <a:ea typeface="Times New Roman" panose="02020603050405020304" pitchFamily="18" charset="0"/>
+                      </a:endParaRPr>
+                    </a:p>
+                  </a:txBody>
+                  <a:tcPr marL="19980" marR="19980" marT="0" marB="0"/>
+                </a:tc>
+                <a:extLst>
+                  <a:ext uri="{0D108BD9-81ED-4DB2-BD59-A6C34878D82A}">
+                    <a16:rowId xmlns:a16="http://schemas.microsoft.com/office/drawing/2014/main" val="2967764736"/>
+                  </a:ext>
+                </a:extLst>
+              </a:tr>
+              <a:tr h="422997">
+                <a:tc>
+                  <a:txBody>
+                    <a:bodyPr/>
+                    <a:lstStyle/>
+                    <a:p>
+                      <a:pPr marL="0" marR="0">
+                        <a:spcBef>
+                          <a:spcPts val="0"/>
+                        </a:spcBef>
+                        <a:spcAft>
+                          <a:spcPts val="0"/>
+                        </a:spcAft>
+                      </a:pPr>
+                      <a:r>
+                        <a:rPr lang="en-US" sz="900" dirty="0">
+                          <a:effectLst/>
+                        </a:rPr>
+                        <a:t>$</a:t>
+                      </a:r>
+                      <a:r>
+                        <a:rPr lang="en-US" sz="900" dirty="0" err="1">
+                          <a:effectLst/>
+                        </a:rPr>
+                        <a:t>rfc</a:t>
+                      </a:r>
+                      <a:endParaRPr lang="en-US" sz="900" dirty="0">
+                        <a:effectLst/>
+                        <a:latin typeface="Times New Roman" panose="02020603050405020304" pitchFamily="18" charset="0"/>
+                        <a:ea typeface="Times New Roman" panose="02020603050405020304" pitchFamily="18" charset="0"/>
+                      </a:endParaRPr>
+                    </a:p>
+                  </a:txBody>
+                  <a:tcPr marL="19980" marR="19980" marT="0" marB="0"/>
+                </a:tc>
+                <a:tc>
+                  <a:txBody>
+                    <a:bodyPr/>
+                    <a:lstStyle/>
+                    <a:p>
+                      <a:pPr marL="0" marR="0">
+                        <a:spcBef>
+                          <a:spcPts val="0"/>
+                        </a:spcBef>
+                        <a:spcAft>
+                          <a:spcPts val="0"/>
+                        </a:spcAft>
+                      </a:pPr>
+                      <a:r>
+                        <a:rPr lang="en-US" sz="900">
+                          <a:effectLst/>
+                        </a:rPr>
+                        <a:t>Response for a Class</a:t>
+                      </a:r>
+                      <a:endParaRPr lang="en-US" sz="900">
+                        <a:effectLst/>
+                        <a:latin typeface="Times New Roman" panose="02020603050405020304" pitchFamily="18" charset="0"/>
+                        <a:ea typeface="Times New Roman" panose="02020603050405020304" pitchFamily="18" charset="0"/>
+                      </a:endParaRPr>
+                    </a:p>
+                  </a:txBody>
+                  <a:tcPr marL="19980" marR="19980" marT="0" marB="0"/>
+                </a:tc>
+                <a:tc>
+                  <a:txBody>
+                    <a:bodyPr/>
+                    <a:lstStyle/>
+                    <a:p>
+                      <a:pPr marL="0" marR="0">
+                        <a:spcBef>
+                          <a:spcPts val="0"/>
+                        </a:spcBef>
+                        <a:spcAft>
+                          <a:spcPts val="0"/>
+                        </a:spcAft>
+                      </a:pPr>
+                      <a:r>
+                        <a:rPr lang="en-US" sz="900" dirty="0">
+                          <a:effectLst/>
+                        </a:rPr>
+                        <a:t>The RFC metric measures the number of different methods that can be executed when an object of that class receives a message.</a:t>
+                      </a:r>
+                      <a:endParaRPr lang="en-US" sz="900" dirty="0">
+                        <a:effectLst/>
+                        <a:latin typeface="Times New Roman" panose="02020603050405020304" pitchFamily="18" charset="0"/>
+                        <a:ea typeface="Times New Roman" panose="02020603050405020304" pitchFamily="18" charset="0"/>
+                      </a:endParaRPr>
+                    </a:p>
+                  </a:txBody>
+                  <a:tcPr marL="19980" marR="19980" marT="0" marB="0"/>
+                </a:tc>
+                <a:extLst>
+                  <a:ext uri="{0D108BD9-81ED-4DB2-BD59-A6C34878D82A}">
+                    <a16:rowId xmlns:a16="http://schemas.microsoft.com/office/drawing/2014/main" val="2923895414"/>
+                  </a:ext>
+                </a:extLst>
+              </a:tr>
+              <a:tr h="224493">
+                <a:tc>
+                  <a:txBody>
+                    <a:bodyPr/>
+                    <a:lstStyle/>
+                    <a:p>
+                      <a:pPr marL="0" marR="0">
+                        <a:spcBef>
+                          <a:spcPts val="0"/>
+                        </a:spcBef>
+                        <a:spcAft>
+                          <a:spcPts val="0"/>
+                        </a:spcAft>
+                      </a:pPr>
+                      <a:r>
+                        <a:rPr lang="en-US" sz="900" dirty="0">
+                          <a:effectLst/>
+                        </a:rPr>
+                        <a:t>$</a:t>
+                      </a:r>
+                      <a:r>
+                        <a:rPr lang="en-US" sz="900" dirty="0" err="1">
+                          <a:effectLst/>
+                        </a:rPr>
+                        <a:t>wmc</a:t>
+                      </a:r>
+                      <a:endParaRPr lang="en-US" sz="900" dirty="0">
+                        <a:effectLst/>
+                        <a:latin typeface="Times New Roman" panose="02020603050405020304" pitchFamily="18" charset="0"/>
+                        <a:ea typeface="Times New Roman" panose="02020603050405020304" pitchFamily="18" charset="0"/>
+                      </a:endParaRPr>
+                    </a:p>
+                  </a:txBody>
+                  <a:tcPr marL="19980" marR="19980" marT="0" marB="0"/>
+                </a:tc>
+                <a:tc>
+                  <a:txBody>
+                    <a:bodyPr/>
+                    <a:lstStyle/>
+                    <a:p>
+                      <a:pPr marL="0" marR="0">
+                        <a:spcBef>
+                          <a:spcPts val="0"/>
+                        </a:spcBef>
+                        <a:spcAft>
+                          <a:spcPts val="0"/>
+                        </a:spcAft>
+                      </a:pPr>
+                      <a:r>
+                        <a:rPr lang="en-US" sz="900" dirty="0">
+                          <a:effectLst/>
+                        </a:rPr>
+                        <a:t>Weighted methods per class</a:t>
+                      </a:r>
+                      <a:endParaRPr lang="en-US" sz="900" dirty="0">
+                        <a:effectLst/>
+                        <a:latin typeface="Times New Roman" panose="02020603050405020304" pitchFamily="18" charset="0"/>
+                        <a:ea typeface="Times New Roman" panose="02020603050405020304" pitchFamily="18" charset="0"/>
+                      </a:endParaRPr>
+                    </a:p>
+                  </a:txBody>
+                  <a:tcPr marL="19980" marR="19980" marT="0" marB="0"/>
+                </a:tc>
+                <a:tc>
+                  <a:txBody>
+                    <a:bodyPr/>
+                    <a:lstStyle/>
+                    <a:p>
+                      <a:pPr marL="0" marR="0">
+                        <a:spcBef>
+                          <a:spcPts val="0"/>
+                        </a:spcBef>
+                        <a:spcAft>
+                          <a:spcPts val="0"/>
+                        </a:spcAft>
+                      </a:pPr>
+                      <a:r>
+                        <a:rPr lang="en-US" sz="900" dirty="0">
+                          <a:effectLst/>
+                        </a:rPr>
+                        <a:t>The value of the WMC is equal to the number of methods in the class (assuming unity weights for all methods).</a:t>
+                      </a:r>
+                      <a:endParaRPr lang="en-US" sz="900" dirty="0">
+                        <a:effectLst/>
+                        <a:latin typeface="Times New Roman" panose="02020603050405020304" pitchFamily="18" charset="0"/>
+                        <a:ea typeface="Times New Roman" panose="02020603050405020304" pitchFamily="18" charset="0"/>
+                      </a:endParaRPr>
+                    </a:p>
+                  </a:txBody>
+                  <a:tcPr marL="19980" marR="19980" marT="0" marB="0"/>
+                </a:tc>
+                <a:extLst>
+                  <a:ext uri="{0D108BD9-81ED-4DB2-BD59-A6C34878D82A}">
+                    <a16:rowId xmlns:a16="http://schemas.microsoft.com/office/drawing/2014/main" val="1990200091"/>
+                  </a:ext>
+                </a:extLst>
+              </a:tr>
+            </a:tbl>
+          </a:graphicData>
+        </a:graphic>
+      </p:graphicFrame>
+      <p:sp>
+        <p:nvSpPr>
+          <p:cNvPr id="7" name="Title 1">
+            <a:extLst>
+              <a:ext uri="{FF2B5EF4-FFF2-40B4-BE49-F238E27FC236}">
+                <a16:creationId xmlns:a16="http://schemas.microsoft.com/office/drawing/2014/main" id="{9E51C690-ADAC-4D99-A921-EC6A8A030DDD}"/>
+              </a:ext>
+            </a:extLst>
+          </p:cNvPr>
+          <p:cNvSpPr>
+            <a:spLocks noGrp="1"/>
+          </p:cNvSpPr>
+          <p:nvPr>
+            <p:ph type="title"/>
+          </p:nvPr>
+        </p:nvSpPr>
+        <p:spPr>
+          <a:xfrm>
+            <a:off x="457200" y="900113"/>
+            <a:ext cx="8229600" cy="1068300"/>
+          </a:xfrm>
+        </p:spPr>
+        <p:txBody>
+          <a:bodyPr/>
+          <a:lstStyle/>
+          <a:p>
+            <a:pPr algn="l"/>
+            <a:r>
+              <a:rPr lang="en-US" dirty="0"/>
+              <a:t>Data Dictionary</a:t>
+            </a:r>
+          </a:p>
+        </p:txBody>
+      </p:sp>
+    </p:spTree>
+    <p:extLst>
+      <p:ext uri="{BB962C8B-B14F-4D97-AF65-F5344CB8AC3E}">
+        <p14:creationId xmlns:p14="http://schemas.microsoft.com/office/powerpoint/2010/main" val="4151666920"/>
+      </p:ext>
+    </p:extLst>
+  </p:cSld>
+  <p:clrMapOvr>
+    <a:masterClrMapping/>
+  </p:clrMapOvr>
+</p:sld>
+</file>
+
+<file path=ppt/slides/slide28.xml><?xml version="1.0" encoding="utf-8"?>
+<p:sld xmlns:a="http://schemas.openxmlformats.org/drawingml/2006/main" xmlns:r="http://schemas.openxmlformats.org/officeDocument/2006/relationships" xmlns:p="http://schemas.openxmlformats.org/presentationml/2006/main">
+  <p:cSld>
+    <p:spTree>
+      <p:nvGrpSpPr>
+        <p:cNvPr id="1" name=""/>
+        <p:cNvGrpSpPr/>
+        <p:nvPr/>
+      </p:nvGrpSpPr>
+      <p:grpSpPr>
+        <a:xfrm>
+          <a:off x="0" y="0"/>
+          <a:ext cx="0" cy="0"/>
+          <a:chOff x="0" y="0"/>
+          <a:chExt cx="0" cy="0"/>
+        </a:xfrm>
+      </p:grpSpPr>
+      <p:sp>
+        <p:nvSpPr>
+          <p:cNvPr id="4" name="Date Placeholder 3">
+            <a:extLst>
+              <a:ext uri="{FF2B5EF4-FFF2-40B4-BE49-F238E27FC236}">
+                <a16:creationId xmlns:a16="http://schemas.microsoft.com/office/drawing/2014/main" id="{196B0D47-1590-42D3-B59F-39E7B03E359D}"/>
+              </a:ext>
+            </a:extLst>
+          </p:cNvPr>
+          <p:cNvSpPr>
+            <a:spLocks noGrp="1"/>
+          </p:cNvSpPr>
+          <p:nvPr>
+            <p:ph type="dt" idx="10"/>
+          </p:nvPr>
+        </p:nvSpPr>
+        <p:spPr/>
+        <p:txBody>
+          <a:bodyPr/>
+          <a:lstStyle/>
+          <a:p>
+            <a:fld id="{820E7DF1-5434-4D59-8F92-96DB76BF4828}" type="datetime1">
+              <a:rPr lang="en-US" smtClean="0"/>
+              <a:t>3/27/2019</a:t>
+            </a:fld>
+            <a:endParaRPr lang="en-US"/>
+          </a:p>
+        </p:txBody>
+      </p:sp>
+      <p:sp>
+        <p:nvSpPr>
+          <p:cNvPr id="6" name="Slide Number Placeholder 5">
+            <a:extLst>
+              <a:ext uri="{FF2B5EF4-FFF2-40B4-BE49-F238E27FC236}">
+                <a16:creationId xmlns:a16="http://schemas.microsoft.com/office/drawing/2014/main" id="{57348917-413B-48F6-8CA4-8F81643C2041}"/>
+              </a:ext>
+            </a:extLst>
+          </p:cNvPr>
+          <p:cNvSpPr>
+            <a:spLocks noGrp="1"/>
+          </p:cNvSpPr>
+          <p:nvPr>
+            <p:ph type="sldNum" idx="12"/>
+          </p:nvPr>
+        </p:nvSpPr>
+        <p:spPr/>
+        <p:txBody>
+          <a:bodyPr/>
+          <a:lstStyle/>
+          <a:p>
+            <a:pPr marL="0" lvl="0" indent="0" algn="r" rtl="0">
+              <a:spcBef>
+                <a:spcPts val="0"/>
+              </a:spcBef>
+              <a:spcAft>
+                <a:spcPts val="0"/>
+              </a:spcAft>
+              <a:buNone/>
+            </a:pPr>
+            <a:fld id="{00000000-1234-1234-1234-123412341234}" type="slidenum">
+              <a:rPr lang="en" smtClean="0"/>
+              <a:t>28</a:t>
+            </a:fld>
+            <a:endParaRPr lang="en"/>
+          </a:p>
+        </p:txBody>
+      </p:sp>
+      <p:sp>
+        <p:nvSpPr>
+          <p:cNvPr id="7" name="Title 1">
+            <a:extLst>
+              <a:ext uri="{FF2B5EF4-FFF2-40B4-BE49-F238E27FC236}">
+                <a16:creationId xmlns:a16="http://schemas.microsoft.com/office/drawing/2014/main" id="{9E51C690-ADAC-4D99-A921-EC6A8A030DDD}"/>
+              </a:ext>
+            </a:extLst>
+          </p:cNvPr>
+          <p:cNvSpPr>
+            <a:spLocks noGrp="1"/>
+          </p:cNvSpPr>
+          <p:nvPr>
+            <p:ph type="title"/>
+          </p:nvPr>
+        </p:nvSpPr>
+        <p:spPr>
+          <a:xfrm>
+            <a:off x="457200" y="900113"/>
+            <a:ext cx="8229600" cy="1068300"/>
+          </a:xfrm>
+        </p:spPr>
+        <p:txBody>
+          <a:bodyPr/>
+          <a:lstStyle/>
+          <a:p>
+            <a:pPr algn="l"/>
+            <a:r>
+              <a:rPr lang="en-US" dirty="0" err="1"/>
+              <a:t>Hoeffding’s</a:t>
+            </a:r>
+            <a:r>
+              <a:rPr lang="en-US" dirty="0"/>
+              <a:t> Bound</a:t>
+            </a:r>
+          </a:p>
+        </p:txBody>
+      </p:sp>
+      <mc:AlternateContent xmlns:mc="http://schemas.openxmlformats.org/markup-compatibility/2006">
+        <mc:Choice xmlns:a14="http://schemas.microsoft.com/office/drawing/2010/main" Requires="a14">
+          <p:sp>
+            <p:nvSpPr>
+              <p:cNvPr id="2" name="Rectangle 1">
+                <a:extLst>
+                  <a:ext uri="{FF2B5EF4-FFF2-40B4-BE49-F238E27FC236}">
+                    <a16:creationId xmlns:a16="http://schemas.microsoft.com/office/drawing/2014/main" id="{BFCF6995-4649-478B-9072-CA4980162D46}"/>
+                  </a:ext>
+                </a:extLst>
+              </p:cNvPr>
+              <p:cNvSpPr/>
+              <p:nvPr/>
+            </p:nvSpPr>
+            <p:spPr>
+              <a:xfrm>
+                <a:off x="5408380" y="2270952"/>
+                <a:ext cx="2289640" cy="866135"/>
+              </a:xfrm>
+              <a:prstGeom prst="rect">
+                <a:avLst/>
+              </a:prstGeom>
+              <a:ln>
+                <a:solidFill>
+                  <a:schemeClr val="tx1"/>
+                </a:solidFill>
+              </a:ln>
+            </p:spPr>
+            <p:txBody>
+              <a:bodyPr wrap="square">
+                <a:spAutoFit/>
+              </a:bodyPr>
+              <a:lstStyle/>
+              <a:p>
+                <a:pPr marL="76200" indent="0">
+                  <a:spcAft>
+                    <a:spcPts val="600"/>
+                  </a:spcAft>
+                  <a:buNone/>
+                </a:pPr>
+                <a14:m>
+                  <m:oMathPara xmlns:m="http://schemas.openxmlformats.org/officeDocument/2006/math">
+                    <m:oMathParaPr>
+                      <m:jc m:val="centerGroup"/>
+                    </m:oMathParaPr>
+                    <m:oMath xmlns:m="http://schemas.openxmlformats.org/officeDocument/2006/math">
+                      <m:r>
+                        <a:rPr lang="en-US" sz="2000" i="1">
+                          <a:latin typeface="Cambria Math" panose="02040503050406030204" pitchFamily="18" charset="0"/>
+                        </a:rPr>
+                        <m:t>𝑛</m:t>
+                      </m:r>
+                      <m:r>
+                        <a:rPr lang="en-US" sz="2000" i="1">
+                          <a:latin typeface="Cambria Math" panose="02040503050406030204" pitchFamily="18" charset="0"/>
+                        </a:rPr>
+                        <m:t>&gt;</m:t>
+                      </m:r>
+                      <m:f>
+                        <m:fPr>
+                          <m:ctrlPr>
+                            <a:rPr lang="en-US" sz="2000" i="1">
+                              <a:latin typeface="Cambria Math" panose="02040503050406030204" pitchFamily="18" charset="0"/>
+                            </a:rPr>
+                          </m:ctrlPr>
+                        </m:fPr>
+                        <m:num>
+                          <m:sSup>
+                            <m:sSupPr>
+                              <m:ctrlPr>
+                                <a:rPr lang="en-US" sz="2000" i="1">
+                                  <a:latin typeface="Cambria Math" panose="02040503050406030204" pitchFamily="18" charset="0"/>
+                                </a:rPr>
+                              </m:ctrlPr>
+                            </m:sSupPr>
+                            <m:e>
+                              <m:r>
+                                <a:rPr lang="en-US" sz="2000" i="1">
+                                  <a:latin typeface="Cambria Math" panose="02040503050406030204" pitchFamily="18" charset="0"/>
+                                </a:rPr>
+                                <m:t>𝐵</m:t>
+                              </m:r>
+                            </m:e>
+                            <m:sup>
+                              <m:r>
+                                <a:rPr lang="en-US" sz="2000" i="1">
+                                  <a:latin typeface="Cambria Math" panose="02040503050406030204" pitchFamily="18" charset="0"/>
+                                </a:rPr>
+                                <m:t>2</m:t>
+                              </m:r>
+                            </m:sup>
+                          </m:sSup>
+                          <m:func>
+                            <m:funcPr>
+                              <m:ctrlPr>
+                                <a:rPr lang="en-US" sz="2000" i="1">
+                                  <a:latin typeface="Cambria Math" panose="02040503050406030204" pitchFamily="18" charset="0"/>
+                                </a:rPr>
+                              </m:ctrlPr>
+                            </m:funcPr>
+                            <m:fName>
+                              <m:r>
+                                <m:rPr>
+                                  <m:sty m:val="p"/>
+                                </m:rPr>
+                                <a:rPr lang="en-US" sz="2000">
+                                  <a:latin typeface="Cambria Math" panose="02040503050406030204" pitchFamily="18" charset="0"/>
+                                </a:rPr>
+                                <m:t>log</m:t>
+                              </m:r>
+                            </m:fName>
+                            <m:e>
+                              <m:r>
+                                <a:rPr lang="en-US" sz="2000" i="1">
+                                  <a:latin typeface="Cambria Math" panose="02040503050406030204" pitchFamily="18" charset="0"/>
+                                </a:rPr>
+                                <m:t>(</m:t>
+                              </m:r>
+                              <m:f>
+                                <m:fPr>
+                                  <m:type m:val="skw"/>
+                                  <m:ctrlPr>
+                                    <a:rPr lang="en-US" sz="2000" i="1">
+                                      <a:latin typeface="Cambria Math" panose="02040503050406030204" pitchFamily="18" charset="0"/>
+                                    </a:rPr>
+                                  </m:ctrlPr>
+                                </m:fPr>
+                                <m:num>
+                                  <m:r>
+                                    <a:rPr lang="en-US" sz="2000" i="1">
+                                      <a:latin typeface="Cambria Math" panose="02040503050406030204" pitchFamily="18" charset="0"/>
+                                    </a:rPr>
+                                    <m:t>2</m:t>
+                                  </m:r>
+                                </m:num>
+                                <m:den>
+                                  <m:r>
+                                    <a:rPr lang="en-US" sz="2000" i="1">
+                                      <a:latin typeface="Cambria Math" panose="02040503050406030204" pitchFamily="18" charset="0"/>
+                                      <a:ea typeface="Cambria Math" panose="02040503050406030204" pitchFamily="18" charset="0"/>
+                                    </a:rPr>
+                                    <m:t>𝛿</m:t>
+                                  </m:r>
+                                </m:den>
+                              </m:f>
+                              <m:r>
+                                <a:rPr lang="en-US" sz="2000" i="1">
+                                  <a:latin typeface="Cambria Math" panose="02040503050406030204" pitchFamily="18" charset="0"/>
+                                </a:rPr>
+                                <m:t>)</m:t>
+                              </m:r>
+                            </m:e>
+                          </m:func>
+                        </m:num>
+                        <m:den>
+                          <m:r>
+                            <a:rPr lang="en-US" sz="2000" i="1">
+                              <a:latin typeface="Cambria Math" panose="02040503050406030204" pitchFamily="18" charset="0"/>
+                            </a:rPr>
+                            <m:t>2</m:t>
+                          </m:r>
+                          <m:sSup>
+                            <m:sSupPr>
+                              <m:ctrlPr>
+                                <a:rPr lang="en-US" sz="2000" i="1">
+                                  <a:latin typeface="Cambria Math" panose="02040503050406030204" pitchFamily="18" charset="0"/>
+                                </a:rPr>
+                              </m:ctrlPr>
+                            </m:sSupPr>
+                            <m:e>
+                              <m:r>
+                                <a:rPr lang="en-US" sz="2000" i="1">
+                                  <a:latin typeface="Cambria Math" panose="02040503050406030204" pitchFamily="18" charset="0"/>
+                                  <a:ea typeface="Cambria Math" panose="02040503050406030204" pitchFamily="18" charset="0"/>
+                                </a:rPr>
+                                <m:t>𝜖</m:t>
+                              </m:r>
+                            </m:e>
+                            <m:sup>
+                              <m:r>
+                                <a:rPr lang="en-US" sz="2000" i="1">
+                                  <a:latin typeface="Cambria Math" panose="02040503050406030204" pitchFamily="18" charset="0"/>
+                                </a:rPr>
+                                <m:t>2</m:t>
+                              </m:r>
+                            </m:sup>
+                          </m:sSup>
+                        </m:den>
+                      </m:f>
+                    </m:oMath>
+                  </m:oMathPara>
+                </a14:m>
+                <a:endParaRPr lang="en-US" sz="2000" dirty="0"/>
+              </a:p>
+            </p:txBody>
+          </p:sp>
+        </mc:Choice>
+        <mc:Fallback>
+          <p:sp>
+            <p:nvSpPr>
+              <p:cNvPr id="2" name="Rectangle 1">
+                <a:extLst>
+                  <a:ext uri="{FF2B5EF4-FFF2-40B4-BE49-F238E27FC236}">
+                    <a16:creationId xmlns:a16="http://schemas.microsoft.com/office/drawing/2014/main" id="{BFCF6995-4649-478B-9072-CA4980162D46}"/>
+                  </a:ext>
+                </a:extLst>
+              </p:cNvPr>
+              <p:cNvSpPr>
+                <a:spLocks noRot="1" noChangeAspect="1" noMove="1" noResize="1" noEditPoints="1" noAdjustHandles="1" noChangeArrowheads="1" noChangeShapeType="1" noTextEdit="1"/>
+              </p:cNvSpPr>
+              <p:nvPr/>
+            </p:nvSpPr>
+            <p:spPr>
+              <a:xfrm>
+                <a:off x="5408380" y="2270952"/>
+                <a:ext cx="2289640" cy="866135"/>
+              </a:xfrm>
+              <a:prstGeom prst="rect">
+                <a:avLst/>
+              </a:prstGeom>
+              <a:blipFill>
+                <a:blip r:embed="rId2"/>
+                <a:stretch>
+                  <a:fillRect/>
+                </a:stretch>
+              </a:blipFill>
+              <a:ln>
+                <a:solidFill>
+                  <a:schemeClr val="tx1"/>
+                </a:solidFill>
+              </a:ln>
+            </p:spPr>
+            <p:txBody>
+              <a:bodyPr/>
+              <a:lstStyle/>
+              <a:p>
+                <a:r>
+                  <a:rPr lang="en-US">
+                    <a:noFill/>
+                  </a:rPr>
+                  <a:t> </a:t>
+                </a:r>
+              </a:p>
+            </p:txBody>
+          </p:sp>
+        </mc:Fallback>
+      </mc:AlternateContent>
+      <mc:AlternateContent xmlns:mc="http://schemas.openxmlformats.org/markup-compatibility/2006">
+        <mc:Choice xmlns:a14="http://schemas.microsoft.com/office/drawing/2010/main" Requires="a14">
+          <p:sp>
+            <p:nvSpPr>
+              <p:cNvPr id="3" name="TextBox 2">
+                <a:extLst>
+                  <a:ext uri="{FF2B5EF4-FFF2-40B4-BE49-F238E27FC236}">
+                    <a16:creationId xmlns:a16="http://schemas.microsoft.com/office/drawing/2014/main" id="{65998778-FA11-4DFB-B03D-716F6605BF22}"/>
+                  </a:ext>
+                </a:extLst>
+              </p:cNvPr>
+              <p:cNvSpPr txBox="1"/>
+              <p:nvPr/>
+            </p:nvSpPr>
+            <p:spPr>
+              <a:xfrm>
+                <a:off x="1398310" y="3243334"/>
+                <a:ext cx="6221690" cy="2708434"/>
+              </a:xfrm>
+              <a:prstGeom prst="rect">
+                <a:avLst/>
+              </a:prstGeom>
+              <a:noFill/>
+            </p:spPr>
+            <p:txBody>
+              <a:bodyPr wrap="square" rtlCol="0">
+                <a:spAutoFit/>
+              </a:bodyPr>
+              <a:lstStyle/>
+              <a:p>
+                <a:r>
+                  <a:rPr lang="en-US" dirty="0"/>
+                  <a:t>where, </a:t>
+                </a:r>
+              </a:p>
+              <a:p>
+                <a:r>
+                  <a:rPr lang="en-US" dirty="0"/>
+                  <a:t>	n = number of points picked in the current iteration</a:t>
+                </a:r>
+              </a:p>
+              <a:p>
+                <a:r>
+                  <a:rPr lang="en-US" dirty="0"/>
+                  <a:t>	</a:t>
+                </a:r>
+                <a:r>
+                  <a:rPr lang="el-GR" dirty="0"/>
+                  <a:t>ε</a:t>
+                </a:r>
+                <a:r>
+                  <a:rPr lang="en-US" dirty="0"/>
+                  <a:t> = possible error value</a:t>
+                </a:r>
+              </a:p>
+              <a:p>
+                <a:r>
+                  <a:rPr lang="en-US" dirty="0">
+                    <a:ea typeface="Cambria Math" panose="02040503050406030204" pitchFamily="18" charset="0"/>
+                  </a:rPr>
+                  <a:t>	</a:t>
+                </a:r>
+                <a14:m>
+                  <m:oMath xmlns:m="http://schemas.openxmlformats.org/officeDocument/2006/math">
+                    <m:r>
+                      <a:rPr lang="en-US" b="0" i="0" smtClean="0">
+                        <a:latin typeface="Cambria Math" panose="02040503050406030204" pitchFamily="18" charset="0"/>
+                        <a:ea typeface="Cambria Math" panose="02040503050406030204" pitchFamily="18" charset="0"/>
+                      </a:rPr>
+                      <m:t>1−</m:t>
+                    </m:r>
+                    <m:r>
+                      <a:rPr lang="en-US" i="1" smtClean="0">
+                        <a:latin typeface="Cambria Math" panose="02040503050406030204" pitchFamily="18" charset="0"/>
+                        <a:ea typeface="Cambria Math" panose="02040503050406030204" pitchFamily="18" charset="0"/>
+                      </a:rPr>
+                      <m:t>𝛿</m:t>
+                    </m:r>
+                  </m:oMath>
+                </a14:m>
+                <a:r>
+                  <a:rPr lang="en-US" dirty="0"/>
+                  <a:t> = confidence interval (95% in this case)</a:t>
+                </a:r>
+              </a:p>
+              <a:p>
+                <a:r>
+                  <a:rPr lang="en-US" dirty="0"/>
+                  <a:t>	B = maximum error that classifier can make </a:t>
+                </a:r>
+              </a:p>
+              <a:p>
+                <a:r>
+                  <a:rPr lang="en-US" dirty="0"/>
+                  <a:t>	</a:t>
+                </a:r>
+                <a:r>
+                  <a:rPr lang="en-US" i="1" dirty="0"/>
+                  <a:t>[B = 1, since it’s classification problem]</a:t>
+                </a:r>
+              </a:p>
+              <a:p>
+                <a:endParaRPr lang="en-US" dirty="0"/>
+              </a:p>
+              <a:p>
+                <a:r>
+                  <a:rPr lang="en-US" sz="1800" b="1" i="1" dirty="0"/>
+                  <a:t>Terminating Conditions:</a:t>
+                </a:r>
+              </a:p>
+              <a:p>
+                <a:pPr marL="285750" indent="-285750">
+                  <a:buFont typeface="Arial" panose="020B0604020202020204" pitchFamily="34" charset="0"/>
+                  <a:buChar char="•"/>
+                </a:pPr>
+                <a:r>
+                  <a:rPr lang="en-US" sz="1800" i="1" dirty="0"/>
+                  <a:t>If </a:t>
+                </a:r>
+                <a14:m>
+                  <m:oMath xmlns:m="http://schemas.openxmlformats.org/officeDocument/2006/math">
+                    <m:sSub>
+                      <m:sSubPr>
+                        <m:ctrlPr>
+                          <a:rPr lang="en-US" sz="1800" i="1" smtClean="0">
+                            <a:latin typeface="Cambria Math" panose="02040503050406030204" pitchFamily="18" charset="0"/>
+                          </a:rPr>
+                        </m:ctrlPr>
+                      </m:sSubPr>
+                      <m:e>
+                        <m:r>
+                          <a:rPr lang="en-US" sz="1800" b="0" i="1" smtClean="0">
+                            <a:latin typeface="Cambria Math" panose="02040503050406030204" pitchFamily="18" charset="0"/>
+                          </a:rPr>
+                          <m:t>𝑔</m:t>
+                        </m:r>
+                      </m:e>
+                      <m:sub>
+                        <m:r>
+                          <a:rPr lang="en-US" sz="1800" b="0" i="1" smtClean="0">
+                            <a:latin typeface="Cambria Math" panose="02040503050406030204" pitchFamily="18" charset="0"/>
+                          </a:rPr>
+                          <m:t>𝑒𝑠𝑡</m:t>
+                        </m:r>
+                      </m:sub>
+                    </m:sSub>
+                    <m:r>
+                      <a:rPr lang="en-US" sz="1800" b="0" i="1" smtClean="0">
+                        <a:latin typeface="Cambria Math" panose="02040503050406030204" pitchFamily="18" charset="0"/>
+                      </a:rPr>
+                      <m:t>≥</m:t>
+                    </m:r>
+                    <m:r>
+                      <a:rPr lang="en-US" sz="1800" b="0" i="1" smtClean="0">
+                        <a:latin typeface="Cambria Math" panose="02040503050406030204" pitchFamily="18" charset="0"/>
+                      </a:rPr>
+                      <m:t>𝑔</m:t>
+                    </m:r>
+                    <m:r>
+                      <a:rPr lang="en-US" sz="1800" b="0" i="1" smtClean="0">
+                        <a:latin typeface="Cambria Math" panose="02040503050406030204" pitchFamily="18" charset="0"/>
+                      </a:rPr>
+                      <m:t> </m:t>
+                    </m:r>
+                    <m:r>
+                      <a:rPr lang="en-US" sz="1800" b="0" i="1" smtClean="0">
+                        <a:latin typeface="Cambria Math" panose="02040503050406030204" pitchFamily="18" charset="0"/>
+                      </a:rPr>
+                      <m:t>𝑓𝑟𝑜𝑚</m:t>
+                    </m:r>
+                    <m:r>
+                      <a:rPr lang="en-US" sz="1800" b="0" i="1" smtClean="0">
+                        <a:latin typeface="Cambria Math" panose="02040503050406030204" pitchFamily="18" charset="0"/>
+                      </a:rPr>
+                      <m:t> </m:t>
+                    </m:r>
+                    <m:r>
+                      <a:rPr lang="en-US" sz="1800" b="0" i="1" smtClean="0">
+                        <a:latin typeface="Cambria Math" panose="02040503050406030204" pitchFamily="18" charset="0"/>
+                      </a:rPr>
+                      <m:t>𝑏𝑎𝑠𝑒𝑙𝑖𝑛𝑒</m:t>
+                    </m:r>
+                    <m:r>
+                      <a:rPr lang="en-US" sz="1800" b="0" i="1" smtClean="0">
+                        <a:latin typeface="Cambria Math" panose="02040503050406030204" pitchFamily="18" charset="0"/>
+                      </a:rPr>
+                      <m:t> </m:t>
+                    </m:r>
+                    <m:r>
+                      <a:rPr lang="en-US" sz="1800" b="0" i="1" smtClean="0">
+                        <a:latin typeface="Cambria Math" panose="02040503050406030204" pitchFamily="18" charset="0"/>
+                      </a:rPr>
+                      <m:t>𝑠𝑐𝑜𝑟𝑒𝑠</m:t>
+                    </m:r>
+                  </m:oMath>
+                </a14:m>
+                <a:endParaRPr lang="en-US" sz="1800" i="1" dirty="0"/>
+              </a:p>
+              <a:p>
+                <a:pPr marL="285750" indent="-285750">
+                  <a:buFont typeface="Arial" panose="020B0604020202020204" pitchFamily="34" charset="0"/>
+                  <a:buChar char="•"/>
+                </a:pPr>
+                <a:r>
+                  <a:rPr lang="en-US" sz="1800" i="1" dirty="0"/>
+                  <a:t>If </a:t>
+                </a:r>
+                <a14:m>
+                  <m:oMath xmlns:m="http://schemas.openxmlformats.org/officeDocument/2006/math">
+                    <m:sSub>
+                      <m:sSubPr>
+                        <m:ctrlPr>
+                          <a:rPr lang="en-US" sz="1800" b="0" i="1" smtClean="0">
+                            <a:latin typeface="Cambria Math" panose="02040503050406030204" pitchFamily="18" charset="0"/>
+                          </a:rPr>
+                        </m:ctrlPr>
+                      </m:sSubPr>
+                      <m:e>
+                        <m:r>
+                          <a:rPr lang="en-US" sz="1800" b="0" i="1" smtClean="0">
+                            <a:latin typeface="Cambria Math" panose="02040503050406030204" pitchFamily="18" charset="0"/>
+                          </a:rPr>
+                          <m:t>𝑔</m:t>
+                        </m:r>
+                      </m:e>
+                      <m:sub>
+                        <m:r>
+                          <a:rPr lang="en-US" sz="1800" b="0" i="1" smtClean="0">
+                            <a:latin typeface="Cambria Math" panose="02040503050406030204" pitchFamily="18" charset="0"/>
+                          </a:rPr>
+                          <m:t>𝑒𝑠𝑡</m:t>
+                        </m:r>
+                      </m:sub>
+                    </m:sSub>
+                  </m:oMath>
+                </a14:m>
+                <a:r>
+                  <a:rPr lang="en-US" sz="1800" i="1" dirty="0"/>
+                  <a:t> is within the bounds</a:t>
+                </a:r>
+              </a:p>
+              <a:p>
+                <a:pPr marL="285750" indent="-285750">
+                  <a:buFont typeface="Arial" panose="020B0604020202020204" pitchFamily="34" charset="0"/>
+                  <a:buChar char="•"/>
+                </a:pPr>
+                <a14:m>
+                  <m:oMath xmlns:m="http://schemas.openxmlformats.org/officeDocument/2006/math">
+                    <m:r>
+                      <a:rPr lang="en-US" sz="1800" b="0" i="1" smtClean="0">
+                        <a:latin typeface="Cambria Math" panose="02040503050406030204" pitchFamily="18" charset="0"/>
+                      </a:rPr>
+                      <m:t>𝑛</m:t>
+                    </m:r>
+                    <m:r>
+                      <a:rPr lang="en-US" sz="1800" b="0" i="1" smtClean="0">
+                        <a:latin typeface="Cambria Math" panose="02040503050406030204" pitchFamily="18" charset="0"/>
+                      </a:rPr>
+                      <m:t>=</m:t>
+                    </m:r>
+                    <m:r>
+                      <a:rPr lang="en-US" sz="1800" b="0" i="1" smtClean="0">
+                        <a:latin typeface="Cambria Math" panose="02040503050406030204" pitchFamily="18" charset="0"/>
+                      </a:rPr>
+                      <m:t>𝑁</m:t>
+                    </m:r>
+                  </m:oMath>
+                </a14:m>
+                <a:endParaRPr lang="en-US" sz="1800" i="1" dirty="0"/>
+              </a:p>
+            </p:txBody>
+          </p:sp>
+        </mc:Choice>
+        <mc:Fallback>
+          <p:sp>
+            <p:nvSpPr>
+              <p:cNvPr id="3" name="TextBox 2">
+                <a:extLst>
+                  <a:ext uri="{FF2B5EF4-FFF2-40B4-BE49-F238E27FC236}">
+                    <a16:creationId xmlns:a16="http://schemas.microsoft.com/office/drawing/2014/main" id="{65998778-FA11-4DFB-B03D-716F6605BF22}"/>
+                  </a:ext>
+                </a:extLst>
+              </p:cNvPr>
+              <p:cNvSpPr txBox="1">
+                <a:spLocks noRot="1" noChangeAspect="1" noMove="1" noResize="1" noEditPoints="1" noAdjustHandles="1" noChangeArrowheads="1" noChangeShapeType="1" noTextEdit="1"/>
+              </p:cNvSpPr>
+              <p:nvPr/>
+            </p:nvSpPr>
+            <p:spPr>
+              <a:xfrm>
+                <a:off x="1398310" y="3243334"/>
+                <a:ext cx="6221690" cy="2708434"/>
+              </a:xfrm>
+              <a:prstGeom prst="rect">
+                <a:avLst/>
+              </a:prstGeom>
+              <a:blipFill>
+                <a:blip r:embed="rId3"/>
+                <a:stretch>
+                  <a:fillRect l="-784" t="-450" b="-2027"/>
+                </a:stretch>
+              </a:blipFill>
+            </p:spPr>
+            <p:txBody>
+              <a:bodyPr/>
+              <a:lstStyle/>
+              <a:p>
+                <a:r>
+                  <a:rPr lang="en-US">
+                    <a:noFill/>
+                  </a:rPr>
+                  <a:t> </a:t>
+                </a:r>
+              </a:p>
+            </p:txBody>
+          </p:sp>
+        </mc:Fallback>
+      </mc:AlternateContent>
+      <mc:AlternateContent xmlns:mc="http://schemas.openxmlformats.org/markup-compatibility/2006">
+        <mc:Choice xmlns:a14="http://schemas.microsoft.com/office/drawing/2010/main" Requires="a14">
+          <p:sp>
+            <p:nvSpPr>
+              <p:cNvPr id="8" name="Rectangle 7">
+                <a:extLst>
+                  <a:ext uri="{FF2B5EF4-FFF2-40B4-BE49-F238E27FC236}">
+                    <a16:creationId xmlns:a16="http://schemas.microsoft.com/office/drawing/2014/main" id="{C8BDA03F-39A4-4115-B018-784A18641D7E}"/>
+                  </a:ext>
+                </a:extLst>
+              </p:cNvPr>
+              <p:cNvSpPr/>
+              <p:nvPr/>
+            </p:nvSpPr>
+            <p:spPr>
+              <a:xfrm>
+                <a:off x="1445980" y="2164705"/>
+                <a:ext cx="2289640" cy="1078629"/>
+              </a:xfrm>
+              <a:prstGeom prst="rect">
+                <a:avLst/>
+              </a:prstGeom>
+              <a:ln>
+                <a:solidFill>
+                  <a:schemeClr val="tx1"/>
+                </a:solidFill>
+              </a:ln>
+            </p:spPr>
+            <p:txBody>
+              <a:bodyPr wrap="square">
+                <a:spAutoFit/>
+              </a:bodyPr>
+              <a:lstStyle/>
+              <a:p>
+                <a:pPr marL="76200" indent="0">
+                  <a:spcAft>
+                    <a:spcPts val="600"/>
+                  </a:spcAft>
+                  <a:buNone/>
+                </a:pPr>
+                <a14:m>
+                  <m:oMathPara xmlns:m="http://schemas.openxmlformats.org/officeDocument/2006/math">
+                    <m:oMathParaPr>
+                      <m:jc m:val="centerGroup"/>
+                    </m:oMathParaPr>
+                    <m:oMath xmlns:m="http://schemas.openxmlformats.org/officeDocument/2006/math">
+                      <m:r>
+                        <a:rPr lang="en-US" sz="2000" i="1" smtClean="0">
+                          <a:latin typeface="Cambria Math" panose="02040503050406030204" pitchFamily="18" charset="0"/>
+                          <a:ea typeface="Cambria Math" panose="02040503050406030204" pitchFamily="18" charset="0"/>
+                        </a:rPr>
+                        <m:t>𝜖</m:t>
+                      </m:r>
+                      <m:r>
+                        <a:rPr lang="en-US" sz="2000" i="1">
+                          <a:latin typeface="Cambria Math" panose="02040503050406030204" pitchFamily="18" charset="0"/>
+                        </a:rPr>
+                        <m:t>&gt;</m:t>
+                      </m:r>
+                      <m:rad>
+                        <m:radPr>
+                          <m:degHide m:val="on"/>
+                          <m:ctrlPr>
+                            <a:rPr lang="en-US" sz="2000" i="1" smtClean="0">
+                              <a:latin typeface="Cambria Math" panose="02040503050406030204" pitchFamily="18" charset="0"/>
+                            </a:rPr>
+                          </m:ctrlPr>
+                        </m:radPr>
+                        <m:deg/>
+                        <m:e>
+                          <m:f>
+                            <m:fPr>
+                              <m:ctrlPr>
+                                <a:rPr lang="en-US" sz="2000" i="1">
+                                  <a:latin typeface="Cambria Math" panose="02040503050406030204" pitchFamily="18" charset="0"/>
+                                </a:rPr>
+                              </m:ctrlPr>
+                            </m:fPr>
+                            <m:num>
+                              <m:sSup>
+                                <m:sSupPr>
+                                  <m:ctrlPr>
+                                    <a:rPr lang="en-US" sz="2000" i="1">
+                                      <a:latin typeface="Cambria Math" panose="02040503050406030204" pitchFamily="18" charset="0"/>
+                                    </a:rPr>
+                                  </m:ctrlPr>
+                                </m:sSupPr>
+                                <m:e>
+                                  <m:r>
+                                    <a:rPr lang="en-US" sz="2000" i="1">
+                                      <a:latin typeface="Cambria Math" panose="02040503050406030204" pitchFamily="18" charset="0"/>
+                                    </a:rPr>
+                                    <m:t>𝐵</m:t>
+                                  </m:r>
+                                </m:e>
+                                <m:sup>
+                                  <m:r>
+                                    <a:rPr lang="en-US" sz="2000" i="1">
+                                      <a:latin typeface="Cambria Math" panose="02040503050406030204" pitchFamily="18" charset="0"/>
+                                    </a:rPr>
+                                    <m:t>2</m:t>
+                                  </m:r>
+                                </m:sup>
+                              </m:sSup>
+                              <m:func>
+                                <m:funcPr>
+                                  <m:ctrlPr>
+                                    <a:rPr lang="en-US" sz="2000" i="1">
+                                      <a:latin typeface="Cambria Math" panose="02040503050406030204" pitchFamily="18" charset="0"/>
+                                    </a:rPr>
+                                  </m:ctrlPr>
+                                </m:funcPr>
+                                <m:fName>
+                                  <m:r>
+                                    <m:rPr>
+                                      <m:sty m:val="p"/>
+                                    </m:rPr>
+                                    <a:rPr lang="en-US" sz="2000">
+                                      <a:latin typeface="Cambria Math" panose="02040503050406030204" pitchFamily="18" charset="0"/>
+                                    </a:rPr>
+                                    <m:t>log</m:t>
+                                  </m:r>
+                                </m:fName>
+                                <m:e>
+                                  <m:r>
+                                    <a:rPr lang="en-US" sz="2000" i="1">
+                                      <a:latin typeface="Cambria Math" panose="02040503050406030204" pitchFamily="18" charset="0"/>
+                                    </a:rPr>
+                                    <m:t>(</m:t>
+                                  </m:r>
+                                  <m:f>
+                                    <m:fPr>
+                                      <m:type m:val="skw"/>
+                                      <m:ctrlPr>
+                                        <a:rPr lang="en-US" sz="2000" i="1">
+                                          <a:latin typeface="Cambria Math" panose="02040503050406030204" pitchFamily="18" charset="0"/>
+                                        </a:rPr>
+                                      </m:ctrlPr>
+                                    </m:fPr>
+                                    <m:num>
+                                      <m:r>
+                                        <a:rPr lang="en-US" sz="2000" i="1">
+                                          <a:latin typeface="Cambria Math" panose="02040503050406030204" pitchFamily="18" charset="0"/>
+                                        </a:rPr>
+                                        <m:t>2</m:t>
+                                      </m:r>
+                                    </m:num>
+                                    <m:den>
+                                      <m:r>
+                                        <a:rPr lang="en-US" sz="2000" i="1">
+                                          <a:latin typeface="Cambria Math" panose="02040503050406030204" pitchFamily="18" charset="0"/>
+                                          <a:ea typeface="Cambria Math" panose="02040503050406030204" pitchFamily="18" charset="0"/>
+                                        </a:rPr>
+                                        <m:t>𝛿</m:t>
+                                      </m:r>
+                                    </m:den>
+                                  </m:f>
+                                  <m:r>
+                                    <a:rPr lang="en-US" sz="2000" i="1">
+                                      <a:latin typeface="Cambria Math" panose="02040503050406030204" pitchFamily="18" charset="0"/>
+                                    </a:rPr>
+                                    <m:t>)</m:t>
+                                  </m:r>
+                                </m:e>
+                              </m:func>
+                            </m:num>
+                            <m:den>
+                              <m:r>
+                                <a:rPr lang="en-US" sz="2000" i="1">
+                                  <a:latin typeface="Cambria Math" panose="02040503050406030204" pitchFamily="18" charset="0"/>
+                                </a:rPr>
+                                <m:t>2</m:t>
+                              </m:r>
+                              <m:r>
+                                <a:rPr lang="en-US" sz="2000" b="0" i="1" smtClean="0">
+                                  <a:latin typeface="Cambria Math" panose="02040503050406030204" pitchFamily="18" charset="0"/>
+                                </a:rPr>
+                                <m:t>𝑛</m:t>
+                              </m:r>
+                            </m:den>
+                          </m:f>
+                        </m:e>
+                      </m:rad>
+                    </m:oMath>
+                  </m:oMathPara>
+                </a14:m>
+                <a:endParaRPr lang="en-US" sz="2000" dirty="0"/>
+              </a:p>
+            </p:txBody>
+          </p:sp>
+        </mc:Choice>
+        <mc:Fallback>
+          <p:sp>
+            <p:nvSpPr>
+              <p:cNvPr id="8" name="Rectangle 7">
+                <a:extLst>
+                  <a:ext uri="{FF2B5EF4-FFF2-40B4-BE49-F238E27FC236}">
+                    <a16:creationId xmlns:a16="http://schemas.microsoft.com/office/drawing/2014/main" id="{C8BDA03F-39A4-4115-B018-784A18641D7E}"/>
+                  </a:ext>
+                </a:extLst>
+              </p:cNvPr>
+              <p:cNvSpPr>
+                <a:spLocks noRot="1" noChangeAspect="1" noMove="1" noResize="1" noEditPoints="1" noAdjustHandles="1" noChangeArrowheads="1" noChangeShapeType="1" noTextEdit="1"/>
+              </p:cNvSpPr>
+              <p:nvPr/>
+            </p:nvSpPr>
+            <p:spPr>
+              <a:xfrm>
+                <a:off x="1445980" y="2164705"/>
+                <a:ext cx="2289640" cy="1078629"/>
+              </a:xfrm>
+              <a:prstGeom prst="rect">
+                <a:avLst/>
+              </a:prstGeom>
+              <a:blipFill>
+                <a:blip r:embed="rId4"/>
+                <a:stretch>
+                  <a:fillRect/>
+                </a:stretch>
+              </a:blipFill>
+              <a:ln>
+                <a:solidFill>
+                  <a:schemeClr val="tx1"/>
+                </a:solidFill>
+              </a:ln>
+            </p:spPr>
+            <p:txBody>
+              <a:bodyPr/>
+              <a:lstStyle/>
+              <a:p>
+                <a:r>
+                  <a:rPr lang="en-US">
+                    <a:noFill/>
+                  </a:rPr>
+                  <a:t> </a:t>
+                </a:r>
+              </a:p>
+            </p:txBody>
+          </p:sp>
+        </mc:Fallback>
+      </mc:AlternateContent>
+    </p:spTree>
+    <p:extLst>
+      <p:ext uri="{BB962C8B-B14F-4D97-AF65-F5344CB8AC3E}">
+        <p14:creationId xmlns:p14="http://schemas.microsoft.com/office/powerpoint/2010/main" val="3676651872"/>
+      </p:ext>
+    </p:extLst>
   </p:cSld>
   <p:clrMapOvr>
     <a:masterClrMapping/>
@@ -19124,7 +22757,7 @@
           <a:p>
             <a:fld id="{820E7DF1-5434-4D59-8F92-96DB76BF4828}" type="datetime1">
               <a:rPr lang="en-US" smtClean="0"/>
-              <a:t>3/21/2019</a:t>
+              <a:t>3/27/2019</a:t>
             </a:fld>
             <a:endParaRPr lang="en-US"/>
           </a:p>
@@ -19327,7 +22960,7 @@
           <a:p>
             <a:fld id="{5BD49B5D-BE1E-47CE-B5AE-785366E65429}" type="datetime1">
               <a:rPr lang="en-US" smtClean="0"/>
-              <a:t>3/21/2019</a:t>
+              <a:t>3/27/2019</a:t>
             </a:fld>
             <a:endParaRPr lang="en-US"/>
           </a:p>
@@ -19543,7 +23176,7 @@
           <a:p>
             <a:fld id="{820E7DF1-5434-4D59-8F92-96DB76BF4828}" type="datetime1">
               <a:rPr lang="en-US" smtClean="0"/>
-              <a:t>3/21/2019</a:t>
+              <a:t>3/27/2019</a:t>
             </a:fld>
             <a:endParaRPr lang="en-US" dirty="0"/>
           </a:p>
@@ -19782,7 +23415,7 @@
           <a:p>
             <a:fld id="{E3C437B3-456E-4237-8930-C5960A85FE45}" type="datetime1">
               <a:rPr lang="en-US" smtClean="0"/>
-              <a:t>3/21/2019</a:t>
+              <a:t>3/27/2019</a:t>
             </a:fld>
             <a:endParaRPr lang="en-US" dirty="0"/>
           </a:p>
@@ -20408,7 +24041,7 @@
           <a:p>
             <a:fld id="{7D958BDE-3B0C-4527-A6FF-307E1F08A89B}" type="datetime1">
               <a:rPr lang="en-US" smtClean="0"/>
-              <a:t>3/21/2019</a:t>
+              <a:t>3/27/2019</a:t>
             </a:fld>
             <a:endParaRPr lang="en-US"/>
           </a:p>
@@ -20872,7 +24505,7 @@
             </a:r>
             <a:r>
               <a:rPr lang="en-US" dirty="0"/>
-              <a:t> Can we reduce the time to find bellwether by reducing the size of data?</a:t>
+              <a:t> Can we reduce the time to find bellwether by 	reducing the size of data?</a:t>
             </a:r>
           </a:p>
           <a:p>
@@ -20893,7 +24526,7 @@
             </a:r>
             <a:r>
               <a:rPr lang="en-US" dirty="0"/>
-              <a:t> Does Hoeffding sampling give better performance that project elimination?</a:t>
+              <a:t> Does Hoeffding sampling give better performance 	than project elimination?</a:t>
             </a:r>
           </a:p>
           <a:p>
@@ -20914,7 +24547,7 @@
             </a:r>
             <a:r>
               <a:rPr lang="en-US" dirty="0"/>
-              <a:t> Does feature selection improve the time for bellwether identification?</a:t>
+              <a:t> Does feature selection improve the time for 	bellwether identification?</a:t>
             </a:r>
             <a:endParaRPr dirty="0"/>
           </a:p>
@@ -20949,7 +24582,7 @@
           <a:p>
             <a:fld id="{089BF45B-30F0-49A9-B5F5-E1A3D371270C}" type="datetime1">
               <a:rPr lang="en-US" smtClean="0"/>
-              <a:t>3/21/2019</a:t>
+              <a:t>3/27/2019</a:t>
             </a:fld>
             <a:endParaRPr lang="en-US"/>
           </a:p>
@@ -21573,7 +25206,7 @@
           <a:p>
             <a:fld id="{820E7DF1-5434-4D59-8F92-96DB76BF4828}" type="datetime1">
               <a:rPr lang="en-US" smtClean="0"/>
-              <a:t>3/21/2019</a:t>
+              <a:t>3/27/2019</a:t>
             </a:fld>
             <a:endParaRPr lang="en-US"/>
           </a:p>
